--- a/Design and Pseudocode Materials/Major Project Presentation.pptx
+++ b/Design and Pseudocode Materials/Major Project Presentation.pptx
@@ -5,29 +5,31 @@
     <p:sldMasterId id="2147483672" r:id="rId1"/>
   </p:sldMasterIdLst>
   <p:notesMasterIdLst>
-    <p:notesMasterId r:id="rId19"/>
+    <p:notesMasterId r:id="rId21"/>
   </p:notesMasterIdLst>
   <p:handoutMasterIdLst>
-    <p:handoutMasterId r:id="rId20"/>
+    <p:handoutMasterId r:id="rId22"/>
   </p:handoutMasterIdLst>
   <p:sldIdLst>
     <p:sldId id="256" r:id="rId2"/>
     <p:sldId id="261" r:id="rId3"/>
     <p:sldId id="262" r:id="rId4"/>
-    <p:sldId id="273" r:id="rId5"/>
-    <p:sldId id="264" r:id="rId6"/>
-    <p:sldId id="274" r:id="rId7"/>
-    <p:sldId id="272" r:id="rId8"/>
-    <p:sldId id="263" r:id="rId9"/>
-    <p:sldId id="265" r:id="rId10"/>
-    <p:sldId id="276" r:id="rId11"/>
-    <p:sldId id="267" r:id="rId12"/>
-    <p:sldId id="268" r:id="rId13"/>
-    <p:sldId id="269" r:id="rId14"/>
-    <p:sldId id="270" r:id="rId15"/>
-    <p:sldId id="271" r:id="rId16"/>
-    <p:sldId id="275" r:id="rId17"/>
-    <p:sldId id="260" r:id="rId18"/>
+    <p:sldId id="277" r:id="rId5"/>
+    <p:sldId id="273" r:id="rId6"/>
+    <p:sldId id="264" r:id="rId7"/>
+    <p:sldId id="274" r:id="rId8"/>
+    <p:sldId id="272" r:id="rId9"/>
+    <p:sldId id="263" r:id="rId10"/>
+    <p:sldId id="265" r:id="rId11"/>
+    <p:sldId id="276" r:id="rId12"/>
+    <p:sldId id="267" r:id="rId13"/>
+    <p:sldId id="268" r:id="rId14"/>
+    <p:sldId id="269" r:id="rId15"/>
+    <p:sldId id="270" r:id="rId16"/>
+    <p:sldId id="271" r:id="rId17"/>
+    <p:sldId id="275" r:id="rId18"/>
+    <p:sldId id="260" r:id="rId19"/>
+    <p:sldId id="278" r:id="rId20"/>
   </p:sldIdLst>
   <p:sldSz cx="12192000" cy="6858000"/>
   <p:notesSz cx="6858000" cy="9144000"/>
@@ -231,7 +233,7 @@
           <a:p>
             <a:fld id="{AF869721-F543-4A6C-BF9D-65D7CC540427}" type="datetimeFigureOut">
               <a:rPr lang="en-US" smtClean="0"/>
-              <a:t>5/23/2022</a:t>
+              <a:t>5/24/2022</a:t>
             </a:fld>
             <a:endParaRPr lang="en-US" dirty="0"/>
           </a:p>
@@ -408,7 +410,7 @@
           <a:p>
             <a:fld id="{C732326A-4C88-4AFB-AA5B-5919D81DFF5B}" type="datetimeFigureOut">
               <a:rPr lang="en-US" smtClean="0"/>
-              <a:t>5/23/2022</a:t>
+              <a:t>5/24/2022</a:t>
             </a:fld>
             <a:endParaRPr lang="en-US" dirty="0"/>
           </a:p>
@@ -824,7 +826,7 @@
           <a:p>
             <a:fld id="{C6B3AB32-59DF-41F1-9618-EDFBF5049629}" type="slidenum">
               <a:rPr lang="en-US" smtClean="0"/>
-              <a:t>17</a:t>
+              <a:t>18</a:t>
             </a:fld>
             <a:endParaRPr lang="en-US" dirty="0"/>
           </a:p>
@@ -1089,7 +1091,7 @@
             <a:fld id="{B61BEF0D-F0BB-DE4B-95CE-6DB70DBA9567}" type="datetimeFigureOut">
               <a:rPr lang="en-US" smtClean="0"/>
               <a:pPr/>
-              <a:t>5/23/2022</a:t>
+              <a:t>5/24/2022</a:t>
             </a:fld>
             <a:endParaRPr lang="en-US" dirty="0"/>
           </a:p>
@@ -1353,7 +1355,7 @@
             <a:fld id="{B61BEF0D-F0BB-DE4B-95CE-6DB70DBA9567}" type="datetimeFigureOut">
               <a:rPr lang="en-US" smtClean="0"/>
               <a:pPr/>
-              <a:t>5/23/2022</a:t>
+              <a:t>5/24/2022</a:t>
             </a:fld>
             <a:endParaRPr lang="en-US" dirty="0"/>
           </a:p>
@@ -1590,7 +1592,7 @@
             <a:fld id="{B61BEF0D-F0BB-DE4B-95CE-6DB70DBA9567}" type="datetimeFigureOut">
               <a:rPr lang="en-US" smtClean="0"/>
               <a:pPr/>
-              <a:t>5/23/2022</a:t>
+              <a:t>5/24/2022</a:t>
             </a:fld>
             <a:endParaRPr lang="en-US" dirty="0"/>
           </a:p>
@@ -1832,7 +1834,7 @@
             <a:fld id="{B61BEF0D-F0BB-DE4B-95CE-6DB70DBA9567}" type="datetimeFigureOut">
               <a:rPr lang="en-US" smtClean="0"/>
               <a:pPr/>
-              <a:t>5/23/2022</a:t>
+              <a:t>5/24/2022</a:t>
             </a:fld>
             <a:endParaRPr lang="en-US" dirty="0"/>
           </a:p>
@@ -2141,7 +2143,7 @@
             <a:fld id="{B61BEF0D-F0BB-DE4B-95CE-6DB70DBA9567}" type="datetimeFigureOut">
               <a:rPr lang="en-US" smtClean="0"/>
               <a:pPr/>
-              <a:t>5/23/2022</a:t>
+              <a:t>5/24/2022</a:t>
             </a:fld>
             <a:endParaRPr lang="en-US" dirty="0"/>
           </a:p>
@@ -2445,7 +2447,7 @@
             <a:fld id="{B61BEF0D-F0BB-DE4B-95CE-6DB70DBA9567}" type="datetimeFigureOut">
               <a:rPr lang="en-US" smtClean="0"/>
               <a:pPr/>
-              <a:t>5/23/2022</a:t>
+              <a:t>5/24/2022</a:t>
             </a:fld>
             <a:endParaRPr lang="en-US" dirty="0"/>
           </a:p>
@@ -2869,7 +2871,7 @@
             <a:fld id="{B61BEF0D-F0BB-DE4B-95CE-6DB70DBA9567}" type="datetimeFigureOut">
               <a:rPr lang="en-US" smtClean="0"/>
               <a:pPr/>
-              <a:t>5/23/2022</a:t>
+              <a:t>5/24/2022</a:t>
             </a:fld>
             <a:endParaRPr lang="en-US" dirty="0"/>
           </a:p>
@@ -2966,7 +2968,7 @@
             <a:fld id="{B61BEF0D-F0BB-DE4B-95CE-6DB70DBA9567}" type="datetimeFigureOut">
               <a:rPr lang="en-US" smtClean="0"/>
               <a:pPr/>
-              <a:t>5/23/2022</a:t>
+              <a:t>5/24/2022</a:t>
             </a:fld>
             <a:endParaRPr lang="en-US" dirty="0"/>
           </a:p>
@@ -3130,7 +3132,7 @@
             <a:fld id="{B61BEF0D-F0BB-DE4B-95CE-6DB70DBA9567}" type="datetimeFigureOut">
               <a:rPr lang="en-US" smtClean="0"/>
               <a:pPr/>
-              <a:t>5/23/2022</a:t>
+              <a:t>5/24/2022</a:t>
             </a:fld>
             <a:endParaRPr lang="en-US" dirty="0"/>
           </a:p>
@@ -3510,7 +3512,7 @@
             <a:fld id="{B61BEF0D-F0BB-DE4B-95CE-6DB70DBA9567}" type="datetimeFigureOut">
               <a:rPr lang="en-US" smtClean="0"/>
               <a:pPr/>
-              <a:t>5/23/2022</a:t>
+              <a:t>5/24/2022</a:t>
             </a:fld>
             <a:endParaRPr lang="en-US" dirty="0"/>
           </a:p>
@@ -3801,7 +3803,7 @@
             <a:fld id="{B61BEF0D-F0BB-DE4B-95CE-6DB70DBA9567}" type="datetimeFigureOut">
               <a:rPr lang="en-US" smtClean="0"/>
               <a:pPr/>
-              <a:t>5/23/2022</a:t>
+              <a:t>5/24/2022</a:t>
             </a:fld>
             <a:endParaRPr lang="en-US" dirty="0"/>
           </a:p>
@@ -4014,7 +4016,7 @@
             <a:fld id="{B61BEF0D-F0BB-DE4B-95CE-6DB70DBA9567}" type="datetimeFigureOut">
               <a:rPr lang="en-US" smtClean="0"/>
               <a:pPr/>
-              <a:t>5/23/2022</a:t>
+              <a:t>5/24/2022</a:t>
             </a:fld>
             <a:endParaRPr lang="en-US" dirty="0"/>
           </a:p>
@@ -5076,7 +5078,7 @@
           <p:cNvPr id="2" name="Title 1">
             <a:extLst>
               <a:ext uri="{FF2B5EF4-FFF2-40B4-BE49-F238E27FC236}">
-                <a16:creationId xmlns:a16="http://schemas.microsoft.com/office/drawing/2014/main" id="{74FFB04B-03C3-FC82-7270-42C9D581FDAB}"/>
+                <a16:creationId xmlns:a16="http://schemas.microsoft.com/office/drawing/2014/main" id="{6DA39524-6704-D260-3946-C5F2AF0D6D79}"/>
               </a:ext>
             </a:extLst>
           </p:cNvPr>
@@ -5094,13 +5096,8 @@
           <a:p>
             <a:r>
               <a:rPr lang="en-AU" dirty="0"/>
-              <a:t>Serial Module </a:t>
-            </a:r>
-            <a:r>
-              <a:rPr lang="en-AU" dirty="0" err="1"/>
-              <a:t>PSEUdoCode</a:t>
-            </a:r>
-            <a:endParaRPr lang="en-AU" dirty="0"/>
+              <a:t>Roles and Responsibilities </a:t>
+            </a:r>
           </a:p>
         </p:txBody>
       </p:sp>
@@ -5109,7 +5106,7 @@
           <p:cNvPr id="3" name="Content Placeholder 2">
             <a:extLst>
               <a:ext uri="{FF2B5EF4-FFF2-40B4-BE49-F238E27FC236}">
-                <a16:creationId xmlns:a16="http://schemas.microsoft.com/office/drawing/2014/main" id="{0EBF9320-EB38-2A17-003E-330D32C5491B}"/>
+                <a16:creationId xmlns:a16="http://schemas.microsoft.com/office/drawing/2014/main" id="{539B4EA0-6377-956A-38C4-EECB0B2BAD94}"/>
               </a:ext>
             </a:extLst>
           </p:cNvPr>
@@ -5122,91 +5119,483 @@
         </p:nvSpPr>
         <p:spPr/>
         <p:txBody>
-          <a:bodyPr>
-            <a:normAutofit lnSpcReduction="10000"/>
-          </a:bodyPr>
+          <a:bodyPr anchor="t"/>
           <a:lstStyle/>
           <a:p>
             <a:pPr marL="0" indent="0">
               <a:buNone/>
             </a:pPr>
             <a:r>
-              <a:rPr lang="en-GB" sz="1400" b="1" dirty="0"/>
-              <a:t>Serial Output</a:t>
-            </a:r>
-          </a:p>
-          <a:p>
-            <a:r>
-              <a:rPr lang="en-GB" sz="1400" dirty="0"/>
-              <a:t>Function called</a:t>
-            </a:r>
-          </a:p>
-          <a:p>
-            <a:r>
-              <a:rPr lang="en-GB" sz="1400" dirty="0"/>
-              <a:t>Load argument into buffer and end buffer with null</a:t>
-            </a:r>
-          </a:p>
-          <a:p>
-            <a:r>
-              <a:rPr lang="en-GB" sz="1400" dirty="0"/>
-              <a:t>Update message to send bit/register to true</a:t>
-            </a:r>
-          </a:p>
-          <a:p>
-            <a:r>
-              <a:rPr lang="en-GB" sz="1400" dirty="0"/>
-              <a:t>Check whether terminal ready to receive</a:t>
-            </a:r>
-          </a:p>
-          <a:p>
-            <a:r>
-              <a:rPr lang="en-GB" sz="1400" dirty="0"/>
-              <a:t>If ready to receive, transmit character by character until null reached Update message to send bit/register to false</a:t>
-            </a:r>
-          </a:p>
-          <a:p>
-            <a:r>
-              <a:rPr lang="en-GB" sz="1400" dirty="0"/>
-              <a:t>Clear buffer </a:t>
+              <a:rPr lang="en-AU" dirty="0"/>
+              <a:t>Roles for this project were spread evenly among the group, with each member acting as the primary for one module.</a:t>
             </a:r>
           </a:p>
           <a:p>
             <a:pPr marL="0" indent="0">
               <a:buNone/>
             </a:pPr>
-            <a:r>
-              <a:rPr lang="en-GB" sz="1400" b="1" dirty="0"/>
-              <a:t>Serial Input</a:t>
-            </a:r>
-          </a:p>
-          <a:p>
-            <a:r>
-              <a:rPr lang="en-GB" sz="1400" dirty="0"/>
-              <a:t>If receive interrupt triggered </a:t>
-            </a:r>
-          </a:p>
-          <a:p>
-            <a:r>
-              <a:rPr lang="en-GB" sz="1400" dirty="0"/>
-              <a:t>While message waiting to be received, read character by character into buffer</a:t>
-            </a:r>
-          </a:p>
-          <a:p>
-            <a:r>
-              <a:rPr lang="en-GB" sz="1400" dirty="0"/>
-              <a:t>Update message to receive bit/register to false once null character received</a:t>
-            </a:r>
-          </a:p>
-          <a:p>
             <a:endParaRPr lang="en-AU" dirty="0"/>
           </a:p>
         </p:txBody>
       </p:sp>
+      <p:graphicFrame>
+        <p:nvGraphicFramePr>
+          <p:cNvPr id="4" name="Table 4">
+            <a:extLst>
+              <a:ext uri="{FF2B5EF4-FFF2-40B4-BE49-F238E27FC236}">
+                <a16:creationId xmlns:a16="http://schemas.microsoft.com/office/drawing/2014/main" id="{3418FF52-86B3-557B-4765-2D4C13089BCD}"/>
+              </a:ext>
+            </a:extLst>
+          </p:cNvPr>
+          <p:cNvGraphicFramePr>
+            <a:graphicFrameLocks noGrp="1"/>
+          </p:cNvGraphicFramePr>
+          <p:nvPr>
+            <p:extLst>
+              <p:ext uri="{D42A27DB-BD31-4B8C-83A1-F6EECF244321}">
+                <p14:modId xmlns:p14="http://schemas.microsoft.com/office/powerpoint/2010/main" val="3120661825"/>
+              </p:ext>
+            </p:extLst>
+          </p:nvPr>
+        </p:nvGraphicFramePr>
+        <p:xfrm>
+          <a:off x="2031999" y="2721707"/>
+          <a:ext cx="8128000" cy="3134360"/>
+        </p:xfrm>
+        <a:graphic>
+          <a:graphicData uri="http://schemas.openxmlformats.org/drawingml/2006/table">
+            <a:tbl>
+              <a:tblPr firstRow="1" bandRow="1">
+                <a:tableStyleId>{5C22544A-7EE6-4342-B048-85BDC9FD1C3A}</a:tableStyleId>
+              </a:tblPr>
+              <a:tblGrid>
+                <a:gridCol w="2032000">
+                  <a:extLst>
+                    <a:ext uri="{9D8B030D-6E8A-4147-A177-3AD203B41FA5}">
+                      <a16:colId xmlns:a16="http://schemas.microsoft.com/office/drawing/2014/main" val="3894842504"/>
+                    </a:ext>
+                  </a:extLst>
+                </a:gridCol>
+                <a:gridCol w="2032000">
+                  <a:extLst>
+                    <a:ext uri="{9D8B030D-6E8A-4147-A177-3AD203B41FA5}">
+                      <a16:colId xmlns:a16="http://schemas.microsoft.com/office/drawing/2014/main" val="961461861"/>
+                    </a:ext>
+                  </a:extLst>
+                </a:gridCol>
+                <a:gridCol w="2032000">
+                  <a:extLst>
+                    <a:ext uri="{9D8B030D-6E8A-4147-A177-3AD203B41FA5}">
+                      <a16:colId xmlns:a16="http://schemas.microsoft.com/office/drawing/2014/main" val="779492511"/>
+                    </a:ext>
+                  </a:extLst>
+                </a:gridCol>
+                <a:gridCol w="2032000">
+                  <a:extLst>
+                    <a:ext uri="{9D8B030D-6E8A-4147-A177-3AD203B41FA5}">
+                      <a16:colId xmlns:a16="http://schemas.microsoft.com/office/drawing/2014/main" val="1893478059"/>
+                    </a:ext>
+                  </a:extLst>
+                </a:gridCol>
+              </a:tblGrid>
+              <a:tr h="370840">
+                <a:tc>
+                  <a:txBody>
+                    <a:bodyPr/>
+                    <a:lstStyle/>
+                    <a:p>
+                      <a:r>
+                        <a:rPr lang="en-AU" dirty="0"/>
+                        <a:t>Roles</a:t>
+                      </a:r>
+                    </a:p>
+                  </a:txBody>
+                  <a:tcPr/>
+                </a:tc>
+                <a:tc>
+                  <a:txBody>
+                    <a:bodyPr/>
+                    <a:lstStyle/>
+                    <a:p>
+                      <a:r>
+                        <a:rPr lang="en-AU" dirty="0"/>
+                        <a:t>Primary</a:t>
+                      </a:r>
+                    </a:p>
+                  </a:txBody>
+                  <a:tcPr/>
+                </a:tc>
+                <a:tc>
+                  <a:txBody>
+                    <a:bodyPr/>
+                    <a:lstStyle/>
+                    <a:p>
+                      <a:r>
+                        <a:rPr lang="en-AU" dirty="0"/>
+                        <a:t>Secondary</a:t>
+                      </a:r>
+                    </a:p>
+                  </a:txBody>
+                  <a:tcPr/>
+                </a:tc>
+                <a:tc>
+                  <a:txBody>
+                    <a:bodyPr/>
+                    <a:lstStyle/>
+                    <a:p>
+                      <a:r>
+                        <a:rPr lang="en-AU" dirty="0"/>
+                        <a:t>Support</a:t>
+                      </a:r>
+                    </a:p>
+                  </a:txBody>
+                  <a:tcPr/>
+                </a:tc>
+                <a:extLst>
+                  <a:ext uri="{0D108BD9-81ED-4DB2-BD59-A6C34878D82A}">
+                    <a16:rowId xmlns:a16="http://schemas.microsoft.com/office/drawing/2014/main" val="1583112351"/>
+                  </a:ext>
+                </a:extLst>
+              </a:tr>
+              <a:tr h="370840">
+                <a:tc>
+                  <a:txBody>
+                    <a:bodyPr/>
+                    <a:lstStyle/>
+                    <a:p>
+                      <a:r>
+                        <a:rPr lang="en-AU" dirty="0"/>
+                        <a:t>Serial module</a:t>
+                      </a:r>
+                    </a:p>
+                  </a:txBody>
+                  <a:tcPr/>
+                </a:tc>
+                <a:tc>
+                  <a:txBody>
+                    <a:bodyPr/>
+                    <a:lstStyle/>
+                    <a:p>
+                      <a:r>
+                        <a:rPr lang="en-AU" dirty="0"/>
+                        <a:t>Will</a:t>
+                      </a:r>
+                    </a:p>
+                  </a:txBody>
+                  <a:tcPr/>
+                </a:tc>
+                <a:tc>
+                  <a:txBody>
+                    <a:bodyPr/>
+                    <a:lstStyle/>
+                    <a:p>
+                      <a:r>
+                        <a:rPr lang="en-AU" dirty="0"/>
+                        <a:t>Joon</a:t>
+                      </a:r>
+                    </a:p>
+                  </a:txBody>
+                  <a:tcPr/>
+                </a:tc>
+                <a:tc>
+                  <a:txBody>
+                    <a:bodyPr/>
+                    <a:lstStyle/>
+                    <a:p>
+                      <a:endParaRPr lang="en-AU"/>
+                    </a:p>
+                  </a:txBody>
+                  <a:tcPr/>
+                </a:tc>
+                <a:extLst>
+                  <a:ext uri="{0D108BD9-81ED-4DB2-BD59-A6C34878D82A}">
+                    <a16:rowId xmlns:a16="http://schemas.microsoft.com/office/drawing/2014/main" val="2116312314"/>
+                  </a:ext>
+                </a:extLst>
+              </a:tr>
+              <a:tr h="370840">
+                <a:tc>
+                  <a:txBody>
+                    <a:bodyPr/>
+                    <a:lstStyle/>
+                    <a:p>
+                      <a:r>
+                        <a:rPr lang="en-AU" dirty="0"/>
+                        <a:t>Audio/visual module</a:t>
+                      </a:r>
+                    </a:p>
+                  </a:txBody>
+                  <a:tcPr/>
+                </a:tc>
+                <a:tc>
+                  <a:txBody>
+                    <a:bodyPr/>
+                    <a:lstStyle/>
+                    <a:p>
+                      <a:r>
+                        <a:rPr lang="en-AU" dirty="0"/>
+                        <a:t>Ethan</a:t>
+                      </a:r>
+                    </a:p>
+                  </a:txBody>
+                  <a:tcPr/>
+                </a:tc>
+                <a:tc>
+                  <a:txBody>
+                    <a:bodyPr/>
+                    <a:lstStyle/>
+                    <a:p>
+                      <a:endParaRPr lang="en-AU" dirty="0"/>
+                    </a:p>
+                  </a:txBody>
+                  <a:tcPr/>
+                </a:tc>
+                <a:tc>
+                  <a:txBody>
+                    <a:bodyPr/>
+                    <a:lstStyle/>
+                    <a:p>
+                      <a:endParaRPr lang="en-AU"/>
+                    </a:p>
+                  </a:txBody>
+                  <a:tcPr/>
+                </a:tc>
+                <a:extLst>
+                  <a:ext uri="{0D108BD9-81ED-4DB2-BD59-A6C34878D82A}">
+                    <a16:rowId xmlns:a16="http://schemas.microsoft.com/office/drawing/2014/main" val="3773811662"/>
+                  </a:ext>
+                </a:extLst>
+              </a:tr>
+              <a:tr h="370840">
+                <a:tc>
+                  <a:txBody>
+                    <a:bodyPr/>
+                    <a:lstStyle/>
+                    <a:p>
+                      <a:r>
+                        <a:rPr lang="en-AU" dirty="0"/>
+                        <a:t>Status module </a:t>
+                      </a:r>
+                    </a:p>
+                  </a:txBody>
+                  <a:tcPr/>
+                </a:tc>
+                <a:tc>
+                  <a:txBody>
+                    <a:bodyPr/>
+                    <a:lstStyle/>
+                    <a:p>
+                      <a:r>
+                        <a:rPr lang="en-AU" dirty="0"/>
+                        <a:t>Joon</a:t>
+                      </a:r>
+                    </a:p>
+                  </a:txBody>
+                  <a:tcPr/>
+                </a:tc>
+                <a:tc>
+                  <a:txBody>
+                    <a:bodyPr/>
+                    <a:lstStyle/>
+                    <a:p>
+                      <a:endParaRPr lang="en-AU"/>
+                    </a:p>
+                  </a:txBody>
+                  <a:tcPr/>
+                </a:tc>
+                <a:tc>
+                  <a:txBody>
+                    <a:bodyPr/>
+                    <a:lstStyle/>
+                    <a:p>
+                      <a:endParaRPr lang="en-AU"/>
+                    </a:p>
+                  </a:txBody>
+                  <a:tcPr/>
+                </a:tc>
+                <a:extLst>
+                  <a:ext uri="{0D108BD9-81ED-4DB2-BD59-A6C34878D82A}">
+                    <a16:rowId xmlns:a16="http://schemas.microsoft.com/office/drawing/2014/main" val="2315356098"/>
+                  </a:ext>
+                </a:extLst>
+              </a:tr>
+              <a:tr h="370840">
+                <a:tc>
+                  <a:txBody>
+                    <a:bodyPr/>
+                    <a:lstStyle/>
+                    <a:p>
+                      <a:r>
+                        <a:rPr lang="en-AU"/>
+                        <a:t>Object tracking </a:t>
+                      </a:r>
+                      <a:r>
+                        <a:rPr lang="en-AU" dirty="0"/>
+                        <a:t>module</a:t>
+                      </a:r>
+                    </a:p>
+                  </a:txBody>
+                  <a:tcPr/>
+                </a:tc>
+                <a:tc>
+                  <a:txBody>
+                    <a:bodyPr/>
+                    <a:lstStyle/>
+                    <a:p>
+                      <a:r>
+                        <a:rPr lang="en-AU" dirty="0"/>
+                        <a:t>Taj</a:t>
+                      </a:r>
+                    </a:p>
+                  </a:txBody>
+                  <a:tcPr/>
+                </a:tc>
+                <a:tc>
+                  <a:txBody>
+                    <a:bodyPr/>
+                    <a:lstStyle/>
+                    <a:p>
+                      <a:r>
+                        <a:rPr lang="en-AU" dirty="0"/>
+                        <a:t>Josh</a:t>
+                      </a:r>
+                    </a:p>
+                  </a:txBody>
+                  <a:tcPr/>
+                </a:tc>
+                <a:tc>
+                  <a:txBody>
+                    <a:bodyPr/>
+                    <a:lstStyle/>
+                    <a:p>
+                      <a:endParaRPr lang="en-AU"/>
+                    </a:p>
+                  </a:txBody>
+                  <a:tcPr/>
+                </a:tc>
+                <a:extLst>
+                  <a:ext uri="{0D108BD9-81ED-4DB2-BD59-A6C34878D82A}">
+                    <a16:rowId xmlns:a16="http://schemas.microsoft.com/office/drawing/2014/main" val="3415284574"/>
+                  </a:ext>
+                </a:extLst>
+              </a:tr>
+              <a:tr h="370840">
+                <a:tc>
+                  <a:txBody>
+                    <a:bodyPr/>
+                    <a:lstStyle/>
+                    <a:p>
+                      <a:r>
+                        <a:rPr lang="en-AU" dirty="0"/>
+                        <a:t>Control module</a:t>
+                      </a:r>
+                    </a:p>
+                  </a:txBody>
+                  <a:tcPr/>
+                </a:tc>
+                <a:tc>
+                  <a:txBody>
+                    <a:bodyPr/>
+                    <a:lstStyle/>
+                    <a:p>
+                      <a:r>
+                        <a:rPr lang="en-AU" dirty="0"/>
+                        <a:t>Josh</a:t>
+                      </a:r>
+                    </a:p>
+                  </a:txBody>
+                  <a:tcPr/>
+                </a:tc>
+                <a:tc>
+                  <a:txBody>
+                    <a:bodyPr/>
+                    <a:lstStyle/>
+                    <a:p>
+                      <a:endParaRPr lang="en-AU" dirty="0"/>
+                    </a:p>
+                  </a:txBody>
+                  <a:tcPr/>
+                </a:tc>
+                <a:tc>
+                  <a:txBody>
+                    <a:bodyPr/>
+                    <a:lstStyle/>
+                    <a:p>
+                      <a:endParaRPr lang="en-AU"/>
+                    </a:p>
+                  </a:txBody>
+                  <a:tcPr/>
+                </a:tc>
+                <a:extLst>
+                  <a:ext uri="{0D108BD9-81ED-4DB2-BD59-A6C34878D82A}">
+                    <a16:rowId xmlns:a16="http://schemas.microsoft.com/office/drawing/2014/main" val="982157175"/>
+                  </a:ext>
+                </a:extLst>
+              </a:tr>
+              <a:tr h="370840">
+                <a:tc>
+                  <a:txBody>
+                    <a:bodyPr/>
+                    <a:lstStyle/>
+                    <a:p>
+                      <a:r>
+                        <a:rPr lang="en-AU" dirty="0"/>
+                        <a:t>Documentation</a:t>
+                      </a:r>
+                    </a:p>
+                  </a:txBody>
+                  <a:tcPr/>
+                </a:tc>
+                <a:tc>
+                  <a:txBody>
+                    <a:bodyPr/>
+                    <a:lstStyle/>
+                    <a:p>
+                      <a:r>
+                        <a:rPr lang="en-AU" dirty="0"/>
+                        <a:t>Will</a:t>
+                      </a:r>
+                    </a:p>
+                  </a:txBody>
+                  <a:tcPr/>
+                </a:tc>
+                <a:tc>
+                  <a:txBody>
+                    <a:bodyPr/>
+                    <a:lstStyle/>
+                    <a:p>
+                      <a:r>
+                        <a:rPr lang="en-AU" dirty="0"/>
+                        <a:t>Ethan</a:t>
+                      </a:r>
+                    </a:p>
+                  </a:txBody>
+                  <a:tcPr/>
+                </a:tc>
+                <a:tc>
+                  <a:txBody>
+                    <a:bodyPr/>
+                    <a:lstStyle/>
+                    <a:p>
+                      <a:endParaRPr lang="en-AU" dirty="0"/>
+                    </a:p>
+                  </a:txBody>
+                  <a:tcPr/>
+                </a:tc>
+                <a:extLst>
+                  <a:ext uri="{0D108BD9-81ED-4DB2-BD59-A6C34878D82A}">
+                    <a16:rowId xmlns:a16="http://schemas.microsoft.com/office/drawing/2014/main" val="3342758123"/>
+                  </a:ext>
+                </a:extLst>
+              </a:tr>
+            </a:tbl>
+          </a:graphicData>
+        </a:graphic>
+      </p:graphicFrame>
     </p:spTree>
     <p:extLst>
       <p:ext uri="{BB962C8B-B14F-4D97-AF65-F5344CB8AC3E}">
-        <p14:creationId xmlns:p14="http://schemas.microsoft.com/office/powerpoint/2010/main" val="1388907516"/>
+        <p14:creationId xmlns:p14="http://schemas.microsoft.com/office/powerpoint/2010/main" val="3060279616"/>
       </p:ext>
     </p:extLst>
   </p:cSld>
@@ -5238,7 +5627,7 @@
           <p:cNvPr id="2" name="Title 1">
             <a:extLst>
               <a:ext uri="{FF2B5EF4-FFF2-40B4-BE49-F238E27FC236}">
-                <a16:creationId xmlns:a16="http://schemas.microsoft.com/office/drawing/2014/main" id="{61186553-5FD4-CD22-6985-7147A59F9846}"/>
+                <a16:creationId xmlns:a16="http://schemas.microsoft.com/office/drawing/2014/main" id="{74FFB04B-03C3-FC82-7270-42C9D581FDAB}"/>
               </a:ext>
             </a:extLst>
           </p:cNvPr>
@@ -5256,11 +5645,11 @@
           <a:p>
             <a:r>
               <a:rPr lang="en-AU" dirty="0"/>
-              <a:t>AUDIO/Visual Module </a:t>
+              <a:t>Serial Module </a:t>
             </a:r>
             <a:r>
               <a:rPr lang="en-AU" dirty="0" err="1"/>
-              <a:t>PseudoCode</a:t>
+              <a:t>PSEUdoCode</a:t>
             </a:r>
             <a:endParaRPr lang="en-AU" dirty="0"/>
           </a:p>
@@ -5271,7 +5660,7 @@
           <p:cNvPr id="3" name="Content Placeholder 2">
             <a:extLst>
               <a:ext uri="{FF2B5EF4-FFF2-40B4-BE49-F238E27FC236}">
-                <a16:creationId xmlns:a16="http://schemas.microsoft.com/office/drawing/2014/main" id="{D6E3B58C-8F2D-149C-F3F6-FBCDD2243EFC}"/>
+                <a16:creationId xmlns:a16="http://schemas.microsoft.com/office/drawing/2014/main" id="{0EBF9320-EB38-2A17-003E-330D32C5491B}"/>
               </a:ext>
             </a:extLst>
           </p:cNvPr>
@@ -5285,7 +5674,7 @@
         <p:spPr/>
         <p:txBody>
           <a:bodyPr>
-            <a:normAutofit fontScale="77500" lnSpcReduction="20000"/>
+            <a:normAutofit lnSpcReduction="10000"/>
           </a:bodyPr>
           <a:lstStyle/>
           <a:p>
@@ -5293,85 +5682,71 @@
               <a:buNone/>
             </a:pPr>
             <a:r>
-              <a:rPr lang="en-AU" b="1" dirty="0"/>
-              <a:t>Sound Module </a:t>
-            </a:r>
-          </a:p>
-          <a:p>
-            <a:r>
-              <a:rPr lang="en-GB" dirty="0"/>
-              <a:t>Take in distance b/w cart and user (maybe via function call)</a:t>
-            </a:r>
-          </a:p>
-          <a:p>
-            <a:r>
-              <a:rPr lang="en-GB" dirty="0"/>
-              <a:t>If user is too close beep</a:t>
-            </a:r>
-          </a:p>
-          <a:p>
-            <a:pPr lvl="1"/>
-            <a:r>
-              <a:rPr lang="en-GB" dirty="0"/>
-              <a:t>Beep at variable lengths based on distance</a:t>
-            </a:r>
-          </a:p>
-          <a:p>
-            <a:pPr lvl="1"/>
-            <a:endParaRPr lang="en-GB" dirty="0"/>
+              <a:rPr lang="en-GB" sz="1400" b="1" dirty="0"/>
+              <a:t>Serial Output</a:t>
+            </a:r>
+          </a:p>
+          <a:p>
+            <a:r>
+              <a:rPr lang="en-GB" sz="1400" dirty="0"/>
+              <a:t>Function called</a:t>
+            </a:r>
+          </a:p>
+          <a:p>
+            <a:r>
+              <a:rPr lang="en-GB" sz="1400" dirty="0"/>
+              <a:t>Load argument into buffer and end buffer with null</a:t>
+            </a:r>
+          </a:p>
+          <a:p>
+            <a:r>
+              <a:rPr lang="en-GB" sz="1400" dirty="0"/>
+              <a:t>Update message to send bit/register to true</a:t>
+            </a:r>
+          </a:p>
+          <a:p>
+            <a:r>
+              <a:rPr lang="en-GB" sz="1400" dirty="0"/>
+              <a:t>Check whether terminal ready to receive</a:t>
+            </a:r>
+          </a:p>
+          <a:p>
+            <a:r>
+              <a:rPr lang="en-GB" sz="1400" dirty="0"/>
+              <a:t>If ready to receive, transmit character by character until null reached Update message to send bit/register to false</a:t>
+            </a:r>
+          </a:p>
+          <a:p>
+            <a:r>
+              <a:rPr lang="en-GB" sz="1400" dirty="0"/>
+              <a:t>Clear buffer </a:t>
+            </a:r>
           </a:p>
           <a:p>
             <a:pPr marL="0" indent="0">
               <a:buNone/>
             </a:pPr>
             <a:r>
-              <a:rPr lang="en-GB" b="1" dirty="0"/>
-              <a:t>Visual Module</a:t>
-            </a:r>
-          </a:p>
-          <a:p>
-            <a:r>
-              <a:rPr lang="en-GB" dirty="0"/>
-              <a:t>Take in distance b/w cart and user (maybe via function call)</a:t>
-            </a:r>
-          </a:p>
-          <a:p>
-            <a:r>
-              <a:rPr lang="en-GB" dirty="0"/>
-              <a:t>Convert integer values to array of digits example:</a:t>
-            </a:r>
-          </a:p>
-          <a:p>
-            <a:pPr lvl="1"/>
-            <a:r>
-              <a:rPr lang="en-GB" dirty="0"/>
-              <a:t>(assumed max distance = 40m, therefore max digits = 2)</a:t>
-            </a:r>
-          </a:p>
-          <a:p>
-            <a:pPr lvl="1"/>
-            <a:r>
-              <a:rPr lang="en-GB" dirty="0"/>
-              <a:t>Distance = 2, array = [0, 2], displayed “02”</a:t>
-            </a:r>
-          </a:p>
-          <a:p>
-            <a:pPr lvl="1"/>
-            <a:r>
-              <a:rPr lang="en-GB" dirty="0"/>
-              <a:t>Distance = 13, array = [1,3], displayed “13”</a:t>
-            </a:r>
-          </a:p>
-          <a:p>
-            <a:r>
-              <a:rPr lang="en-GB" dirty="0"/>
-              <a:t>Convert to seven seg values </a:t>
-            </a:r>
-          </a:p>
-          <a:p>
-            <a:r>
-              <a:rPr lang="en-GB" dirty="0"/>
-              <a:t>Send to 7-seg display </a:t>
+              <a:rPr lang="en-GB" sz="1400" b="1" dirty="0"/>
+              <a:t>Serial Input</a:t>
+            </a:r>
+          </a:p>
+          <a:p>
+            <a:r>
+              <a:rPr lang="en-GB" sz="1400" dirty="0"/>
+              <a:t>If receive interrupt triggered </a:t>
+            </a:r>
+          </a:p>
+          <a:p>
+            <a:r>
+              <a:rPr lang="en-GB" sz="1400" dirty="0"/>
+              <a:t>While message waiting to be received, read character by character into buffer</a:t>
+            </a:r>
+          </a:p>
+          <a:p>
+            <a:r>
+              <a:rPr lang="en-GB" sz="1400" dirty="0"/>
+              <a:t>Update message to receive bit/register to false once null character received</a:t>
             </a:r>
           </a:p>
           <a:p>
@@ -5382,7 +5757,7 @@
     </p:spTree>
     <p:extLst>
       <p:ext uri="{BB962C8B-B14F-4D97-AF65-F5344CB8AC3E}">
-        <p14:creationId xmlns:p14="http://schemas.microsoft.com/office/powerpoint/2010/main" val="2688705024"/>
+        <p14:creationId xmlns:p14="http://schemas.microsoft.com/office/powerpoint/2010/main" val="1388907516"/>
       </p:ext>
     </p:extLst>
   </p:cSld>
@@ -5414,7 +5789,7 @@
           <p:cNvPr id="2" name="Title 1">
             <a:extLst>
               <a:ext uri="{FF2B5EF4-FFF2-40B4-BE49-F238E27FC236}">
-                <a16:creationId xmlns:a16="http://schemas.microsoft.com/office/drawing/2014/main" id="{9A3D1D8F-4F5C-B9C7-818A-6403B04EB8CD}"/>
+                <a16:creationId xmlns:a16="http://schemas.microsoft.com/office/drawing/2014/main" id="{61186553-5FD4-CD22-6985-7147A59F9846}"/>
               </a:ext>
             </a:extLst>
           </p:cNvPr>
@@ -5432,7 +5807,7 @@
           <a:p>
             <a:r>
               <a:rPr lang="en-AU" dirty="0"/>
-              <a:t>Status Module </a:t>
+              <a:t>AUDIO/Visual Module </a:t>
             </a:r>
             <a:r>
               <a:rPr lang="en-AU" dirty="0" err="1"/>
@@ -5447,7 +5822,7 @@
           <p:cNvPr id="3" name="Content Placeholder 2">
             <a:extLst>
               <a:ext uri="{FF2B5EF4-FFF2-40B4-BE49-F238E27FC236}">
-                <a16:creationId xmlns:a16="http://schemas.microsoft.com/office/drawing/2014/main" id="{3C51674D-F2C9-863E-DA90-C0BA1DF65793}"/>
+                <a16:creationId xmlns:a16="http://schemas.microsoft.com/office/drawing/2014/main" id="{D6E3B58C-8F2D-149C-F3F6-FBCDD2243EFC}"/>
               </a:ext>
             </a:extLst>
           </p:cNvPr>
@@ -5460,17 +5835,105 @@
         </p:nvSpPr>
         <p:spPr/>
         <p:txBody>
-          <a:bodyPr/>
+          <a:bodyPr>
+            <a:normAutofit fontScale="77500" lnSpcReduction="20000"/>
+          </a:bodyPr>
           <a:lstStyle/>
           <a:p>
-            <a:endParaRPr lang="en-AU"/>
+            <a:pPr marL="0" indent="0">
+              <a:buNone/>
+            </a:pPr>
+            <a:r>
+              <a:rPr lang="en-AU" b="1" dirty="0"/>
+              <a:t>Sound Module </a:t>
+            </a:r>
+          </a:p>
+          <a:p>
+            <a:r>
+              <a:rPr lang="en-GB" dirty="0"/>
+              <a:t>Take in distance b/w cart and user (maybe via function call)</a:t>
+            </a:r>
+          </a:p>
+          <a:p>
+            <a:r>
+              <a:rPr lang="en-GB" dirty="0"/>
+              <a:t>If user is too close beep</a:t>
+            </a:r>
+          </a:p>
+          <a:p>
+            <a:pPr lvl="1"/>
+            <a:r>
+              <a:rPr lang="en-GB" dirty="0"/>
+              <a:t>Beep at variable lengths based on distance</a:t>
+            </a:r>
+          </a:p>
+          <a:p>
+            <a:pPr lvl="1"/>
+            <a:endParaRPr lang="en-GB" dirty="0"/>
+          </a:p>
+          <a:p>
+            <a:pPr marL="0" indent="0">
+              <a:buNone/>
+            </a:pPr>
+            <a:r>
+              <a:rPr lang="en-GB" b="1" dirty="0"/>
+              <a:t>Visual Module</a:t>
+            </a:r>
+          </a:p>
+          <a:p>
+            <a:r>
+              <a:rPr lang="en-GB" dirty="0"/>
+              <a:t>Take in distance b/w cart and user (maybe via function call)</a:t>
+            </a:r>
+          </a:p>
+          <a:p>
+            <a:r>
+              <a:rPr lang="en-GB" dirty="0"/>
+              <a:t>Convert integer values to array of digits example:</a:t>
+            </a:r>
+          </a:p>
+          <a:p>
+            <a:pPr lvl="1"/>
+            <a:r>
+              <a:rPr lang="en-GB" dirty="0"/>
+              <a:t>(assumed max distance = 40m, therefore max digits = 2)</a:t>
+            </a:r>
+          </a:p>
+          <a:p>
+            <a:pPr lvl="1"/>
+            <a:r>
+              <a:rPr lang="en-GB" dirty="0"/>
+              <a:t>Distance = 2, array = [0, 2], displayed “02”</a:t>
+            </a:r>
+          </a:p>
+          <a:p>
+            <a:pPr lvl="1"/>
+            <a:r>
+              <a:rPr lang="en-GB" dirty="0"/>
+              <a:t>Distance = 13, array = [1,3], displayed “13”</a:t>
+            </a:r>
+          </a:p>
+          <a:p>
+            <a:r>
+              <a:rPr lang="en-GB" dirty="0"/>
+              <a:t>Convert to seven seg values </a:t>
+            </a:r>
+          </a:p>
+          <a:p>
+            <a:r>
+              <a:rPr lang="en-GB" dirty="0"/>
+              <a:t>Send to 7-seg display </a:t>
+            </a:r>
+          </a:p>
+          <a:p>
+            <a:endParaRPr lang="en-AU" dirty="0"/>
           </a:p>
         </p:txBody>
       </p:sp>
     </p:spTree>
     <p:extLst>
       <p:ext uri="{BB962C8B-B14F-4D97-AF65-F5344CB8AC3E}">
-        <p14:creationId xmlns:p14="http://schemas.microsoft.com/office/powerpoint/2010/main" val="1386790310"/>
+        <p14:creationId xmlns:p14="http://schemas.microsoft.com/office/powerpoint/2010/main" val="2688705024"/>
       </p:ext>
     </p:extLst>
   </p:cSld>
@@ -5502,7 +5965,7 @@
           <p:cNvPr id="2" name="Title 1">
             <a:extLst>
               <a:ext uri="{FF2B5EF4-FFF2-40B4-BE49-F238E27FC236}">
-                <a16:creationId xmlns:a16="http://schemas.microsoft.com/office/drawing/2014/main" id="{7D247151-C035-1403-E1AE-AB0F8CD6D39C}"/>
+                <a16:creationId xmlns:a16="http://schemas.microsoft.com/office/drawing/2014/main" id="{9A3D1D8F-4F5C-B9C7-818A-6403B04EB8CD}"/>
               </a:ext>
             </a:extLst>
           </p:cNvPr>
@@ -5520,11 +5983,11 @@
           <a:p>
             <a:r>
               <a:rPr lang="en-AU" dirty="0"/>
-              <a:t>Object Detection </a:t>
+              <a:t>Status Module </a:t>
             </a:r>
             <a:r>
               <a:rPr lang="en-AU" dirty="0" err="1"/>
-              <a:t>PseudoCOde</a:t>
+              <a:t>PseudoCode</a:t>
             </a:r>
             <a:endParaRPr lang="en-AU" dirty="0"/>
           </a:p>
@@ -5535,7 +5998,7 @@
           <p:cNvPr id="3" name="Content Placeholder 2">
             <a:extLst>
               <a:ext uri="{FF2B5EF4-FFF2-40B4-BE49-F238E27FC236}">
-                <a16:creationId xmlns:a16="http://schemas.microsoft.com/office/drawing/2014/main" id="{DEE44771-E1AB-8F1A-310E-874126DC889F}"/>
+                <a16:creationId xmlns:a16="http://schemas.microsoft.com/office/drawing/2014/main" id="{3C51674D-F2C9-863E-DA90-C0BA1DF65793}"/>
               </a:ext>
             </a:extLst>
           </p:cNvPr>
@@ -5548,17 +6011,104 @@
         </p:nvSpPr>
         <p:spPr/>
         <p:txBody>
-          <a:bodyPr/>
+          <a:bodyPr>
+            <a:normAutofit fontScale="70000" lnSpcReduction="20000"/>
+          </a:bodyPr>
           <a:lstStyle/>
           <a:p>
-            <a:endParaRPr lang="en-AU"/>
+            <a:pPr marL="0" indent="0">
+              <a:buNone/>
+            </a:pPr>
+            <a:r>
+              <a:rPr lang="en-GB" b="1" dirty="0"/>
+              <a:t>Calibrate</a:t>
+            </a:r>
+          </a:p>
+          <a:p>
+            <a:r>
+              <a:rPr lang="en-GB" dirty="0"/>
+              <a:t>Get current gyro readings</a:t>
+            </a:r>
+          </a:p>
+          <a:p>
+            <a:r>
+              <a:rPr lang="en-GB" dirty="0"/>
+              <a:t>Store readings in the gyro offset variable</a:t>
+            </a:r>
+          </a:p>
+          <a:p>
+            <a:r>
+              <a:rPr lang="en-GB" dirty="0"/>
+              <a:t>Get current accelerometer readings</a:t>
+            </a:r>
+          </a:p>
+          <a:p>
+            <a:r>
+              <a:rPr lang="en-GB" dirty="0"/>
+              <a:t>Calculate the magnitude and scale it to 9.81</a:t>
+            </a:r>
+          </a:p>
+          <a:p>
+            <a:r>
+              <a:rPr lang="en-GB" dirty="0"/>
+              <a:t>Store calculated value in the accel scale variable</a:t>
+            </a:r>
+          </a:p>
+          <a:p>
+            <a:pPr marL="0" indent="0">
+              <a:buNone/>
+            </a:pPr>
+            <a:r>
+              <a:rPr lang="en-GB" b="1" dirty="0"/>
+              <a:t>Get gyro/accel</a:t>
+            </a:r>
+          </a:p>
+          <a:p>
+            <a:r>
+              <a:rPr lang="en-GB" dirty="0"/>
+              <a:t>Get current raw readings</a:t>
+            </a:r>
+          </a:p>
+          <a:p>
+            <a:r>
+              <a:rPr lang="en-GB" dirty="0"/>
+              <a:t>Offset and scale gyro/accel readings with values calculated during calibration</a:t>
+            </a:r>
+          </a:p>
+          <a:p>
+            <a:r>
+              <a:rPr lang="en-GB" dirty="0"/>
+              <a:t>Return values</a:t>
+            </a:r>
+          </a:p>
+          <a:p>
+            <a:pPr marL="0" indent="0">
+              <a:buNone/>
+            </a:pPr>
+            <a:r>
+              <a:rPr lang="en-GB" b="1" dirty="0"/>
+              <a:t>Get tilt</a:t>
+            </a:r>
+          </a:p>
+          <a:p>
+            <a:r>
+              <a:rPr lang="en-GB" dirty="0"/>
+              <a:t>Get the y-component of the accelerometer and take inverse cosine to get angle</a:t>
+            </a:r>
+          </a:p>
+          <a:p>
+            <a:r>
+              <a:rPr lang="en-GB" dirty="0"/>
+              <a:t>If it is greater than 45° it is tipped over</a:t>
+            </a:r>
+            <a:endParaRPr lang="en-AU" dirty="0"/>
           </a:p>
         </p:txBody>
       </p:sp>
     </p:spTree>
     <p:extLst>
       <p:ext uri="{BB962C8B-B14F-4D97-AF65-F5344CB8AC3E}">
-        <p14:creationId xmlns:p14="http://schemas.microsoft.com/office/powerpoint/2010/main" val="4222870142"/>
+        <p14:creationId xmlns:p14="http://schemas.microsoft.com/office/powerpoint/2010/main" val="1386790310"/>
       </p:ext>
     </p:extLst>
   </p:cSld>
@@ -5590,7 +6140,7 @@
           <p:cNvPr id="2" name="Title 1">
             <a:extLst>
               <a:ext uri="{FF2B5EF4-FFF2-40B4-BE49-F238E27FC236}">
-                <a16:creationId xmlns:a16="http://schemas.microsoft.com/office/drawing/2014/main" id="{62201C1F-E907-1BCC-861D-AB4AE8A70835}"/>
+                <a16:creationId xmlns:a16="http://schemas.microsoft.com/office/drawing/2014/main" id="{7D247151-C035-1403-E1AE-AB0F8CD6D39C}"/>
               </a:ext>
             </a:extLst>
           </p:cNvPr>
@@ -5608,11 +6158,11 @@
           <a:p>
             <a:r>
               <a:rPr lang="en-AU" dirty="0"/>
-              <a:t>Object Tracking </a:t>
+              <a:t>Object Detection </a:t>
             </a:r>
             <a:r>
               <a:rPr lang="en-AU" dirty="0" err="1"/>
-              <a:t>PseudoCode</a:t>
+              <a:t>PseudoCOde</a:t>
             </a:r>
             <a:endParaRPr lang="en-AU" dirty="0"/>
           </a:p>
@@ -5623,7 +6173,7 @@
           <p:cNvPr id="3" name="Content Placeholder 2">
             <a:extLst>
               <a:ext uri="{FF2B5EF4-FFF2-40B4-BE49-F238E27FC236}">
-                <a16:creationId xmlns:a16="http://schemas.microsoft.com/office/drawing/2014/main" id="{83069135-8FFE-68D9-A5E2-FCC4EEA08ADC}"/>
+                <a16:creationId xmlns:a16="http://schemas.microsoft.com/office/drawing/2014/main" id="{DEE44771-E1AB-8F1A-310E-874126DC889F}"/>
               </a:ext>
             </a:extLst>
           </p:cNvPr>
@@ -5646,7 +6196,7 @@
     </p:spTree>
     <p:extLst>
       <p:ext uri="{BB962C8B-B14F-4D97-AF65-F5344CB8AC3E}">
-        <p14:creationId xmlns:p14="http://schemas.microsoft.com/office/powerpoint/2010/main" val="3401488611"/>
+        <p14:creationId xmlns:p14="http://schemas.microsoft.com/office/powerpoint/2010/main" val="4222870142"/>
       </p:ext>
     </p:extLst>
   </p:cSld>
@@ -5678,7 +6228,7 @@
           <p:cNvPr id="2" name="Title 1">
             <a:extLst>
               <a:ext uri="{FF2B5EF4-FFF2-40B4-BE49-F238E27FC236}">
-                <a16:creationId xmlns:a16="http://schemas.microsoft.com/office/drawing/2014/main" id="{48757BBC-89D7-EE7D-3C66-24D77201413A}"/>
+                <a16:creationId xmlns:a16="http://schemas.microsoft.com/office/drawing/2014/main" id="{62201C1F-E907-1BCC-861D-AB4AE8A70835}"/>
               </a:ext>
             </a:extLst>
           </p:cNvPr>
@@ -5689,29 +6239,29 @@
             <p:ph type="title"/>
           </p:nvPr>
         </p:nvSpPr>
-        <p:spPr>
-          <a:xfrm>
-            <a:off x="578438" y="5200285"/>
-            <a:ext cx="11029616" cy="566738"/>
-          </a:xfrm>
-        </p:spPr>
+        <p:spPr/>
         <p:txBody>
           <a:bodyPr/>
           <a:lstStyle/>
           <a:p>
             <a:r>
               <a:rPr lang="en-AU" dirty="0"/>
-              <a:t>Technology Demonstration</a:t>
-            </a:r>
-          </a:p>
-        </p:txBody>
-      </p:sp>
-      <p:sp>
-        <p:nvSpPr>
-          <p:cNvPr id="3" name="Picture Placeholder 2">
+              <a:t>CONTROL </a:t>
+            </a:r>
+            <a:r>
+              <a:rPr lang="en-AU" dirty="0" err="1"/>
+              <a:t>PseudoCode</a:t>
+            </a:r>
+            <a:endParaRPr lang="en-AU" dirty="0"/>
+          </a:p>
+        </p:txBody>
+      </p:sp>
+      <p:sp>
+        <p:nvSpPr>
+          <p:cNvPr id="3" name="Content Placeholder 2">
             <a:extLst>
               <a:ext uri="{FF2B5EF4-FFF2-40B4-BE49-F238E27FC236}">
-                <a16:creationId xmlns:a16="http://schemas.microsoft.com/office/drawing/2014/main" id="{52030731-F1D3-702F-CC5F-376FD2EE4C17}"/>
+                <a16:creationId xmlns:a16="http://schemas.microsoft.com/office/drawing/2014/main" id="{83069135-8FFE-68D9-A5E2-FCC4EEA08ADC}"/>
               </a:ext>
             </a:extLst>
           </p:cNvPr>
@@ -5719,15 +6269,22 @@
             <a:spLocks noGrp="1"/>
           </p:cNvSpPr>
           <p:nvPr>
-            <p:ph type="pic" idx="1"/>
+            <p:ph idx="1"/>
           </p:nvPr>
         </p:nvSpPr>
         <p:spPr/>
+        <p:txBody>
+          <a:bodyPr/>
+          <a:lstStyle/>
+          <a:p>
+            <a:endParaRPr lang="en-AU"/>
+          </a:p>
+        </p:txBody>
       </p:sp>
     </p:spTree>
     <p:extLst>
       <p:ext uri="{BB962C8B-B14F-4D97-AF65-F5344CB8AC3E}">
-        <p14:creationId xmlns:p14="http://schemas.microsoft.com/office/powerpoint/2010/main" val="3376248172"/>
+        <p14:creationId xmlns:p14="http://schemas.microsoft.com/office/powerpoint/2010/main" val="3401488611"/>
       </p:ext>
     </p:extLst>
   </p:cSld>
@@ -5759,6 +6316,87 @@
           <p:cNvPr id="2" name="Title 1">
             <a:extLst>
               <a:ext uri="{FF2B5EF4-FFF2-40B4-BE49-F238E27FC236}">
+                <a16:creationId xmlns:a16="http://schemas.microsoft.com/office/drawing/2014/main" id="{48757BBC-89D7-EE7D-3C66-24D77201413A}"/>
+              </a:ext>
+            </a:extLst>
+          </p:cNvPr>
+          <p:cNvSpPr>
+            <a:spLocks noGrp="1"/>
+          </p:cNvSpPr>
+          <p:nvPr>
+            <p:ph type="title"/>
+          </p:nvPr>
+        </p:nvSpPr>
+        <p:spPr>
+          <a:xfrm>
+            <a:off x="578438" y="5200285"/>
+            <a:ext cx="11029616" cy="566738"/>
+          </a:xfrm>
+        </p:spPr>
+        <p:txBody>
+          <a:bodyPr/>
+          <a:lstStyle/>
+          <a:p>
+            <a:r>
+              <a:rPr lang="en-AU" dirty="0"/>
+              <a:t>Technology Demonstration</a:t>
+            </a:r>
+          </a:p>
+        </p:txBody>
+      </p:sp>
+      <p:sp>
+        <p:nvSpPr>
+          <p:cNvPr id="3" name="Picture Placeholder 2">
+            <a:extLst>
+              <a:ext uri="{FF2B5EF4-FFF2-40B4-BE49-F238E27FC236}">
+                <a16:creationId xmlns:a16="http://schemas.microsoft.com/office/drawing/2014/main" id="{52030731-F1D3-702F-CC5F-376FD2EE4C17}"/>
+              </a:ext>
+            </a:extLst>
+          </p:cNvPr>
+          <p:cNvSpPr>
+            <a:spLocks noGrp="1"/>
+          </p:cNvSpPr>
+          <p:nvPr>
+            <p:ph type="pic" idx="1"/>
+          </p:nvPr>
+        </p:nvSpPr>
+        <p:spPr/>
+      </p:sp>
+    </p:spTree>
+    <p:extLst>
+      <p:ext uri="{BB962C8B-B14F-4D97-AF65-F5344CB8AC3E}">
+        <p14:creationId xmlns:p14="http://schemas.microsoft.com/office/powerpoint/2010/main" val="3376248172"/>
+      </p:ext>
+    </p:extLst>
+  </p:cSld>
+  <p:clrMapOvr>
+    <a:masterClrMapping/>
+  </p:clrMapOvr>
+</p:sld>
+</file>
+
+<file path=ppt/slides/slide17.xml><?xml version="1.0" encoding="utf-8"?>
+<p:sld xmlns:a="http://schemas.openxmlformats.org/drawingml/2006/main" xmlns:r="http://schemas.openxmlformats.org/officeDocument/2006/relationships" xmlns:p="http://schemas.openxmlformats.org/presentationml/2006/main">
+  <p:cSld>
+    <p:spTree>
+      <p:nvGrpSpPr>
+        <p:cNvPr id="1" name=""/>
+        <p:cNvGrpSpPr/>
+        <p:nvPr/>
+      </p:nvGrpSpPr>
+      <p:grpSpPr>
+        <a:xfrm>
+          <a:off x="0" y="0"/>
+          <a:ext cx="0" cy="0"/>
+          <a:chOff x="0" y="0"/>
+          <a:chExt cx="0" cy="0"/>
+        </a:xfrm>
+      </p:grpSpPr>
+      <p:sp>
+        <p:nvSpPr>
+          <p:cNvPr id="2" name="Title 1">
+            <a:extLst>
+              <a:ext uri="{FF2B5EF4-FFF2-40B4-BE49-F238E27FC236}">
                 <a16:creationId xmlns:a16="http://schemas.microsoft.com/office/drawing/2014/main" id="{9F962E82-A7FC-0097-8405-5C08E8F5782B}"/>
               </a:ext>
             </a:extLst>
@@ -5803,7 +6441,37 @@
           <a:bodyPr/>
           <a:lstStyle/>
           <a:p>
-            <a:endParaRPr lang="en-AU" dirty="0"/>
+            <a:r>
+              <a:rPr lang="en-AU" dirty="0"/>
+              <a:t>Given a larger budget and expanded team, we hope to fully develop our system. </a:t>
+            </a:r>
+          </a:p>
+          <a:p>
+            <a:r>
+              <a:rPr lang="en-AU" dirty="0"/>
+              <a:t>Doing so would involve making the system mobile and operational at higher speeds. This will be achieved through:</a:t>
+            </a:r>
+          </a:p>
+          <a:p>
+            <a:pPr lvl="1"/>
+            <a:r>
+              <a:rPr lang="en-AU" dirty="0"/>
+              <a:t>Higher-quality components </a:t>
+            </a:r>
+          </a:p>
+          <a:p>
+            <a:pPr lvl="1"/>
+            <a:r>
+              <a:rPr lang="en-AU" dirty="0"/>
+              <a:t>Larger amounts of testing </a:t>
+            </a:r>
+          </a:p>
+          <a:p>
+            <a:pPr lvl="1"/>
+            <a:r>
+              <a:rPr lang="en-AU" dirty="0"/>
+              <a:t>More software development time </a:t>
+            </a:r>
           </a:p>
         </p:txBody>
       </p:sp>
@@ -5820,7 +6488,7 @@
 </p:sld>
 </file>
 
-<file path=ppt/slides/slide17.xml><?xml version="1.0" encoding="utf-8"?>
+<file path=ppt/slides/slide18.xml><?xml version="1.0" encoding="utf-8"?>
 <p:sld xmlns:a="http://schemas.openxmlformats.org/drawingml/2006/main" xmlns:r="http://schemas.openxmlformats.org/officeDocument/2006/relationships" xmlns:p="http://schemas.openxmlformats.org/presentationml/2006/main">
   <p:cSld>
     <p:bg>
@@ -6287,6 +6955,191 @@
 </p:sld>
 </file>
 
+<file path=ppt/slides/slide19.xml><?xml version="1.0" encoding="utf-8"?>
+<p:sld xmlns:a="http://schemas.openxmlformats.org/drawingml/2006/main" xmlns:r="http://schemas.openxmlformats.org/officeDocument/2006/relationships" xmlns:p="http://schemas.openxmlformats.org/presentationml/2006/main">
+  <p:cSld>
+    <p:spTree>
+      <p:nvGrpSpPr>
+        <p:cNvPr id="1" name=""/>
+        <p:cNvGrpSpPr/>
+        <p:nvPr/>
+      </p:nvGrpSpPr>
+      <p:grpSpPr>
+        <a:xfrm>
+          <a:off x="0" y="0"/>
+          <a:ext cx="0" cy="0"/>
+          <a:chOff x="0" y="0"/>
+          <a:chExt cx="0" cy="0"/>
+        </a:xfrm>
+      </p:grpSpPr>
+      <p:sp>
+        <p:nvSpPr>
+          <p:cNvPr id="2" name="Title 1">
+            <a:extLst>
+              <a:ext uri="{FF2B5EF4-FFF2-40B4-BE49-F238E27FC236}">
+                <a16:creationId xmlns:a16="http://schemas.microsoft.com/office/drawing/2014/main" id="{0A2EAE22-108C-C2A2-0938-80C401D40202}"/>
+              </a:ext>
+            </a:extLst>
+          </p:cNvPr>
+          <p:cNvSpPr>
+            <a:spLocks noGrp="1"/>
+          </p:cNvSpPr>
+          <p:nvPr>
+            <p:ph type="title"/>
+          </p:nvPr>
+        </p:nvSpPr>
+        <p:spPr/>
+        <p:txBody>
+          <a:bodyPr/>
+          <a:lstStyle/>
+          <a:p>
+            <a:r>
+              <a:rPr lang="en-AU" dirty="0"/>
+              <a:t>References</a:t>
+            </a:r>
+          </a:p>
+        </p:txBody>
+      </p:sp>
+      <p:sp>
+        <p:nvSpPr>
+          <p:cNvPr id="3" name="Content Placeholder 2">
+            <a:extLst>
+              <a:ext uri="{FF2B5EF4-FFF2-40B4-BE49-F238E27FC236}">
+                <a16:creationId xmlns:a16="http://schemas.microsoft.com/office/drawing/2014/main" id="{95AF37C4-9092-A984-28C2-94513C5E279C}"/>
+              </a:ext>
+            </a:extLst>
+          </p:cNvPr>
+          <p:cNvSpPr>
+            <a:spLocks noGrp="1"/>
+          </p:cNvSpPr>
+          <p:nvPr>
+            <p:ph idx="1"/>
+          </p:nvPr>
+        </p:nvSpPr>
+        <p:spPr/>
+        <p:txBody>
+          <a:bodyPr/>
+          <a:lstStyle/>
+          <a:p>
+            <a:pPr marL="342900" indent="-342900">
+              <a:buFont typeface="+mj-lt"/>
+              <a:buAutoNum type="arabicPeriod"/>
+            </a:pPr>
+            <a:r>
+              <a:rPr lang="en-US" sz="1800" dirty="0">
+                <a:solidFill>
+                  <a:srgbClr val="595959"/>
+                </a:solidFill>
+                <a:effectLst/>
+                <a:latin typeface="Constantia" panose="02030602050306030303" pitchFamily="18" charset="0"/>
+                <a:ea typeface="Constantia" panose="02030602050306030303" pitchFamily="18" charset="0"/>
+                <a:cs typeface="Browallia New" panose="020B0604020202020204" pitchFamily="34" charset="-34"/>
+              </a:rPr>
+              <a:t>Chan woo, P., Chan Young, C., &amp; </a:t>
+            </a:r>
+            <a:r>
+              <a:rPr lang="en-US" sz="1800" dirty="0" err="1">
+                <a:solidFill>
+                  <a:srgbClr val="595959"/>
+                </a:solidFill>
+                <a:effectLst/>
+                <a:latin typeface="Constantia" panose="02030602050306030303" pitchFamily="18" charset="0"/>
+                <a:ea typeface="Constantia" panose="02030602050306030303" pitchFamily="18" charset="0"/>
+                <a:cs typeface="Browallia New" panose="020B0604020202020204" pitchFamily="34" charset="-34"/>
+              </a:rPr>
+              <a:t>Eun</a:t>
+            </a:r>
+            <a:r>
+              <a:rPr lang="en-US" sz="1800" dirty="0">
+                <a:solidFill>
+                  <a:srgbClr val="595959"/>
+                </a:solidFill>
+                <a:effectLst/>
+                <a:latin typeface="Constantia" panose="02030602050306030303" pitchFamily="18" charset="0"/>
+                <a:ea typeface="Constantia" panose="02030602050306030303" pitchFamily="18" charset="0"/>
+                <a:cs typeface="Browallia New" panose="020B0604020202020204" pitchFamily="34" charset="-34"/>
+              </a:rPr>
+              <a:t> ji, L. (2019, June 2). </a:t>
+            </a:r>
+            <a:r>
+              <a:rPr lang="en-US" sz="1800" i="1" dirty="0">
+                <a:solidFill>
+                  <a:srgbClr val="595959"/>
+                </a:solidFill>
+                <a:effectLst/>
+                <a:latin typeface="Constantia" panose="02030602050306030303" pitchFamily="18" charset="0"/>
+                <a:ea typeface="Constantia" panose="02030602050306030303" pitchFamily="18" charset="0"/>
+                <a:cs typeface="Browallia New" panose="020B0604020202020204" pitchFamily="34" charset="-34"/>
+              </a:rPr>
+              <a:t>MOBI</a:t>
+            </a:r>
+            <a:r>
+              <a:rPr lang="en-US" sz="1800" dirty="0">
+                <a:solidFill>
+                  <a:srgbClr val="595959"/>
+                </a:solidFill>
+                <a:effectLst/>
+                <a:latin typeface="Constantia" panose="02030602050306030303" pitchFamily="18" charset="0"/>
+                <a:ea typeface="Constantia" panose="02030602050306030303" pitchFamily="18" charset="0"/>
+                <a:cs typeface="Browallia New" panose="020B0604020202020204" pitchFamily="34" charset="-34"/>
+              </a:rPr>
+              <a:t>. Retrieved from </a:t>
+            </a:r>
+            <a:r>
+              <a:rPr lang="en-US" sz="1800" dirty="0" err="1">
+                <a:solidFill>
+                  <a:srgbClr val="595959"/>
+                </a:solidFill>
+                <a:effectLst/>
+                <a:latin typeface="Constantia" panose="02030602050306030303" pitchFamily="18" charset="0"/>
+                <a:ea typeface="Constantia" panose="02030602050306030303" pitchFamily="18" charset="0"/>
+                <a:cs typeface="Browallia New" panose="020B0604020202020204" pitchFamily="34" charset="-34"/>
+              </a:rPr>
+              <a:t>Behance</a:t>
+            </a:r>
+            <a:r>
+              <a:rPr lang="en-US" sz="1800" dirty="0">
+                <a:solidFill>
+                  <a:srgbClr val="595959"/>
+                </a:solidFill>
+                <a:effectLst/>
+                <a:latin typeface="Constantia" panose="02030602050306030303" pitchFamily="18" charset="0"/>
+                <a:ea typeface="Constantia" panose="02030602050306030303" pitchFamily="18" charset="0"/>
+                <a:cs typeface="Browallia New" panose="020B0604020202020204" pitchFamily="34" charset="-34"/>
+              </a:rPr>
+              <a:t>: https://www.behance.net/gallery/81048169/MOBI</a:t>
+            </a:r>
+            <a:endParaRPr lang="en-AU" sz="1800" dirty="0">
+              <a:solidFill>
+                <a:srgbClr val="595959"/>
+              </a:solidFill>
+              <a:effectLst/>
+              <a:latin typeface="Constantia" panose="02030602050306030303" pitchFamily="18" charset="0"/>
+              <a:ea typeface="Constantia" panose="02030602050306030303" pitchFamily="18" charset="0"/>
+              <a:cs typeface="Browallia New" panose="020B0604020202020204" pitchFamily="34" charset="-34"/>
+            </a:endParaRPr>
+          </a:p>
+          <a:p>
+            <a:pPr marL="0" indent="0">
+              <a:buNone/>
+            </a:pPr>
+            <a:endParaRPr lang="en-AU" dirty="0"/>
+          </a:p>
+        </p:txBody>
+      </p:sp>
+    </p:spTree>
+    <p:extLst>
+      <p:ext uri="{BB962C8B-B14F-4D97-AF65-F5344CB8AC3E}">
+        <p14:creationId xmlns:p14="http://schemas.microsoft.com/office/powerpoint/2010/main" val="3921474924"/>
+      </p:ext>
+    </p:extLst>
+  </p:cSld>
+  <p:clrMapOvr>
+    <a:masterClrMapping/>
+  </p:clrMapOvr>
+</p:sld>
+</file>
+
 <file path=ppt/slides/slide2.xml><?xml version="1.0" encoding="utf-8"?>
 <p:sld xmlns:a="http://schemas.openxmlformats.org/drawingml/2006/main" xmlns:r="http://schemas.openxmlformats.org/officeDocument/2006/relationships" xmlns:p="http://schemas.openxmlformats.org/presentationml/2006/main">
   <p:cSld>
@@ -6457,7 +7310,31 @@
           <a:bodyPr/>
           <a:lstStyle/>
           <a:p>
-            <a:endParaRPr lang="en-AU" dirty="0"/>
+            <a:r>
+              <a:rPr lang="en-AU" dirty="0"/>
+              <a:t>Our concept is a self-navigating shopping trolley that follows a customer through a supermarket. </a:t>
+            </a:r>
+          </a:p>
+          <a:p>
+            <a:pPr lvl="1"/>
+            <a:r>
+              <a:rPr lang="en-AU" dirty="0"/>
+              <a:t>The system will always stay within a given distance of the user</a:t>
+            </a:r>
+          </a:p>
+          <a:p>
+            <a:pPr lvl="1"/>
+            <a:r>
+              <a:rPr lang="en-AU" dirty="0"/>
+              <a:t>The system will sound an alarm if the user gets too close to the trolley</a:t>
+            </a:r>
+          </a:p>
+          <a:p>
+            <a:pPr lvl="1"/>
+            <a:r>
+              <a:rPr lang="en-AU" dirty="0"/>
+              <a:t>The system will display the distance to the user on a 7-segment display</a:t>
+            </a:r>
           </a:p>
         </p:txBody>
       </p:sp>
@@ -6496,6 +7373,105 @@
           <p:cNvPr id="2" name="Title 1">
             <a:extLst>
               <a:ext uri="{FF2B5EF4-FFF2-40B4-BE49-F238E27FC236}">
+                <a16:creationId xmlns:a16="http://schemas.microsoft.com/office/drawing/2014/main" id="{3C472C35-8145-3E47-408E-E84C524F46DD}"/>
+              </a:ext>
+            </a:extLst>
+          </p:cNvPr>
+          <p:cNvSpPr>
+            <a:spLocks noGrp="1"/>
+          </p:cNvSpPr>
+          <p:nvPr>
+            <p:ph type="title"/>
+          </p:nvPr>
+        </p:nvSpPr>
+        <p:spPr/>
+        <p:txBody>
+          <a:bodyPr/>
+          <a:lstStyle/>
+          <a:p>
+            <a:r>
+              <a:rPr lang="en-AU" dirty="0"/>
+              <a:t>Proof of Concept Technology</a:t>
+            </a:r>
+          </a:p>
+        </p:txBody>
+      </p:sp>
+      <p:sp>
+        <p:nvSpPr>
+          <p:cNvPr id="3" name="Content Placeholder 2">
+            <a:extLst>
+              <a:ext uri="{FF2B5EF4-FFF2-40B4-BE49-F238E27FC236}">
+                <a16:creationId xmlns:a16="http://schemas.microsoft.com/office/drawing/2014/main" id="{065369F9-AE8E-5CCA-7339-566BED09AABE}"/>
+              </a:ext>
+            </a:extLst>
+          </p:cNvPr>
+          <p:cNvSpPr>
+            <a:spLocks noGrp="1"/>
+          </p:cNvSpPr>
+          <p:nvPr>
+            <p:ph idx="1"/>
+          </p:nvPr>
+        </p:nvSpPr>
+        <p:spPr/>
+        <p:txBody>
+          <a:bodyPr/>
+          <a:lstStyle/>
+          <a:p>
+            <a:r>
+              <a:rPr lang="en-AU" dirty="0"/>
+              <a:t>As a proof of concept, our design will demonstrate the object tracking element of our design. </a:t>
+            </a:r>
+          </a:p>
+          <a:p>
+            <a:pPr lvl="1"/>
+            <a:r>
+              <a:rPr lang="en-AU" dirty="0"/>
+              <a:t>The system can track the user and output the distance and angle of the user. </a:t>
+            </a:r>
+          </a:p>
+          <a:p>
+            <a:r>
+              <a:rPr lang="en-AU" dirty="0"/>
+              <a:t>Our concept is queried through the terminal, allowing users to gain live updates of the system status, user distance, and user angle.</a:t>
+            </a:r>
+          </a:p>
+        </p:txBody>
+      </p:sp>
+    </p:spTree>
+    <p:extLst>
+      <p:ext uri="{BB962C8B-B14F-4D97-AF65-F5344CB8AC3E}">
+        <p14:creationId xmlns:p14="http://schemas.microsoft.com/office/powerpoint/2010/main" val="2431334284"/>
+      </p:ext>
+    </p:extLst>
+  </p:cSld>
+  <p:clrMapOvr>
+    <a:masterClrMapping/>
+  </p:clrMapOvr>
+</p:sld>
+</file>
+
+<file path=ppt/slides/slide5.xml><?xml version="1.0" encoding="utf-8"?>
+<p:sld xmlns:a="http://schemas.openxmlformats.org/drawingml/2006/main" xmlns:r="http://schemas.openxmlformats.org/officeDocument/2006/relationships" xmlns:p="http://schemas.openxmlformats.org/presentationml/2006/main">
+  <p:cSld>
+    <p:spTree>
+      <p:nvGrpSpPr>
+        <p:cNvPr id="1" name=""/>
+        <p:cNvGrpSpPr/>
+        <p:nvPr/>
+      </p:nvGrpSpPr>
+      <p:grpSpPr>
+        <a:xfrm>
+          <a:off x="0" y="0"/>
+          <a:ext cx="0" cy="0"/>
+          <a:chOff x="0" y="0"/>
+          <a:chExt cx="0" cy="0"/>
+        </a:xfrm>
+      </p:grpSpPr>
+      <p:sp>
+        <p:nvSpPr>
+          <p:cNvPr id="2" name="Title 1">
+            <a:extLst>
+              <a:ext uri="{FF2B5EF4-FFF2-40B4-BE49-F238E27FC236}">
                 <a16:creationId xmlns:a16="http://schemas.microsoft.com/office/drawing/2014/main" id="{D36E411E-8395-1A33-D797-44BDF80A1B85}"/>
               </a:ext>
             </a:extLst>
@@ -6507,9 +7483,16 @@
             <p:ph type="title"/>
           </p:nvPr>
         </p:nvSpPr>
-        <p:spPr/>
-        <p:txBody>
-          <a:bodyPr/>
+        <p:spPr>
+          <a:xfrm>
+            <a:off x="581193" y="729658"/>
+            <a:ext cx="11029616" cy="988332"/>
+          </a:xfrm>
+        </p:spPr>
+        <p:txBody>
+          <a:bodyPr anchor="b">
+            <a:normAutofit/>
+          </a:bodyPr>
           <a:lstStyle/>
           <a:p>
             <a:r>
@@ -6519,6 +7502,56 @@
           </a:p>
         </p:txBody>
       </p:sp>
+      <p:pic>
+        <p:nvPicPr>
+          <p:cNvPr id="1026" name="Picture 2" descr="shopping cart Shopping Smart Cart  product design  industrial design  Cart Design Collapsible adobeawards UI ux">
+            <a:extLst>
+              <a:ext uri="{FF2B5EF4-FFF2-40B4-BE49-F238E27FC236}">
+                <a16:creationId xmlns:a16="http://schemas.microsoft.com/office/drawing/2014/main" id="{E0BE03E3-9C69-B981-6433-0977F8459C84}"/>
+              </a:ext>
+            </a:extLst>
+          </p:cNvPr>
+          <p:cNvPicPr>
+            <a:picLocks noGrp="1" noChangeAspect="1" noChangeArrowheads="1"/>
+          </p:cNvPicPr>
+          <p:nvPr>
+            <p:ph sz="half" idx="1"/>
+          </p:nvPr>
+        </p:nvPicPr>
+        <p:blipFill>
+          <a:blip r:embed="rId2">
+            <a:extLst>
+              <a:ext uri="{28A0092B-C50C-407E-A947-70E740481C1C}">
+                <a14:useLocalDpi xmlns:a14="http://schemas.microsoft.com/office/drawing/2010/main" val="0"/>
+              </a:ext>
+            </a:extLst>
+          </a:blip>
+          <a:stretch>
+            <a:fillRect/>
+          </a:stretch>
+        </p:blipFill>
+        <p:spPr bwMode="auto">
+          <a:xfrm>
+            <a:off x="591238" y="2228003"/>
+            <a:ext cx="5402300" cy="3633047"/>
+          </a:xfrm>
+          <a:prstGeom prst="rect">
+            <a:avLst/>
+          </a:prstGeom>
+          <a:solidFill>
+            <a:srgbClr val="FFFFFF"/>
+          </a:solidFill>
+          <a:extLst>
+            <a:ext uri="{909E8E84-426E-40DD-AFC4-6F175D3DCCD1}">
+              <a14:hiddenFill xmlns:a14="http://schemas.microsoft.com/office/drawing/2010/main">
+                <a:solidFill>
+                  <a:srgbClr val="FFFFFF"/>
+                </a:solidFill>
+              </a14:hiddenFill>
+            </a:ext>
+          </a:extLst>
+        </p:spPr>
+      </p:pic>
       <p:sp>
         <p:nvSpPr>
           <p:cNvPr id="3" name="Content Placeholder 2">
@@ -6532,40 +7565,55 @@
             <a:spLocks noGrp="1"/>
           </p:cNvSpPr>
           <p:nvPr>
-            <p:ph sz="half" idx="1"/>
-          </p:nvPr>
-        </p:nvSpPr>
-        <p:spPr/>
-        <p:txBody>
-          <a:bodyPr/>
+            <p:ph sz="half" idx="2"/>
+          </p:nvPr>
+        </p:nvSpPr>
+        <p:spPr>
+          <a:xfrm>
+            <a:off x="6188417" y="2228003"/>
+            <a:ext cx="5422392" cy="3633047"/>
+          </a:xfrm>
+        </p:spPr>
+        <p:txBody>
+          <a:bodyPr anchor="ctr">
+            <a:normAutofit fontScale="92500" lnSpcReduction="10000"/>
+          </a:bodyPr>
           <a:lstStyle/>
           <a:p>
-            <a:endParaRPr lang="en-AU"/>
-          </a:p>
-        </p:txBody>
-      </p:sp>
-      <p:sp>
-        <p:nvSpPr>
-          <p:cNvPr id="4" name="Content Placeholder 3">
-            <a:extLst>
-              <a:ext uri="{FF2B5EF4-FFF2-40B4-BE49-F238E27FC236}">
-                <a16:creationId xmlns:a16="http://schemas.microsoft.com/office/drawing/2014/main" id="{33D427CD-5ECA-9171-280C-DED826A65652}"/>
-              </a:ext>
-            </a:extLst>
-          </p:cNvPr>
-          <p:cNvSpPr>
-            <a:spLocks noGrp="1"/>
-          </p:cNvSpPr>
-          <p:nvPr>
-            <p:ph sz="half" idx="2"/>
-          </p:nvPr>
-        </p:nvSpPr>
-        <p:spPr/>
-        <p:txBody>
-          <a:bodyPr/>
-          <a:lstStyle/>
-          <a:p>
-            <a:endParaRPr lang="en-AU"/>
+            <a:r>
+              <a:rPr lang="en-AU" dirty="0"/>
+              <a:t>With increasing automation of shopping experiences, there is little room left for innovation. </a:t>
+            </a:r>
+          </a:p>
+          <a:p>
+            <a:r>
+              <a:rPr lang="en-AU" dirty="0"/>
+              <a:t>There is room however in accessibility and ease of access. </a:t>
+            </a:r>
+          </a:p>
+          <a:p>
+            <a:pPr lvl="1"/>
+            <a:r>
+              <a:rPr lang="en-AU" sz="1800" dirty="0"/>
+              <a:t>The age of convenience constantly demands ease of use</a:t>
+            </a:r>
+          </a:p>
+          <a:p>
+            <a:pPr lvl="1"/>
+            <a:endParaRPr lang="en-AU" sz="1800" dirty="0"/>
+          </a:p>
+          <a:p>
+            <a:r>
+              <a:rPr lang="en-AU" dirty="0"/>
+              <a:t>The market has some competition [1] (see MOBI on right), although these systems rely on GPS tracking of mobile devices rather than object detection.</a:t>
+            </a:r>
+          </a:p>
+          <a:p>
+            <a:pPr lvl="1"/>
+            <a:r>
+              <a:rPr lang="en-AU" dirty="0"/>
+              <a:t>As a result, our system will have greater market penetration as a result of better usability.</a:t>
+            </a:r>
           </a:p>
         </p:txBody>
       </p:sp>
@@ -6582,7 +7630,7 @@
 </p:sld>
 </file>
 
-<file path=ppt/slides/slide5.xml><?xml version="1.0" encoding="utf-8"?>
+<file path=ppt/slides/slide6.xml><?xml version="1.0" encoding="utf-8"?>
 <p:sld xmlns:a="http://schemas.openxmlformats.org/drawingml/2006/main" xmlns:r="http://schemas.openxmlformats.org/officeDocument/2006/relationships" xmlns:p="http://schemas.openxmlformats.org/presentationml/2006/main">
   <p:cSld>
     <p:spTree>
@@ -6711,7 +7759,7 @@
 </p:sld>
 </file>
 
-<file path=ppt/slides/slide6.xml><?xml version="1.0" encoding="utf-8"?>
+<file path=ppt/slides/slide7.xml><?xml version="1.0" encoding="utf-8"?>
 <p:sld xmlns:a="http://schemas.openxmlformats.org/drawingml/2006/main" xmlns:r="http://schemas.openxmlformats.org/officeDocument/2006/relationships" xmlns:p="http://schemas.openxmlformats.org/presentationml/2006/main">
   <p:cSld>
     <p:spTree>
@@ -6827,145 +7875,6 @@
 </p:sld>
 </file>
 
-<file path=ppt/slides/slide7.xml><?xml version="1.0" encoding="utf-8"?>
-<p:sld xmlns:a="http://schemas.openxmlformats.org/drawingml/2006/main" xmlns:r="http://schemas.openxmlformats.org/officeDocument/2006/relationships" xmlns:p="http://schemas.openxmlformats.org/presentationml/2006/main">
-  <p:cSld>
-    <p:spTree>
-      <p:nvGrpSpPr>
-        <p:cNvPr id="1" name=""/>
-        <p:cNvGrpSpPr/>
-        <p:nvPr/>
-      </p:nvGrpSpPr>
-      <p:grpSpPr>
-        <a:xfrm>
-          <a:off x="0" y="0"/>
-          <a:ext cx="0" cy="0"/>
-          <a:chOff x="0" y="0"/>
-          <a:chExt cx="0" cy="0"/>
-        </a:xfrm>
-      </p:grpSpPr>
-      <p:sp>
-        <p:nvSpPr>
-          <p:cNvPr id="2" name="Title 1">
-            <a:extLst>
-              <a:ext uri="{FF2B5EF4-FFF2-40B4-BE49-F238E27FC236}">
-                <a16:creationId xmlns:a16="http://schemas.microsoft.com/office/drawing/2014/main" id="{CD79B184-8B8E-9E81-E3F8-55D524546E62}"/>
-              </a:ext>
-            </a:extLst>
-          </p:cNvPr>
-          <p:cNvSpPr>
-            <a:spLocks noGrp="1"/>
-          </p:cNvSpPr>
-          <p:nvPr>
-            <p:ph type="title"/>
-          </p:nvPr>
-        </p:nvSpPr>
-        <p:spPr/>
-        <p:txBody>
-          <a:bodyPr/>
-          <a:lstStyle/>
-          <a:p>
-            <a:r>
-              <a:rPr lang="en-AU" dirty="0"/>
-              <a:t>Module Design</a:t>
-            </a:r>
-          </a:p>
-        </p:txBody>
-      </p:sp>
-      <p:sp>
-        <p:nvSpPr>
-          <p:cNvPr id="3" name="Content Placeholder 2">
-            <a:extLst>
-              <a:ext uri="{FF2B5EF4-FFF2-40B4-BE49-F238E27FC236}">
-                <a16:creationId xmlns:a16="http://schemas.microsoft.com/office/drawing/2014/main" id="{5D25CDAD-3CCF-1038-25DE-9C3520690121}"/>
-              </a:ext>
-            </a:extLst>
-          </p:cNvPr>
-          <p:cNvSpPr>
-            <a:spLocks noGrp="1"/>
-          </p:cNvSpPr>
-          <p:nvPr>
-            <p:ph idx="1"/>
-          </p:nvPr>
-        </p:nvSpPr>
-        <p:spPr/>
-        <p:txBody>
-          <a:bodyPr/>
-          <a:lstStyle/>
-          <a:p>
-            <a:pPr marL="0" indent="0">
-              <a:buNone/>
-            </a:pPr>
-            <a:r>
-              <a:rPr lang="en-AU" dirty="0"/>
-              <a:t>Our project has been split into five modules: </a:t>
-            </a:r>
-          </a:p>
-          <a:p>
-            <a:pPr marL="342900" indent="-342900">
-              <a:buFont typeface="+mj-lt"/>
-              <a:buAutoNum type="arabicPeriod"/>
-            </a:pPr>
-            <a:r>
-              <a:rPr lang="en-AU" dirty="0"/>
-              <a:t> Serial module: handles error outputs, user queries and outputs corresponding messages</a:t>
-            </a:r>
-          </a:p>
-          <a:p>
-            <a:pPr marL="342900" indent="-342900">
-              <a:buFont typeface="+mj-lt"/>
-              <a:buAutoNum type="arabicPeriod"/>
-            </a:pPr>
-            <a:r>
-              <a:rPr lang="en-AU" dirty="0"/>
-              <a:t>Sound &amp; visual module: flashes and beeps corresponding to user distance from system </a:t>
-            </a:r>
-          </a:p>
-          <a:p>
-            <a:pPr marL="342900" indent="-342900">
-              <a:buFont typeface="+mj-lt"/>
-              <a:buAutoNum type="arabicPeriod"/>
-            </a:pPr>
-            <a:r>
-              <a:rPr lang="en-AU" dirty="0"/>
-              <a:t>Status module: monitors orientation and acceleration of system </a:t>
-            </a:r>
-          </a:p>
-          <a:p>
-            <a:pPr marL="342900" indent="-342900">
-              <a:buFont typeface="+mj-lt"/>
-              <a:buAutoNum type="arabicPeriod"/>
-            </a:pPr>
-            <a:r>
-              <a:rPr lang="en-AU" dirty="0"/>
-              <a:t>Object detection module: detects an object in front of the system </a:t>
-            </a:r>
-          </a:p>
-          <a:p>
-            <a:pPr marL="342900" indent="-342900">
-              <a:buFont typeface="+mj-lt"/>
-              <a:buAutoNum type="arabicPeriod"/>
-            </a:pPr>
-            <a:r>
-              <a:rPr lang="en-AU" dirty="0"/>
-              <a:t>Tracking module:  tracks position of object</a:t>
-            </a:r>
-          </a:p>
-        </p:txBody>
-      </p:sp>
-    </p:spTree>
-    <p:extLst>
-      <p:ext uri="{BB962C8B-B14F-4D97-AF65-F5344CB8AC3E}">
-        <p14:creationId xmlns:p14="http://schemas.microsoft.com/office/powerpoint/2010/main" val="3359701772"/>
-      </p:ext>
-    </p:extLst>
-  </p:cSld>
-  <p:clrMapOvr>
-    <a:masterClrMapping/>
-  </p:clrMapOvr>
-</p:sld>
-</file>
-
 <file path=ppt/slides/slide8.xml><?xml version="1.0" encoding="utf-8"?>
 <p:sld xmlns:a="http://schemas.openxmlformats.org/drawingml/2006/main" xmlns:r="http://schemas.openxmlformats.org/officeDocument/2006/relationships" xmlns:p="http://schemas.openxmlformats.org/presentationml/2006/main">
   <p:cSld>
@@ -6988,6 +7897,145 @@
           <p:cNvPr id="2" name="Title 1">
             <a:extLst>
               <a:ext uri="{FF2B5EF4-FFF2-40B4-BE49-F238E27FC236}">
+                <a16:creationId xmlns:a16="http://schemas.microsoft.com/office/drawing/2014/main" id="{CD79B184-8B8E-9E81-E3F8-55D524546E62}"/>
+              </a:ext>
+            </a:extLst>
+          </p:cNvPr>
+          <p:cNvSpPr>
+            <a:spLocks noGrp="1"/>
+          </p:cNvSpPr>
+          <p:nvPr>
+            <p:ph type="title"/>
+          </p:nvPr>
+        </p:nvSpPr>
+        <p:spPr/>
+        <p:txBody>
+          <a:bodyPr/>
+          <a:lstStyle/>
+          <a:p>
+            <a:r>
+              <a:rPr lang="en-AU" dirty="0"/>
+              <a:t>Module Design</a:t>
+            </a:r>
+          </a:p>
+        </p:txBody>
+      </p:sp>
+      <p:sp>
+        <p:nvSpPr>
+          <p:cNvPr id="3" name="Content Placeholder 2">
+            <a:extLst>
+              <a:ext uri="{FF2B5EF4-FFF2-40B4-BE49-F238E27FC236}">
+                <a16:creationId xmlns:a16="http://schemas.microsoft.com/office/drawing/2014/main" id="{5D25CDAD-3CCF-1038-25DE-9C3520690121}"/>
+              </a:ext>
+            </a:extLst>
+          </p:cNvPr>
+          <p:cNvSpPr>
+            <a:spLocks noGrp="1"/>
+          </p:cNvSpPr>
+          <p:nvPr>
+            <p:ph idx="1"/>
+          </p:nvPr>
+        </p:nvSpPr>
+        <p:spPr/>
+        <p:txBody>
+          <a:bodyPr/>
+          <a:lstStyle/>
+          <a:p>
+            <a:pPr marL="0" indent="0">
+              <a:buNone/>
+            </a:pPr>
+            <a:r>
+              <a:rPr lang="en-AU" dirty="0"/>
+              <a:t>Our project has been split into five modules: </a:t>
+            </a:r>
+          </a:p>
+          <a:p>
+            <a:pPr marL="342900" indent="-342900">
+              <a:buFont typeface="+mj-lt"/>
+              <a:buAutoNum type="arabicPeriod"/>
+            </a:pPr>
+            <a:r>
+              <a:rPr lang="en-AU" dirty="0"/>
+              <a:t> Serial module: handles error outputs, user queries and outputs corresponding messages</a:t>
+            </a:r>
+          </a:p>
+          <a:p>
+            <a:pPr marL="342900" indent="-342900">
+              <a:buFont typeface="+mj-lt"/>
+              <a:buAutoNum type="arabicPeriod"/>
+            </a:pPr>
+            <a:r>
+              <a:rPr lang="en-AU" dirty="0"/>
+              <a:t>Sound &amp; visual module: flashes and beeps corresponding to user distance from system </a:t>
+            </a:r>
+          </a:p>
+          <a:p>
+            <a:pPr marL="342900" indent="-342900">
+              <a:buFont typeface="+mj-lt"/>
+              <a:buAutoNum type="arabicPeriod"/>
+            </a:pPr>
+            <a:r>
+              <a:rPr lang="en-AU" dirty="0"/>
+              <a:t>Status module: monitors orientation and acceleration of system </a:t>
+            </a:r>
+          </a:p>
+          <a:p>
+            <a:pPr marL="342900" indent="-342900">
+              <a:buFont typeface="+mj-lt"/>
+              <a:buAutoNum type="arabicPeriod"/>
+            </a:pPr>
+            <a:r>
+              <a:rPr lang="en-AU" dirty="0"/>
+              <a:t>Object detection module: detects an object in front of the system </a:t>
+            </a:r>
+          </a:p>
+          <a:p>
+            <a:pPr marL="342900" indent="-342900">
+              <a:buFont typeface="+mj-lt"/>
+              <a:buAutoNum type="arabicPeriod"/>
+            </a:pPr>
+            <a:r>
+              <a:rPr lang="en-AU" dirty="0"/>
+              <a:t>Control module:  tracks position of object and outputs distance/angle of object</a:t>
+            </a:r>
+          </a:p>
+        </p:txBody>
+      </p:sp>
+    </p:spTree>
+    <p:extLst>
+      <p:ext uri="{BB962C8B-B14F-4D97-AF65-F5344CB8AC3E}">
+        <p14:creationId xmlns:p14="http://schemas.microsoft.com/office/powerpoint/2010/main" val="3359701772"/>
+      </p:ext>
+    </p:extLst>
+  </p:cSld>
+  <p:clrMapOvr>
+    <a:masterClrMapping/>
+  </p:clrMapOvr>
+</p:sld>
+</file>
+
+<file path=ppt/slides/slide9.xml><?xml version="1.0" encoding="utf-8"?>
+<p:sld xmlns:a="http://schemas.openxmlformats.org/drawingml/2006/main" xmlns:r="http://schemas.openxmlformats.org/officeDocument/2006/relationships" xmlns:p="http://schemas.openxmlformats.org/presentationml/2006/main">
+  <p:cSld>
+    <p:spTree>
+      <p:nvGrpSpPr>
+        <p:cNvPr id="1" name=""/>
+        <p:cNvGrpSpPr/>
+        <p:nvPr/>
+      </p:nvGrpSpPr>
+      <p:grpSpPr>
+        <a:xfrm>
+          <a:off x="0" y="0"/>
+          <a:ext cx="0" cy="0"/>
+          <a:chOff x="0" y="0"/>
+          <a:chExt cx="0" cy="0"/>
+        </a:xfrm>
+      </p:grpSpPr>
+      <p:sp>
+        <p:nvSpPr>
+          <p:cNvPr id="2" name="Title 1">
+            <a:extLst>
+              <a:ext uri="{FF2B5EF4-FFF2-40B4-BE49-F238E27FC236}">
                 <a16:creationId xmlns:a16="http://schemas.microsoft.com/office/drawing/2014/main" id="{98A9B203-127A-E90B-7FDE-2A27A0C7FD1F}"/>
               </a:ext>
             </a:extLst>
@@ -7027,7 +8075,7 @@
             <p:ph sz="half" idx="1"/>
             <p:extLst>
               <p:ext uri="{D42A27DB-BD31-4B8C-83A1-F6EECF244321}">
-                <p14:modId xmlns:p14="http://schemas.microsoft.com/office/powerpoint/2010/main" val="3809391605"/>
+                <p14:modId xmlns:p14="http://schemas.microsoft.com/office/powerpoint/2010/main" val="2153057965"/>
               </p:ext>
             </p:extLst>
           </p:nvPr>
@@ -7402,7 +8450,7 @@
                     <a:p>
                       <a:r>
                         <a:rPr lang="en-AU" sz="1600" dirty="0"/>
-                        <a:t>Object Tracking Module</a:t>
+                        <a:t>Control Module</a:t>
                       </a:r>
                     </a:p>
                   </a:txBody>
@@ -7485,558 +8533,6 @@
     <p:extLst>
       <p:ext uri="{BB962C8B-B14F-4D97-AF65-F5344CB8AC3E}">
         <p14:creationId xmlns:p14="http://schemas.microsoft.com/office/powerpoint/2010/main" val="1806934946"/>
-      </p:ext>
-    </p:extLst>
-  </p:cSld>
-  <p:clrMapOvr>
-    <a:masterClrMapping/>
-  </p:clrMapOvr>
-</p:sld>
-</file>
-
-<file path=ppt/slides/slide9.xml><?xml version="1.0" encoding="utf-8"?>
-<p:sld xmlns:a="http://schemas.openxmlformats.org/drawingml/2006/main" xmlns:r="http://schemas.openxmlformats.org/officeDocument/2006/relationships" xmlns:p="http://schemas.openxmlformats.org/presentationml/2006/main">
-  <p:cSld>
-    <p:spTree>
-      <p:nvGrpSpPr>
-        <p:cNvPr id="1" name=""/>
-        <p:cNvGrpSpPr/>
-        <p:nvPr/>
-      </p:nvGrpSpPr>
-      <p:grpSpPr>
-        <a:xfrm>
-          <a:off x="0" y="0"/>
-          <a:ext cx="0" cy="0"/>
-          <a:chOff x="0" y="0"/>
-          <a:chExt cx="0" cy="0"/>
-        </a:xfrm>
-      </p:grpSpPr>
-      <p:sp>
-        <p:nvSpPr>
-          <p:cNvPr id="2" name="Title 1">
-            <a:extLst>
-              <a:ext uri="{FF2B5EF4-FFF2-40B4-BE49-F238E27FC236}">
-                <a16:creationId xmlns:a16="http://schemas.microsoft.com/office/drawing/2014/main" id="{6DA39524-6704-D260-3946-C5F2AF0D6D79}"/>
-              </a:ext>
-            </a:extLst>
-          </p:cNvPr>
-          <p:cNvSpPr>
-            <a:spLocks noGrp="1"/>
-          </p:cNvSpPr>
-          <p:nvPr>
-            <p:ph type="title"/>
-          </p:nvPr>
-        </p:nvSpPr>
-        <p:spPr/>
-        <p:txBody>
-          <a:bodyPr/>
-          <a:lstStyle/>
-          <a:p>
-            <a:r>
-              <a:rPr lang="en-AU" dirty="0"/>
-              <a:t>Roles and Responsibilities </a:t>
-            </a:r>
-          </a:p>
-        </p:txBody>
-      </p:sp>
-      <p:sp>
-        <p:nvSpPr>
-          <p:cNvPr id="3" name="Content Placeholder 2">
-            <a:extLst>
-              <a:ext uri="{FF2B5EF4-FFF2-40B4-BE49-F238E27FC236}">
-                <a16:creationId xmlns:a16="http://schemas.microsoft.com/office/drawing/2014/main" id="{539B4EA0-6377-956A-38C4-EECB0B2BAD94}"/>
-              </a:ext>
-            </a:extLst>
-          </p:cNvPr>
-          <p:cNvSpPr>
-            <a:spLocks noGrp="1"/>
-          </p:cNvSpPr>
-          <p:nvPr>
-            <p:ph idx="1"/>
-          </p:nvPr>
-        </p:nvSpPr>
-        <p:spPr/>
-        <p:txBody>
-          <a:bodyPr anchor="t"/>
-          <a:lstStyle/>
-          <a:p>
-            <a:pPr marL="0" indent="0">
-              <a:buNone/>
-            </a:pPr>
-            <a:r>
-              <a:rPr lang="en-AU" dirty="0"/>
-              <a:t>Roles for this project were spread evenly among the group, with each member acting as the primary for one module.</a:t>
-            </a:r>
-          </a:p>
-          <a:p>
-            <a:pPr marL="0" indent="0">
-              <a:buNone/>
-            </a:pPr>
-            <a:endParaRPr lang="en-AU" dirty="0"/>
-          </a:p>
-        </p:txBody>
-      </p:sp>
-      <p:graphicFrame>
-        <p:nvGraphicFramePr>
-          <p:cNvPr id="4" name="Table 4">
-            <a:extLst>
-              <a:ext uri="{FF2B5EF4-FFF2-40B4-BE49-F238E27FC236}">
-                <a16:creationId xmlns:a16="http://schemas.microsoft.com/office/drawing/2014/main" id="{3418FF52-86B3-557B-4765-2D4C13089BCD}"/>
-              </a:ext>
-            </a:extLst>
-          </p:cNvPr>
-          <p:cNvGraphicFramePr>
-            <a:graphicFrameLocks noGrp="1"/>
-          </p:cNvGraphicFramePr>
-          <p:nvPr>
-            <p:extLst>
-              <p:ext uri="{D42A27DB-BD31-4B8C-83A1-F6EECF244321}">
-                <p14:modId xmlns:p14="http://schemas.microsoft.com/office/powerpoint/2010/main" val="4182003439"/>
-              </p:ext>
-            </p:extLst>
-          </p:nvPr>
-        </p:nvGraphicFramePr>
-        <p:xfrm>
-          <a:off x="2031999" y="2721707"/>
-          <a:ext cx="8128000" cy="3403600"/>
-        </p:xfrm>
-        <a:graphic>
-          <a:graphicData uri="http://schemas.openxmlformats.org/drawingml/2006/table">
-            <a:tbl>
-              <a:tblPr firstRow="1" bandRow="1">
-                <a:tableStyleId>{5C22544A-7EE6-4342-B048-85BDC9FD1C3A}</a:tableStyleId>
-              </a:tblPr>
-              <a:tblGrid>
-                <a:gridCol w="2032000">
-                  <a:extLst>
-                    <a:ext uri="{9D8B030D-6E8A-4147-A177-3AD203B41FA5}">
-                      <a16:colId xmlns:a16="http://schemas.microsoft.com/office/drawing/2014/main" val="3894842504"/>
-                    </a:ext>
-                  </a:extLst>
-                </a:gridCol>
-                <a:gridCol w="2032000">
-                  <a:extLst>
-                    <a:ext uri="{9D8B030D-6E8A-4147-A177-3AD203B41FA5}">
-                      <a16:colId xmlns:a16="http://schemas.microsoft.com/office/drawing/2014/main" val="961461861"/>
-                    </a:ext>
-                  </a:extLst>
-                </a:gridCol>
-                <a:gridCol w="2032000">
-                  <a:extLst>
-                    <a:ext uri="{9D8B030D-6E8A-4147-A177-3AD203B41FA5}">
-                      <a16:colId xmlns:a16="http://schemas.microsoft.com/office/drawing/2014/main" val="779492511"/>
-                    </a:ext>
-                  </a:extLst>
-                </a:gridCol>
-                <a:gridCol w="2032000">
-                  <a:extLst>
-                    <a:ext uri="{9D8B030D-6E8A-4147-A177-3AD203B41FA5}">
-                      <a16:colId xmlns:a16="http://schemas.microsoft.com/office/drawing/2014/main" val="1893478059"/>
-                    </a:ext>
-                  </a:extLst>
-                </a:gridCol>
-              </a:tblGrid>
-              <a:tr h="370840">
-                <a:tc>
-                  <a:txBody>
-                    <a:bodyPr/>
-                    <a:lstStyle/>
-                    <a:p>
-                      <a:r>
-                        <a:rPr lang="en-AU" dirty="0"/>
-                        <a:t>Roles</a:t>
-                      </a:r>
-                    </a:p>
-                  </a:txBody>
-                  <a:tcPr/>
-                </a:tc>
-                <a:tc>
-                  <a:txBody>
-                    <a:bodyPr/>
-                    <a:lstStyle/>
-                    <a:p>
-                      <a:r>
-                        <a:rPr lang="en-AU" dirty="0"/>
-                        <a:t>Primary</a:t>
-                      </a:r>
-                    </a:p>
-                  </a:txBody>
-                  <a:tcPr/>
-                </a:tc>
-                <a:tc>
-                  <a:txBody>
-                    <a:bodyPr/>
-                    <a:lstStyle/>
-                    <a:p>
-                      <a:r>
-                        <a:rPr lang="en-AU" dirty="0"/>
-                        <a:t>Secondary</a:t>
-                      </a:r>
-                    </a:p>
-                  </a:txBody>
-                  <a:tcPr/>
-                </a:tc>
-                <a:tc>
-                  <a:txBody>
-                    <a:bodyPr/>
-                    <a:lstStyle/>
-                    <a:p>
-                      <a:r>
-                        <a:rPr lang="en-AU" dirty="0"/>
-                        <a:t>Support</a:t>
-                      </a:r>
-                    </a:p>
-                  </a:txBody>
-                  <a:tcPr/>
-                </a:tc>
-                <a:extLst>
-                  <a:ext uri="{0D108BD9-81ED-4DB2-BD59-A6C34878D82A}">
-                    <a16:rowId xmlns:a16="http://schemas.microsoft.com/office/drawing/2014/main" val="1583112351"/>
-                  </a:ext>
-                </a:extLst>
-              </a:tr>
-              <a:tr h="370840">
-                <a:tc>
-                  <a:txBody>
-                    <a:bodyPr/>
-                    <a:lstStyle/>
-                    <a:p>
-                      <a:r>
-                        <a:rPr lang="en-AU" dirty="0"/>
-                        <a:t>Serial module</a:t>
-                      </a:r>
-                    </a:p>
-                  </a:txBody>
-                  <a:tcPr/>
-                </a:tc>
-                <a:tc>
-                  <a:txBody>
-                    <a:bodyPr/>
-                    <a:lstStyle/>
-                    <a:p>
-                      <a:r>
-                        <a:rPr lang="en-AU" dirty="0"/>
-                        <a:t>Will</a:t>
-                      </a:r>
-                    </a:p>
-                  </a:txBody>
-                  <a:tcPr/>
-                </a:tc>
-                <a:tc>
-                  <a:txBody>
-                    <a:bodyPr/>
-                    <a:lstStyle/>
-                    <a:p>
-                      <a:r>
-                        <a:rPr lang="en-AU" dirty="0"/>
-                        <a:t>Joon</a:t>
-                      </a:r>
-                    </a:p>
-                  </a:txBody>
-                  <a:tcPr/>
-                </a:tc>
-                <a:tc>
-                  <a:txBody>
-                    <a:bodyPr/>
-                    <a:lstStyle/>
-                    <a:p>
-                      <a:endParaRPr lang="en-AU"/>
-                    </a:p>
-                  </a:txBody>
-                  <a:tcPr/>
-                </a:tc>
-                <a:extLst>
-                  <a:ext uri="{0D108BD9-81ED-4DB2-BD59-A6C34878D82A}">
-                    <a16:rowId xmlns:a16="http://schemas.microsoft.com/office/drawing/2014/main" val="2116312314"/>
-                  </a:ext>
-                </a:extLst>
-              </a:tr>
-              <a:tr h="370840">
-                <a:tc>
-                  <a:txBody>
-                    <a:bodyPr/>
-                    <a:lstStyle/>
-                    <a:p>
-                      <a:r>
-                        <a:rPr lang="en-AU" dirty="0"/>
-                        <a:t>Audio/visual module</a:t>
-                      </a:r>
-                    </a:p>
-                  </a:txBody>
-                  <a:tcPr/>
-                </a:tc>
-                <a:tc>
-                  <a:txBody>
-                    <a:bodyPr/>
-                    <a:lstStyle/>
-                    <a:p>
-                      <a:r>
-                        <a:rPr lang="en-AU" dirty="0"/>
-                        <a:t>Ethan</a:t>
-                      </a:r>
-                    </a:p>
-                  </a:txBody>
-                  <a:tcPr/>
-                </a:tc>
-                <a:tc>
-                  <a:txBody>
-                    <a:bodyPr/>
-                    <a:lstStyle/>
-                    <a:p>
-                      <a:endParaRPr lang="en-AU" dirty="0"/>
-                    </a:p>
-                  </a:txBody>
-                  <a:tcPr/>
-                </a:tc>
-                <a:tc>
-                  <a:txBody>
-                    <a:bodyPr/>
-                    <a:lstStyle/>
-                    <a:p>
-                      <a:endParaRPr lang="en-AU"/>
-                    </a:p>
-                  </a:txBody>
-                  <a:tcPr/>
-                </a:tc>
-                <a:extLst>
-                  <a:ext uri="{0D108BD9-81ED-4DB2-BD59-A6C34878D82A}">
-                    <a16:rowId xmlns:a16="http://schemas.microsoft.com/office/drawing/2014/main" val="3773811662"/>
-                  </a:ext>
-                </a:extLst>
-              </a:tr>
-              <a:tr h="370840">
-                <a:tc>
-                  <a:txBody>
-                    <a:bodyPr/>
-                    <a:lstStyle/>
-                    <a:p>
-                      <a:r>
-                        <a:rPr lang="en-AU" dirty="0"/>
-                        <a:t>Status module </a:t>
-                      </a:r>
-                    </a:p>
-                  </a:txBody>
-                  <a:tcPr/>
-                </a:tc>
-                <a:tc>
-                  <a:txBody>
-                    <a:bodyPr/>
-                    <a:lstStyle/>
-                    <a:p>
-                      <a:r>
-                        <a:rPr lang="en-AU" dirty="0"/>
-                        <a:t>Joon</a:t>
-                      </a:r>
-                    </a:p>
-                  </a:txBody>
-                  <a:tcPr/>
-                </a:tc>
-                <a:tc>
-                  <a:txBody>
-                    <a:bodyPr/>
-                    <a:lstStyle/>
-                    <a:p>
-                      <a:endParaRPr lang="en-AU"/>
-                    </a:p>
-                  </a:txBody>
-                  <a:tcPr/>
-                </a:tc>
-                <a:tc>
-                  <a:txBody>
-                    <a:bodyPr/>
-                    <a:lstStyle/>
-                    <a:p>
-                      <a:endParaRPr lang="en-AU"/>
-                    </a:p>
-                  </a:txBody>
-                  <a:tcPr/>
-                </a:tc>
-                <a:extLst>
-                  <a:ext uri="{0D108BD9-81ED-4DB2-BD59-A6C34878D82A}">
-                    <a16:rowId xmlns:a16="http://schemas.microsoft.com/office/drawing/2014/main" val="2315356098"/>
-                  </a:ext>
-                </a:extLst>
-              </a:tr>
-              <a:tr h="370840">
-                <a:tc>
-                  <a:txBody>
-                    <a:bodyPr/>
-                    <a:lstStyle/>
-                    <a:p>
-                      <a:r>
-                        <a:rPr lang="en-AU"/>
-                        <a:t>Object tracking </a:t>
-                      </a:r>
-                      <a:r>
-                        <a:rPr lang="en-AU" dirty="0"/>
-                        <a:t>module</a:t>
-                      </a:r>
-                    </a:p>
-                  </a:txBody>
-                  <a:tcPr/>
-                </a:tc>
-                <a:tc>
-                  <a:txBody>
-                    <a:bodyPr/>
-                    <a:lstStyle/>
-                    <a:p>
-                      <a:r>
-                        <a:rPr lang="en-AU" dirty="0"/>
-                        <a:t>Taj</a:t>
-                      </a:r>
-                    </a:p>
-                  </a:txBody>
-                  <a:tcPr/>
-                </a:tc>
-                <a:tc>
-                  <a:txBody>
-                    <a:bodyPr/>
-                    <a:lstStyle/>
-                    <a:p>
-                      <a:r>
-                        <a:rPr lang="en-AU" dirty="0"/>
-                        <a:t>Josh</a:t>
-                      </a:r>
-                    </a:p>
-                  </a:txBody>
-                  <a:tcPr/>
-                </a:tc>
-                <a:tc>
-                  <a:txBody>
-                    <a:bodyPr/>
-                    <a:lstStyle/>
-                    <a:p>
-                      <a:endParaRPr lang="en-AU"/>
-                    </a:p>
-                  </a:txBody>
-                  <a:tcPr/>
-                </a:tc>
-                <a:extLst>
-                  <a:ext uri="{0D108BD9-81ED-4DB2-BD59-A6C34878D82A}">
-                    <a16:rowId xmlns:a16="http://schemas.microsoft.com/office/drawing/2014/main" val="3415284574"/>
-                  </a:ext>
-                </a:extLst>
-              </a:tr>
-              <a:tr h="370840">
-                <a:tc>
-                  <a:txBody>
-                    <a:bodyPr/>
-                    <a:lstStyle/>
-                    <a:p>
-                      <a:r>
-                        <a:rPr lang="en-AU" dirty="0"/>
-                        <a:t>Object detection module</a:t>
-                      </a:r>
-                    </a:p>
-                  </a:txBody>
-                  <a:tcPr/>
-                </a:tc>
-                <a:tc>
-                  <a:txBody>
-                    <a:bodyPr/>
-                    <a:lstStyle/>
-                    <a:p>
-                      <a:r>
-                        <a:rPr lang="en-AU" dirty="0"/>
-                        <a:t>Josh</a:t>
-                      </a:r>
-                    </a:p>
-                  </a:txBody>
-                  <a:tcPr/>
-                </a:tc>
-                <a:tc>
-                  <a:txBody>
-                    <a:bodyPr/>
-                    <a:lstStyle/>
-                    <a:p>
-                      <a:r>
-                        <a:rPr lang="en-AU" dirty="0"/>
-                        <a:t>Taj</a:t>
-                      </a:r>
-                    </a:p>
-                  </a:txBody>
-                  <a:tcPr/>
-                </a:tc>
-                <a:tc>
-                  <a:txBody>
-                    <a:bodyPr/>
-                    <a:lstStyle/>
-                    <a:p>
-                      <a:endParaRPr lang="en-AU"/>
-                    </a:p>
-                  </a:txBody>
-                  <a:tcPr/>
-                </a:tc>
-                <a:extLst>
-                  <a:ext uri="{0D108BD9-81ED-4DB2-BD59-A6C34878D82A}">
-                    <a16:rowId xmlns:a16="http://schemas.microsoft.com/office/drawing/2014/main" val="982157175"/>
-                  </a:ext>
-                </a:extLst>
-              </a:tr>
-              <a:tr h="370840">
-                <a:tc>
-                  <a:txBody>
-                    <a:bodyPr/>
-                    <a:lstStyle/>
-                    <a:p>
-                      <a:r>
-                        <a:rPr lang="en-AU" dirty="0"/>
-                        <a:t>Documentation</a:t>
-                      </a:r>
-                    </a:p>
-                  </a:txBody>
-                  <a:tcPr/>
-                </a:tc>
-                <a:tc>
-                  <a:txBody>
-                    <a:bodyPr/>
-                    <a:lstStyle/>
-                    <a:p>
-                      <a:r>
-                        <a:rPr lang="en-AU" dirty="0"/>
-                        <a:t>Will</a:t>
-                      </a:r>
-                    </a:p>
-                  </a:txBody>
-                  <a:tcPr/>
-                </a:tc>
-                <a:tc>
-                  <a:txBody>
-                    <a:bodyPr/>
-                    <a:lstStyle/>
-                    <a:p>
-                      <a:r>
-                        <a:rPr lang="en-AU" dirty="0"/>
-                        <a:t>Ethan</a:t>
-                      </a:r>
-                    </a:p>
-                  </a:txBody>
-                  <a:tcPr/>
-                </a:tc>
-                <a:tc>
-                  <a:txBody>
-                    <a:bodyPr/>
-                    <a:lstStyle/>
-                    <a:p>
-                      <a:endParaRPr lang="en-AU" dirty="0"/>
-                    </a:p>
-                  </a:txBody>
-                  <a:tcPr/>
-                </a:tc>
-                <a:extLst>
-                  <a:ext uri="{0D108BD9-81ED-4DB2-BD59-A6C34878D82A}">
-                    <a16:rowId xmlns:a16="http://schemas.microsoft.com/office/drawing/2014/main" val="3342758123"/>
-                  </a:ext>
-                </a:extLst>
-              </a:tr>
-            </a:tbl>
-          </a:graphicData>
-        </a:graphic>
-      </p:graphicFrame>
-    </p:spTree>
-    <p:extLst>
-      <p:ext uri="{BB962C8B-B14F-4D97-AF65-F5344CB8AC3E}">
-        <p14:creationId xmlns:p14="http://schemas.microsoft.com/office/powerpoint/2010/main" val="3060279616"/>
       </p:ext>
     </p:extLst>
   </p:cSld>

--- a/Design and Pseudocode Materials/Major Project Presentation.pptx
+++ b/Design and Pseudocode Materials/Major Project Presentation.pptx
@@ -233,7 +233,7 @@
           <a:p>
             <a:fld id="{AF869721-F543-4A6C-BF9D-65D7CC540427}" type="datetimeFigureOut">
               <a:rPr lang="en-US" smtClean="0"/>
-              <a:t>5/24/2022</a:t>
+              <a:t>5/25/22</a:t>
             </a:fld>
             <a:endParaRPr lang="en-US" dirty="0"/>
           </a:p>
@@ -410,7 +410,7 @@
           <a:p>
             <a:fld id="{C732326A-4C88-4AFB-AA5B-5919D81DFF5B}" type="datetimeFigureOut">
               <a:rPr lang="en-US" smtClean="0"/>
-              <a:t>5/24/2022</a:t>
+              <a:t>5/25/22</a:t>
             </a:fld>
             <a:endParaRPr lang="en-US" dirty="0"/>
           </a:p>
@@ -1091,7 +1091,7 @@
             <a:fld id="{B61BEF0D-F0BB-DE4B-95CE-6DB70DBA9567}" type="datetimeFigureOut">
               <a:rPr lang="en-US" smtClean="0"/>
               <a:pPr/>
-              <a:t>5/24/2022</a:t>
+              <a:t>5/25/22</a:t>
             </a:fld>
             <a:endParaRPr lang="en-US" dirty="0"/>
           </a:p>
@@ -1355,7 +1355,7 @@
             <a:fld id="{B61BEF0D-F0BB-DE4B-95CE-6DB70DBA9567}" type="datetimeFigureOut">
               <a:rPr lang="en-US" smtClean="0"/>
               <a:pPr/>
-              <a:t>5/24/2022</a:t>
+              <a:t>5/25/22</a:t>
             </a:fld>
             <a:endParaRPr lang="en-US" dirty="0"/>
           </a:p>
@@ -1592,7 +1592,7 @@
             <a:fld id="{B61BEF0D-F0BB-DE4B-95CE-6DB70DBA9567}" type="datetimeFigureOut">
               <a:rPr lang="en-US" smtClean="0"/>
               <a:pPr/>
-              <a:t>5/24/2022</a:t>
+              <a:t>5/25/22</a:t>
             </a:fld>
             <a:endParaRPr lang="en-US" dirty="0"/>
           </a:p>
@@ -1834,7 +1834,7 @@
             <a:fld id="{B61BEF0D-F0BB-DE4B-95CE-6DB70DBA9567}" type="datetimeFigureOut">
               <a:rPr lang="en-US" smtClean="0"/>
               <a:pPr/>
-              <a:t>5/24/2022</a:t>
+              <a:t>5/25/22</a:t>
             </a:fld>
             <a:endParaRPr lang="en-US" dirty="0"/>
           </a:p>
@@ -2143,7 +2143,7 @@
             <a:fld id="{B61BEF0D-F0BB-DE4B-95CE-6DB70DBA9567}" type="datetimeFigureOut">
               <a:rPr lang="en-US" smtClean="0"/>
               <a:pPr/>
-              <a:t>5/24/2022</a:t>
+              <a:t>5/25/22</a:t>
             </a:fld>
             <a:endParaRPr lang="en-US" dirty="0"/>
           </a:p>
@@ -2447,7 +2447,7 @@
             <a:fld id="{B61BEF0D-F0BB-DE4B-95CE-6DB70DBA9567}" type="datetimeFigureOut">
               <a:rPr lang="en-US" smtClean="0"/>
               <a:pPr/>
-              <a:t>5/24/2022</a:t>
+              <a:t>5/25/22</a:t>
             </a:fld>
             <a:endParaRPr lang="en-US" dirty="0"/>
           </a:p>
@@ -2871,7 +2871,7 @@
             <a:fld id="{B61BEF0D-F0BB-DE4B-95CE-6DB70DBA9567}" type="datetimeFigureOut">
               <a:rPr lang="en-US" smtClean="0"/>
               <a:pPr/>
-              <a:t>5/24/2022</a:t>
+              <a:t>5/25/22</a:t>
             </a:fld>
             <a:endParaRPr lang="en-US" dirty="0"/>
           </a:p>
@@ -2968,7 +2968,7 @@
             <a:fld id="{B61BEF0D-F0BB-DE4B-95CE-6DB70DBA9567}" type="datetimeFigureOut">
               <a:rPr lang="en-US" smtClean="0"/>
               <a:pPr/>
-              <a:t>5/24/2022</a:t>
+              <a:t>5/25/22</a:t>
             </a:fld>
             <a:endParaRPr lang="en-US" dirty="0"/>
           </a:p>
@@ -3132,7 +3132,7 @@
             <a:fld id="{B61BEF0D-F0BB-DE4B-95CE-6DB70DBA9567}" type="datetimeFigureOut">
               <a:rPr lang="en-US" smtClean="0"/>
               <a:pPr/>
-              <a:t>5/24/2022</a:t>
+              <a:t>5/25/22</a:t>
             </a:fld>
             <a:endParaRPr lang="en-US" dirty="0"/>
           </a:p>
@@ -3512,7 +3512,7 @@
             <a:fld id="{B61BEF0D-F0BB-DE4B-95CE-6DB70DBA9567}" type="datetimeFigureOut">
               <a:rPr lang="en-US" smtClean="0"/>
               <a:pPr/>
-              <a:t>5/24/2022</a:t>
+              <a:t>5/25/22</a:t>
             </a:fld>
             <a:endParaRPr lang="en-US" dirty="0"/>
           </a:p>
@@ -3803,7 +3803,7 @@
             <a:fld id="{B61BEF0D-F0BB-DE4B-95CE-6DB70DBA9567}" type="datetimeFigureOut">
               <a:rPr lang="en-US" smtClean="0"/>
               <a:pPr/>
-              <a:t>5/24/2022</a:t>
+              <a:t>5/25/22</a:t>
             </a:fld>
             <a:endParaRPr lang="en-US" dirty="0"/>
           </a:p>
@@ -4016,7 +4016,7 @@
             <a:fld id="{B61BEF0D-F0BB-DE4B-95CE-6DB70DBA9567}" type="datetimeFigureOut">
               <a:rPr lang="en-US" smtClean="0"/>
               <a:pPr/>
-              <a:t>5/24/2022</a:t>
+              <a:t>5/25/22</a:t>
             </a:fld>
             <a:endParaRPr lang="en-US" dirty="0"/>
           </a:p>
@@ -5153,7 +5153,7 @@
           <p:nvPr>
             <p:extLst>
               <p:ext uri="{D42A27DB-BD31-4B8C-83A1-F6EECF244321}">
-                <p14:modId xmlns:p14="http://schemas.microsoft.com/office/powerpoint/2010/main" val="3120661825"/>
+                <p14:modId xmlns:p14="http://schemas.microsoft.com/office/powerpoint/2010/main" val="3768222526"/>
               </p:ext>
             </p:extLst>
           </p:nvPr>
@@ -5455,10 +5455,7 @@
                     <a:bodyPr/>
                     <a:lstStyle/>
                     <a:p>
-                      <a:r>
-                        <a:rPr lang="en-AU" dirty="0"/>
-                        <a:t>Josh</a:t>
-                      </a:r>
+                      <a:endParaRPr lang="en-AU" dirty="0"/>
                     </a:p>
                   </a:txBody>
                   <a:tcPr/>
@@ -5511,7 +5508,10 @@
                     <a:bodyPr/>
                     <a:lstStyle/>
                     <a:p>
-                      <a:endParaRPr lang="en-AU" dirty="0"/>
+                      <a:r>
+                        <a:rPr lang="en-AU" dirty="0"/>
+                        <a:t>Taj</a:t>
+                      </a:r>
                     </a:p>
                   </a:txBody>
                   <a:tcPr/>
@@ -6274,10 +6274,87 @@
         </p:nvSpPr>
         <p:spPr/>
         <p:txBody>
-          <a:bodyPr/>
+          <a:bodyPr>
+            <a:normAutofit fontScale="92500" lnSpcReduction="20000"/>
+          </a:bodyPr>
           <a:lstStyle/>
           <a:p>
-            <a:endParaRPr lang="en-AU"/>
+            <a:pPr marL="0" indent="0">
+              <a:buNone/>
+            </a:pPr>
+            <a:r>
+              <a:rPr lang="en-AU" dirty="0"/>
+              <a:t>Direction Calculator</a:t>
+            </a:r>
+          </a:p>
+          <a:p>
+            <a:r>
+              <a:rPr lang="en-AU" dirty="0"/>
+              <a:t>Access shopper struct for reference distance and angles</a:t>
+            </a:r>
+          </a:p>
+          <a:p>
+            <a:r>
+              <a:rPr lang="en-AU" dirty="0"/>
+              <a:t>Calculate the difference from reference and measured distance/angles</a:t>
+            </a:r>
+          </a:p>
+          <a:p>
+            <a:pPr lvl="1"/>
+            <a:r>
+              <a:rPr lang="en-AU" dirty="0"/>
+              <a:t>Decide whether right or left (angle) forward or back (distance)</a:t>
+            </a:r>
+          </a:p>
+          <a:p>
+            <a:r>
+              <a:rPr lang="en-AU" dirty="0"/>
+              <a:t>Combine distance and angles with direction in one instruction string – to be outputted when queried</a:t>
+            </a:r>
+          </a:p>
+          <a:p>
+            <a:pPr marL="0" indent="0">
+              <a:buNone/>
+            </a:pPr>
+            <a:endParaRPr lang="en-AU" dirty="0"/>
+          </a:p>
+          <a:p>
+            <a:pPr marL="0" indent="0">
+              <a:buNone/>
+            </a:pPr>
+            <a:r>
+              <a:rPr lang="en-AU" dirty="0"/>
+              <a:t>Distance and Angle Geometry</a:t>
+            </a:r>
+          </a:p>
+          <a:p>
+            <a:r>
+              <a:rPr lang="en-AU" dirty="0"/>
+              <a:t>Passed in the edge bounds of the shopper</a:t>
+            </a:r>
+          </a:p>
+          <a:p>
+            <a:r>
+              <a:rPr lang="en-AU" dirty="0"/>
+              <a:t>Using geometry</a:t>
+            </a:r>
+          </a:p>
+          <a:p>
+            <a:pPr lvl="1"/>
+            <a:r>
+              <a:rPr lang="en-AU" dirty="0"/>
+              <a:t>Calculates the distance away the shopper is from the trolley</a:t>
+            </a:r>
+          </a:p>
+          <a:p>
+            <a:pPr lvl="1"/>
+            <a:r>
+              <a:rPr lang="en-AU" dirty="0"/>
+              <a:t>Calculates the angle at which the shopper is from the trolley</a:t>
+            </a:r>
+          </a:p>
+          <a:p>
+            <a:endParaRPr lang="en-AU" dirty="0"/>
           </a:p>
         </p:txBody>
       </p:sp>
@@ -7541,15 +7618,6 @@
           <a:solidFill>
             <a:srgbClr val="FFFFFF"/>
           </a:solidFill>
-          <a:extLst>
-            <a:ext uri="{909E8E84-426E-40DD-AFC4-6F175D3DCCD1}">
-              <a14:hiddenFill xmlns:a14="http://schemas.microsoft.com/office/drawing/2010/main">
-                <a:solidFill>
-                  <a:srgbClr val="FFFFFF"/>
-                </a:solidFill>
-              </a14:hiddenFill>
-            </a:ext>
-          </a:extLst>
         </p:spPr>
       </p:pic>
       <p:sp>

--- a/Design and Pseudocode Materials/Major Project Presentation.pptx
+++ b/Design and Pseudocode Materials/Major Project Presentation.pptx
@@ -326,6 +326,708 @@
   </p:cSld>
   <p:clrMap bg1="lt1" tx1="dk1" bg2="lt2" tx2="dk2" accent1="accent1" accent2="accent2" accent3="accent3" accent4="accent4" accent5="accent5" accent6="accent6" hlink="hlink" folHlink="folHlink"/>
 </p:handoutMaster>
+</file>
+
+<file path=ppt/ink/ink1.xml><?xml version="1.0" encoding="utf-8"?>
+<inkml:ink xmlns:inkml="http://www.w3.org/2003/InkML">
+  <inkml:definitions>
+    <inkml:context xml:id="ctx0">
+      <inkml:inkSource xml:id="inkSrc0">
+        <inkml:traceFormat>
+          <inkml:channel name="X" type="integer" min="-2.14748E9" max="2.14748E9" units="cm"/>
+          <inkml:channel name="Y" type="integer" min="-2.14748E9" max="2.14748E9" units="cm"/>
+          <inkml:channel name="F" type="integer" max="32767" units="dev"/>
+        </inkml:traceFormat>
+        <inkml:channelProperties>
+          <inkml:channelProperty channel="X" name="resolution" value="1000" units="1/cm"/>
+          <inkml:channelProperty channel="Y" name="resolution" value="1000" units="1/cm"/>
+          <inkml:channelProperty channel="F" name="resolution" value="0" units="1/dev"/>
+        </inkml:channelProperties>
+      </inkml:inkSource>
+      <inkml:timestamp xml:id="ts0" timeString="2022-05-25T04:29:13.048"/>
+    </inkml:context>
+    <inkml:brush xml:id="br0">
+      <inkml:brushProperty name="width" value="0.05" units="cm"/>
+      <inkml:brushProperty name="height" value="0.05" units="cm"/>
+    </inkml:brush>
+  </inkml:definitions>
+  <inkml:trace contextRef="#ctx0" brushRef="#br0">0 139 24575,'8'0'0,"0"0"0,0 0 0,0 0 0,0 0 0,3 0 0,2 0 0,4 0 0,1 0 0,5 0 0,-4 0 0,8 0 0,-3 0 0,5 0 0,6 0 0,-4 0 0,4 0 0,0 0 0,-5 0 0,5 0 0,0 0 0,-5 0 0,5 0 0,-6 0 0,0 0 0,0 0 0,0 0 0,0 0 0,0 0 0,-5 0 0,4 0 0,4 0 0,-1 0 0,6 0 0,-8 0 0,0 0 0,0 0 0,6 0 0,-5 0 0,5 0 0,0 0 0,-4 0 0,10 0 0,-11 0 0,5 0 0,0 0 0,-5 0 0,5 0 0,-6 0 0,13 0 0,-9 0 0,8 0 0,-11 0 0,-1 0 0,0 0 0,0 0 0,0 0 0,0 0 0,6 0 0,-5 0 0,11 0 0,-5 0 0,1 0 0,3 0 0,-3 0 0,-1 0 0,5 0 0,-5 0 0,1 0 0,3 0 0,-9 0 0,4 0 0,0 0 0,8 0 0,1 0 0,-1 0 0,-8 0 0,-6 0 0,6 0 0,-4 0 0,10-5 0,-11 4 0,11-4 0,-5 5 0,1 0 0,3 0 0,-3 0 0,5 0 0,-6-4 0,5 3 0,-10-4 0,9 5 0,-9 0 0,4-4 0,-6 3 0,0-4 0,0 5 0,0 0 0,0 0 0,0 0 0,-5 0 0,4 0 0,-4 0 0,18 0 0,-10 0 0,10 0 0,-13 0 0,0 0 0,0 0 0,0 0 0,0 0 0,0 0 0,6 0 0,-4 0 0,3 0 0,-5 0 0,6 0 0,-4 0 0,4 0 0,-6 0 0,-5 0 0,4 0 0,-4 0 0,5 0 0,0 0 0,0 0 0,-5 0 0,3 0 0,-3 0 0,0 0 0,4 0 0,-4 0 0,5 0 0,0 0 0,0 0 0,0 0 0,-5 0 0,4 0 0,-4 0 0,5 0 0,0 0 0,-5 0 0,4 0 0,-4 0 0,0 0 0,-1 0 0,-1 0 0,-3 0 0,4 0 0,0 0 0,-4 0 0,3 0 0,-4 0 0,0 0 0,4 0 0,-3 0 0,9 0 0,-9 0 0,9 0 0,-4 0 0,5 0 0,0 0 0,0 0 0,0 0 0,0 0 0,0 0 0,0 0 0,0 0 0,6 0 0,-10 0 0,9 0 0,-10 0 0,5 0 0,0 0 0,0 0 0,0 0 0,0 0 0,0 0 0,0 0 0,13 0 0,-9 0 0,9 0 0,-13 0 0,5 0 0,-3 0 0,4 0 0,0 0 0,-5 0 0,5 0 0,-6 0 0,6 0 0,-4 0 0,4 0 0,-6 0 0,0 0 0,0 0 0,0 0 0,8 0 0,-6 0 0,0 0 0,-3 0 0,-9 0 0,4 0 0,-1 0 0,-3 0 0,9 0 0,-4 0 0,0 0 0,4 0 0,-9 0 0,9 0 0,-4 0 0,5 0 0,0 0 0,0-4 0,6 3 0,-5-3 0,5 4 0,-6-5 0,-5 4 0,10-3 0,-14 4 0,14 0 0,-15 0 0,8 0 0,-3 0 0,0 0 0,12 0 0,-15 0 0,15 0 0,-18 0 0,5 0 0,-5 0 0,5 0 0,-4-4 0,3 3 0,1-3 0,-4 4 0,9 0 0,-9 0 0,3 0 0,1 0 0,-4 0 0,9 0 0,-9 0 0,8-5 0,-8 4 0,9-3 0,-4 4 0,5 0 0,-5 0 0,4-4 0,-4 3 0,5-4 0,0 5 0,8 0 0,-6 0 0,1-4 0,-4 3 0,-5-3 0,1 4 0,4 0 0,-4 0 0,0 0 0,4-4 0,-9 3 0,4-4 0,-1 5 0,-3 0 0,4 0 0,-5 0 0,-1 0 0,1 0 0,0 0 0,-1 0 0,1 0 0,0 0 0,4 0 0,-3 0 0,4 0 0,-5 0 0,7 0 0,0 0 0,2 0 0,-5 0 0,-4 0 0,0 0 0,-1 0 0,6 0 0,-4 0 0,4 0 0,34 1 0,4-2 0,-18-3 0,20 4 0,-7-1 0,-38-3 0,-1 4 0,1 0 0,-5 0 0,0 0 0,-1 0 0,-3 0 0,8 0 0,-8 0 0,3 0 0,-4-3 0,0 2 0,0-6 0,0 6 0,0-6 0,0 6 0,4-3 0,-3 1 0,0 2 0,-6-3 0</inkml:trace>
+</inkml:ink>
+</file>
+
+<file path=ppt/ink/ink10.xml><?xml version="1.0" encoding="utf-8"?>
+<inkml:ink xmlns:inkml="http://www.w3.org/2003/InkML">
+  <inkml:definitions>
+    <inkml:context xml:id="ctx0">
+      <inkml:inkSource xml:id="inkSrc0">
+        <inkml:traceFormat>
+          <inkml:channel name="X" type="integer" min="-2.14748E9" max="2.14748E9" units="cm"/>
+          <inkml:channel name="Y" type="integer" min="-2.14748E9" max="2.14748E9" units="cm"/>
+          <inkml:channel name="F" type="integer" max="32767" units="dev"/>
+        </inkml:traceFormat>
+        <inkml:channelProperties>
+          <inkml:channelProperty channel="X" name="resolution" value="1000" units="1/cm"/>
+          <inkml:channelProperty channel="Y" name="resolution" value="1000" units="1/cm"/>
+          <inkml:channelProperty channel="F" name="resolution" value="0" units="1/dev"/>
+        </inkml:channelProperties>
+      </inkml:inkSource>
+      <inkml:timestamp xml:id="ts0" timeString="2022-05-25T04:30:40.586"/>
+    </inkml:context>
+    <inkml:brush xml:id="br0">
+      <inkml:brushProperty name="width" value="0.05" units="cm"/>
+      <inkml:brushProperty name="height" value="0.05" units="cm"/>
+    </inkml:brush>
+  </inkml:definitions>
+  <inkml:trace contextRef="#ctx0" brushRef="#br0">0 1 24575,'8'0'0,"4"0"0,1 0 0,0 3 0,4 2 0,-8 0 0,8 3 0,-4-4 0,10 6 0,1-1 0,0 0 0,3 1 0,-3-1 0,5 1 0,0 0 0,1-1 0,-1 1 0,0-5 0,0 4 0,0-4 0,-5 5 0,3-1 0,-3 0 0,0 1 0,-1-1 0,-5 0 0,-1 0 0,1-4 0,-5 2 0,0-6 0,-9 2 0,0-3 0</inkml:trace>
+</inkml:ink>
+</file>
+
+<file path=ppt/ink/ink11.xml><?xml version="1.0" encoding="utf-8"?>
+<inkml:ink xmlns:inkml="http://www.w3.org/2003/InkML">
+  <inkml:definitions>
+    <inkml:context xml:id="ctx0">
+      <inkml:inkSource xml:id="inkSrc0">
+        <inkml:traceFormat>
+          <inkml:channel name="X" type="integer" min="-2.14748E9" max="2.14748E9" units="cm"/>
+          <inkml:channel name="Y" type="integer" min="-2.14748E9" max="2.14748E9" units="cm"/>
+          <inkml:channel name="F" type="integer" max="32767" units="dev"/>
+        </inkml:traceFormat>
+        <inkml:channelProperties>
+          <inkml:channelProperty channel="X" name="resolution" value="1000" units="1/cm"/>
+          <inkml:channelProperty channel="Y" name="resolution" value="1000" units="1/cm"/>
+          <inkml:channelProperty channel="F" name="resolution" value="0" units="1/dev"/>
+        </inkml:channelProperties>
+      </inkml:inkSource>
+      <inkml:timestamp xml:id="ts0" timeString="2022-05-25T04:30:41.901"/>
+    </inkml:context>
+    <inkml:brush xml:id="br0">
+      <inkml:brushProperty name="width" value="0.05" units="cm"/>
+      <inkml:brushProperty name="height" value="0.05" units="cm"/>
+    </inkml:brush>
+  </inkml:definitions>
+  <inkml:trace contextRef="#ctx0" brushRef="#br0">0 1 8191,'3'0'0,"3"0"5063,6 0-5063,10 0 2818,-8 0-2818,20 0 1719,-14 0-1719,14 0 6784,-10 0-6784,11 0 0,-5 4 0,5 1 0,-6 5 0,0 0 0,0-1 0,-5 1 0,4-1 0,-9 0 0,9-3 0,-9 1 0,3-6 0,-4 7 0,0-7 0,-5 3 0,-1 0 0,-4-3 0,-3 2 0,-2-3 0</inkml:trace>
+</inkml:ink>
+</file>
+
+<file path=ppt/ink/ink12.xml><?xml version="1.0" encoding="utf-8"?>
+<inkml:ink xmlns:inkml="http://www.w3.org/2003/InkML">
+  <inkml:definitions>
+    <inkml:context xml:id="ctx0">
+      <inkml:inkSource xml:id="inkSrc0">
+        <inkml:traceFormat>
+          <inkml:channel name="X" type="integer" min="-2.14748E9" max="2.14748E9" units="cm"/>
+          <inkml:channel name="Y" type="integer" min="-2.14748E9" max="2.14748E9" units="cm"/>
+          <inkml:channel name="F" type="integer" max="32767" units="dev"/>
+        </inkml:traceFormat>
+        <inkml:channelProperties>
+          <inkml:channelProperty channel="X" name="resolution" value="1000" units="1/cm"/>
+          <inkml:channelProperty channel="Y" name="resolution" value="1000" units="1/cm"/>
+          <inkml:channelProperty channel="F" name="resolution" value="0" units="1/dev"/>
+        </inkml:channelProperties>
+      </inkml:inkSource>
+      <inkml:timestamp xml:id="ts0" timeString="2022-05-25T04:30:43.009"/>
+    </inkml:context>
+    <inkml:brush xml:id="br0">
+      <inkml:brushProperty name="width" value="0.05" units="cm"/>
+      <inkml:brushProperty name="height" value="0.05" units="cm"/>
+    </inkml:brush>
+  </inkml:definitions>
+  <inkml:trace contextRef="#ctx0" brushRef="#br0">1 1 8191,'2'0'0,"4"0"5063,10 0-5063,7 0 2818,-4 0-2818,14 0 1719,-7 0-1719,9 0 6784,-11 0-6784,3 0 0,-3 0 0,6 0 0,-1 0 0,5 0 0,-3 4 0,10 2 0,-11 4 0,11-4 0,-11 2 0,5-2 0,-6-1 0,0 3 0,-5-6 0,-1 6 0,-5-7 0,-5 3 0,-1-4 0,-4 0 0,-3 0 0,-2 0 0</inkml:trace>
+</inkml:ink>
+</file>
+
+<file path=ppt/ink/ink13.xml><?xml version="1.0" encoding="utf-8"?>
+<inkml:ink xmlns:inkml="http://www.w3.org/2003/InkML">
+  <inkml:definitions>
+    <inkml:context xml:id="ctx0">
+      <inkml:inkSource xml:id="inkSrc0">
+        <inkml:traceFormat>
+          <inkml:channel name="X" type="integer" min="-2.14748E9" max="2.14748E9" units="cm"/>
+          <inkml:channel name="Y" type="integer" min="-2.14748E9" max="2.14748E9" units="cm"/>
+          <inkml:channel name="F" type="integer" max="32767" units="dev"/>
+        </inkml:traceFormat>
+        <inkml:channelProperties>
+          <inkml:channelProperty channel="X" name="resolution" value="1000" units="1/cm"/>
+          <inkml:channelProperty channel="Y" name="resolution" value="1000" units="1/cm"/>
+          <inkml:channelProperty channel="F" name="resolution" value="0" units="1/dev"/>
+        </inkml:channelProperties>
+      </inkml:inkSource>
+      <inkml:timestamp xml:id="ts0" timeString="2022-05-25T04:30:43.882"/>
+    </inkml:context>
+    <inkml:brush xml:id="br0">
+      <inkml:brushProperty name="width" value="0.05" units="cm"/>
+      <inkml:brushProperty name="height" value="0.05" units="cm"/>
+    </inkml:brush>
+  </inkml:definitions>
+  <inkml:trace contextRef="#ctx0" brushRef="#br0">0 0 24575,'23'0'0,"-7"0"0,23 0 0,-13 0 0,14 0 0,-3 0 0,12 0 0,-11 4 0,9 2 0,-11 4 0,1 0 0,-2 0 0,-6 0 0,0-5 0,-5 4 0,3-8 0,-8 3 0,4 0 0,-10-3 0,4 2 0,-8 1 0,8-3 0,-8 2 0,7 1 0,-7-3 0,4 3 0,-5 0 0,0-3 0,0 2 0,-4-3 0,0 0 0</inkml:trace>
+</inkml:ink>
+</file>
+
+<file path=ppt/ink/ink14.xml><?xml version="1.0" encoding="utf-8"?>
+<inkml:ink xmlns:inkml="http://www.w3.org/2003/InkML">
+  <inkml:definitions>
+    <inkml:context xml:id="ctx0">
+      <inkml:inkSource xml:id="inkSrc0">
+        <inkml:traceFormat>
+          <inkml:channel name="X" type="integer" min="-2.14748E9" max="2.14748E9" units="cm"/>
+          <inkml:channel name="Y" type="integer" min="-2.14748E9" max="2.14748E9" units="cm"/>
+          <inkml:channel name="F" type="integer" max="32767" units="dev"/>
+        </inkml:traceFormat>
+        <inkml:channelProperties>
+          <inkml:channelProperty channel="X" name="resolution" value="1000" units="1/cm"/>
+          <inkml:channelProperty channel="Y" name="resolution" value="1000" units="1/cm"/>
+          <inkml:channelProperty channel="F" name="resolution" value="0" units="1/dev"/>
+        </inkml:channelProperties>
+      </inkml:inkSource>
+      <inkml:timestamp xml:id="ts0" timeString="2022-05-25T04:30:44.187"/>
+    </inkml:context>
+    <inkml:brush xml:id="br0">
+      <inkml:brushProperty name="width" value="0.05" units="cm"/>
+      <inkml:brushProperty name="height" value="0.05" units="cm"/>
+    </inkml:brush>
+  </inkml:definitions>
+  <inkml:trace contextRef="#ctx0" brushRef="#br0">1 0 24575,'0'0'0</inkml:trace>
+</inkml:ink>
+</file>
+
+<file path=ppt/ink/ink15.xml><?xml version="1.0" encoding="utf-8"?>
+<inkml:ink xmlns:inkml="http://www.w3.org/2003/InkML">
+  <inkml:definitions>
+    <inkml:context xml:id="ctx0">
+      <inkml:inkSource xml:id="inkSrc0">
+        <inkml:traceFormat>
+          <inkml:channel name="X" type="integer" min="-2.14748E9" max="2.14748E9" units="cm"/>
+          <inkml:channel name="Y" type="integer" min="-2.14748E9" max="2.14748E9" units="cm"/>
+          <inkml:channel name="F" type="integer" max="32767" units="dev"/>
+        </inkml:traceFormat>
+        <inkml:channelProperties>
+          <inkml:channelProperty channel="X" name="resolution" value="1000" units="1/cm"/>
+          <inkml:channelProperty channel="Y" name="resolution" value="1000" units="1/cm"/>
+          <inkml:channelProperty channel="F" name="resolution" value="0" units="1/dev"/>
+        </inkml:channelProperties>
+      </inkml:inkSource>
+      <inkml:timestamp xml:id="ts0" timeString="2022-05-25T04:30:45.286"/>
+    </inkml:context>
+    <inkml:brush xml:id="br0">
+      <inkml:brushProperty name="width" value="0.05" units="cm"/>
+      <inkml:brushProperty name="height" value="0.05" units="cm"/>
+    </inkml:brush>
+  </inkml:definitions>
+  <inkml:trace contextRef="#ctx0" brushRef="#br0">1 0 8191,'16'0'0,"1"0"5063,-1 0-5063,-3 0 2818,4 0-2818,1 0 1719,6 0-1719,0 0 0,4 0 6784,4 0-6784,-6 0 0,4 4 0,-12-3 0,-1 3 0,-3-4 0,-2 4 0,-4-3 0,0 2 0,0 1 0,0-3 0,0 2 0,0 1 0,0-3 0,-4 2 0,-1-3 0</inkml:trace>
+</inkml:ink>
+</file>
+
+<file path=ppt/ink/ink16.xml><?xml version="1.0" encoding="utf-8"?>
+<inkml:ink xmlns:inkml="http://www.w3.org/2003/InkML">
+  <inkml:definitions>
+    <inkml:context xml:id="ctx0">
+      <inkml:inkSource xml:id="inkSrc0">
+        <inkml:traceFormat>
+          <inkml:channel name="X" type="integer" min="-2.14748E9" max="2.14748E9" units="cm"/>
+          <inkml:channel name="Y" type="integer" min="-2.14748E9" max="2.14748E9" units="cm"/>
+          <inkml:channel name="F" type="integer" max="32767" units="dev"/>
+        </inkml:traceFormat>
+        <inkml:channelProperties>
+          <inkml:channelProperty channel="X" name="resolution" value="1000" units="1/cm"/>
+          <inkml:channelProperty channel="Y" name="resolution" value="1000" units="1/cm"/>
+          <inkml:channelProperty channel="F" name="resolution" value="0" units="1/dev"/>
+        </inkml:channelProperties>
+      </inkml:inkSource>
+      <inkml:timestamp xml:id="ts0" timeString="2022-05-25T04:30:46.521"/>
+    </inkml:context>
+    <inkml:brush xml:id="br0">
+      <inkml:brushProperty name="width" value="0.05" units="cm"/>
+      <inkml:brushProperty name="height" value="0.05" units="cm"/>
+    </inkml:brush>
+  </inkml:definitions>
+  <inkml:trace contextRef="#ctx0" brushRef="#br0">0 0 24575,'12'0'0,"1"0"0,17 0 0,-1 0 0,9 0 0,-11 0 0,-5 0 0,1 5 0,-4 0 0,4 0 0,-6 3 0,-3-4 0,2 5 0,-7-4 0,8 2 0,-8-2 0,8 4 0,-8-1 0,7 1 0,-7-1 0,4-4 0,-5 4 0,0-8 0,0 4 0,-1 0 0,1-4 0,0 4 0,-3-1 0,-2-2 0,-3 2 0</inkml:trace>
+</inkml:ink>
+</file>
+
+<file path=ppt/ink/ink17.xml><?xml version="1.0" encoding="utf-8"?>
+<inkml:ink xmlns:inkml="http://www.w3.org/2003/InkML">
+  <inkml:definitions>
+    <inkml:context xml:id="ctx0">
+      <inkml:inkSource xml:id="inkSrc0">
+        <inkml:traceFormat>
+          <inkml:channel name="X" type="integer" min="-2.14748E9" max="2.14748E9" units="cm"/>
+          <inkml:channel name="Y" type="integer" min="-2.14748E9" max="2.14748E9" units="cm"/>
+          <inkml:channel name="F" type="integer" max="32767" units="dev"/>
+        </inkml:traceFormat>
+        <inkml:channelProperties>
+          <inkml:channelProperty channel="X" name="resolution" value="1000" units="1/cm"/>
+          <inkml:channelProperty channel="Y" name="resolution" value="1000" units="1/cm"/>
+          <inkml:channelProperty channel="F" name="resolution" value="0" units="1/dev"/>
+        </inkml:channelProperties>
+      </inkml:inkSource>
+      <inkml:timestamp xml:id="ts0" timeString="2022-05-25T04:31:10.610"/>
+    </inkml:context>
+    <inkml:brush xml:id="br0">
+      <inkml:brushProperty name="width" value="0.05" units="cm"/>
+      <inkml:brushProperty name="height" value="0.05" units="cm"/>
+    </inkml:brush>
+  </inkml:definitions>
+  <inkml:trace contextRef="#ctx0" brushRef="#br0">0 0 24575,'0'12'0,"0"9"0,0-2 0,0 12 0,12 4 0,-5-9 0,10 8 0,-9-17 0,1 1 0,0 0 0,-4-5 0,3 4 0,-3-4 0,0 5 0,2-1 0,-2 1 0,0 0 0,3-5 0,-3 4 0,-1-4 0,4 5 0,-7-1 0,7 1 0,-7 0 0,7-1 0,-7 1 0,6 0 0,-6-1 0,7 1 0,-2 5 0,3-4 0,-4 3 0,3-4 0,-3 5 0,0-4 0,3 8 0,-7-3 0,8 5 0,-4-5 0,0 4 0,4-4 0,-8 5 0,7 0 0,-2 13 0,3-10 0,-3 10 0,2-13 0,-3-5 0,1 4 0,2-4 0,-3 5 0,5-5 0,-5 4 0,3-4 0,-3 5 0,5-5 0,-1 4 0,-4-4 0,4 5 0,-8-5 0,8 3 0,-4-3 0,0 5 0,4 8 0,-4-6 0,0 6 0,3-8 0,-6-5 0,6 4 0,-7-4 0,4 5 0,-2-5 0,-2 4 0,7-9 0,-7 4 0,7-6 0,-7 1 0,3 0 0,0-1 0,-3 1 0,3 0 0,-1-5 0,-2 3 0,3-2 0,0 3 0,-3-3 0,3 2 0,-4-2 0,4 3 0,-3 5 0,2-8 0,-3 6 0,0-11 0,4 8 0,-3-4 0,3 0 0,-4 4 0,0-4 0,4 1 0,-3 2 0,2-7 0,-3 8 0,4-4 0,-3 1 0,3 2 0,-4-7 0,0 8 0,4-8 0,-3 3 0,2 1 0,-3-4 0,4 7 0,-3-7 0,3 4 0,-4-1 0,0-3 0,4 8 0,-3-5 0,3 6 0,-4-6 0,3 1 0,-2-1 0,3-3 0,-4 3 0,3-4 0,-2 4 0,3-2 0,-1 2 0,-2-4 0,3 0 0,-4 0 0,0 0 0,3 0 0,-2 4 0,3-3 0,-4 3 0,0-4 0,3 0 0,-2 5 0,3-4 0,-4 3 0,4 0 0,-3-3 0,3 4 0,-4-1 0,0-3 0,3 8 0,-2-8 0,3 7 0,-4-7 0,4 8 0,-3-8 0,3 8 0,-4-4 0,4 0 0,-3 4 0,2-4 0,1 1 0,-3 2 0,2-7 0,-3 4 0,4-1 0,-3-3 0,3 3 0,-4 0 0,4-2 0,-4 2 0,4-4 0,0 8 0,-3-6 0,3 10 0,-1-11 0,-2 7 0,3-7 0,-4 4 0,0-1 0,3-3 0,-2 3 0,6-4 0,-6 0 0,3 0 0,0 5 0,-3-4 0,6 3 0,-6-4 0,6 0 0,-6 0 0,6 0 0,-6 0 0,6 0 0,-6 0 0,6 0 0,-2 3 0,3-2 0,-4 3 0,3-4 0,-2 0 0,-1 4 0,3-3 0,-2 3 0,-1 1 0,-1-4 0,1 7 0,-3-7 0,7 8 0,-7-4 0,7 1 0,-7 2 0,6-7 0,-6 8 0,6-4 0,-6 1 0,3-2 0,0 0 0,-3-3 0,3 4 0,-4-1 0,3-3 0,-2 3 0,3 1 0,-4-1 0,0 6 0,3-6 0,-2 0 0,3-4 0,-4 0 0,0 0 0,3 0 0,-2 0 0,3 0 0,-4 0 0,3 0 0,-2 0 0,3 5 0,-4-4 0,0 3 0,0-4 0,0 0 0,0 4 0,0-3 0,0 4 0,3-5 0,-2 0 0,3 0 0,-4 3 0,0-2 0,3 3 0,-2-5 0,6-2 0,-6 1 0,3-1 0,-1-1 0,-2-1 0,3-3 0</inkml:trace>
+</inkml:ink>
+</file>
+
+<file path=ppt/ink/ink18.xml><?xml version="1.0" encoding="utf-8"?>
+<inkml:ink xmlns:inkml="http://www.w3.org/2003/InkML">
+  <inkml:definitions>
+    <inkml:context xml:id="ctx0">
+      <inkml:inkSource xml:id="inkSrc0">
+        <inkml:traceFormat>
+          <inkml:channel name="X" type="integer" min="-2.14748E9" max="2.14748E9" units="cm"/>
+          <inkml:channel name="Y" type="integer" min="-2.14748E9" max="2.14748E9" units="cm"/>
+          <inkml:channel name="F" type="integer" max="32767" units="dev"/>
+        </inkml:traceFormat>
+        <inkml:channelProperties>
+          <inkml:channelProperty channel="X" name="resolution" value="1000" units="1/cm"/>
+          <inkml:channelProperty channel="Y" name="resolution" value="1000" units="1/cm"/>
+          <inkml:channelProperty channel="F" name="resolution" value="0" units="1/dev"/>
+        </inkml:channelProperties>
+      </inkml:inkSource>
+      <inkml:timestamp xml:id="ts0" timeString="2022-05-25T04:31:12.726"/>
+    </inkml:context>
+    <inkml:brush xml:id="br0">
+      <inkml:brushProperty name="width" value="0.05" units="cm"/>
+      <inkml:brushProperty name="height" value="0.05" units="cm"/>
+    </inkml:brush>
+  </inkml:definitions>
+  <inkml:trace contextRef="#ctx0" brushRef="#br0">0 0 8191,'5'4'0,"-2"9"5063,-3 2-5063,0 12 2818,0-3-2818,0 5 0,0 19 0,0-14 1719,0 20-1719,0-18 6784,0 0-6784,0 5 0,0-5 0,4 1 0,-3 4 0,4-11 0,-1 11 0,-2-11 0,7 11 0,-4-10 0,1 9 0,3-9 0,-8 4 0,7-11 0,-7 4 0,3-9 0,0 8 0,-3-12 0,4 7 0,-5-13 0,0 3 0,0-14 0,0-9 0,0-18 0,0-7 0,0-7 0,0-6 0,0-1 0,0-8 0,0 8 0,5-6 0,-4 12 0,8 1 0,-8 2 0,8 16 0,-8-9 0,6 15 0,-6-4 0,7 9 0,-7-2 0,2 7 0,1-4 0,-3 5 0,6 4 0,-6-4 0,6 7 0,-3-2 0,4 3 0,0 0 0,0 0 0,5 0 0,-4 0 0,8 13 0,-3 3 0,6 13 0,-1 0 0,-4 6 0,5 1 0,-9 6 0,5 7 0,-6-5 0,6 30 0,-4-25 0,-1 13 0,-6-27 0,-1-6 0,-3-5 0,3-6 0,0-6 0,-3-4 0,2 0 0,1-3 0,0-2 0,1-19 0,-2 0 0,2-22 0,-4-6 0,3 0 0,1-11 0,-3 4 0,8-6 0,-9 0 0,9 6 0,-4 2 0,0 13 0,2 1 0,-6 11 0,6 1 0,-7 9 0,6 5 0,-2 2 0,3 6 0,-1-2 0,1 3 0,0 0 0,0 0 0,0 0 0,0 7 0,1 13 0,-5 11 0,6 11 0,-9 0 0,9 7 0,-4-5 0,5 5 0,-6-7 0,4-5 0,-3 3 0,4-14 0,-5 7 0,3-9 0,-3 0 0,5 4 0,-1-9 0,-4 4 0,3-5 0,-7-5 0,7-1 0,-8-4 0,8 0 0,-8 0 0,7-3 0,-3-2 0,1-11 0,-2 6 0,-3-6 0</inkml:trace>
+</inkml:ink>
+</file>
+
+<file path=ppt/ink/ink19.xml><?xml version="1.0" encoding="utf-8"?>
+<inkml:ink xmlns:inkml="http://www.w3.org/2003/InkML">
+  <inkml:definitions>
+    <inkml:context xml:id="ctx0">
+      <inkml:inkSource xml:id="inkSrc0">
+        <inkml:traceFormat>
+          <inkml:channel name="X" type="integer" min="-2.14748E9" max="2.14748E9" units="cm"/>
+          <inkml:channel name="Y" type="integer" min="-2.14748E9" max="2.14748E9" units="cm"/>
+          <inkml:channel name="F" type="integer" max="32767" units="dev"/>
+        </inkml:traceFormat>
+        <inkml:channelProperties>
+          <inkml:channelProperty channel="X" name="resolution" value="1000" units="1/cm"/>
+          <inkml:channelProperty channel="Y" name="resolution" value="1000" units="1/cm"/>
+          <inkml:channelProperty channel="F" name="resolution" value="0" units="1/dev"/>
+        </inkml:channelProperties>
+      </inkml:inkSource>
+      <inkml:timestamp xml:id="ts0" timeString="2022-05-25T04:31:15.285"/>
+    </inkml:context>
+    <inkml:brush xml:id="br0">
+      <inkml:brushProperty name="width" value="0.05" units="cm"/>
+      <inkml:brushProperty name="height" value="0.05" units="cm"/>
+    </inkml:brush>
+  </inkml:definitions>
+  <inkml:trace contextRef="#ctx0" brushRef="#br0">0 1 24575,'0'12'0,"0"4"0,0 3 0,0 2 0,0-8 0,0 4 0,0-4 0,0 5 0,0 0 0,0-1 0,4 1 0,-3 0 0,7-1 0,-7 6 0,7-4 0,-7 4 0,7-6 0,-7-3 0,3 2 0,-4-2 0,0 3 0,0-3 0,0 2 0,0-7 0,0 4 0,0-5 0,0 0 0,0 0 0,0-7 0,0-12 0,0-8 0,0-16 0,0-2 0,0 1 0,0 1 0,0 6 0,4 0 0,1-1 0,5 6 0,-1 2 0,0-1 0,0 8 0,0-7 0,-1 13 0,0-3 0,0 7 0,0 1 0,0 4 0,0 0 0,0 0 0,0 8 0,0 1 0,-3 8 0,-2 6 0,1-4 0,-3 9 0,3-4 0,1 5 0,-4 0 0,3 0 0,-4-5 0,0-2 0,0-4 0,4 0 0,-3-5 0,3-1 0,-4-4 0,3-3 0,-2-5 0,6-14 0,-6-6 0,8-9 0,-4 0 0,5-6 0,0 4 0,0-4 0,4 6 0,-3 0 0,7 9 0,-8-2 0,2 12 0,1 1 0,-4 6 0,3 3 0,-4 0 0,0 0 0,0 0 0,0 8 0,-3 2 0,2 7 0,-2 1 0,0 5 0,-1-5 0,-4 10 0,4-4 0,-2 5 0,6 0 0,-7 0 0,4 0 0,-5-5 0,3-1 0,-2-5 0,3-5 0,-4-1 0,4-4 0,-3 0 0,6-3 0,-7-2 0,4-3 0</inkml:trace>
+</inkml:ink>
+</file>
+
+<file path=ppt/ink/ink2.xml><?xml version="1.0" encoding="utf-8"?>
+<inkml:ink xmlns:inkml="http://www.w3.org/2003/InkML">
+  <inkml:definitions>
+    <inkml:context xml:id="ctx0">
+      <inkml:inkSource xml:id="inkSrc0">
+        <inkml:traceFormat>
+          <inkml:channel name="X" type="integer" min="-2.14748E9" max="2.14748E9" units="cm"/>
+          <inkml:channel name="Y" type="integer" min="-2.14748E9" max="2.14748E9" units="cm"/>
+          <inkml:channel name="F" type="integer" max="32767" units="dev"/>
+        </inkml:traceFormat>
+        <inkml:channelProperties>
+          <inkml:channelProperty channel="X" name="resolution" value="1000" units="1/cm"/>
+          <inkml:channelProperty channel="Y" name="resolution" value="1000" units="1/cm"/>
+          <inkml:channelProperty channel="F" name="resolution" value="0" units="1/dev"/>
+        </inkml:channelProperties>
+      </inkml:inkSource>
+      <inkml:timestamp xml:id="ts0" timeString="2022-05-25T04:29:16.616"/>
+    </inkml:context>
+    <inkml:brush xml:id="br0">
+      <inkml:brushProperty name="width" value="0.05" units="cm"/>
+      <inkml:brushProperty name="height" value="0.05" units="cm"/>
+    </inkml:brush>
+  </inkml:definitions>
+  <inkml:trace contextRef="#ctx0" brushRef="#br0">4068 4706 24575,'-12'0'0,"0"-8"0,-6-2 0,1-4 0,-1-2 0,0 2 0,0-4 0,-8-13 0,1 9 0,-3-8 0,0 10 0,9 2 0,-10-7 0,10 6 0,-10-6 0,-3-1 0,1 4 0,-8-11 0,15 13 0,-5-5 0,5 7 0,-6-7 0,5 5 0,-5-11 0,5 11 0,-6-10 0,1 9 0,4-8 0,-3 3 0,4 1 0,-1-5 0,-2 10 0,7-8 0,-8 2 0,8-4 0,-8 4 0,3-3 0,1 4 0,-7-13 0,6 6 0,-7-6 0,-9-13 0,7 8 0,-1-8 0,4 13 0,5 2 0,-5 2 0,-2-10 0,2 11 0,-2-12 0,1 12 0,1-5 0,-1 0 0,0 4 0,-1-10 0,2 11 0,5-4 0,-4 5 0,5 2 0,-6-2 0,5-5 0,-5-2 0,5 1 0,-7-6 0,1 4 0,-22-26 0,15 15 0,-14-15 0,14 20 0,5 0 0,-4 6 0,0-4 0,6 11 0,-5-5 0,6 6 0,-1-6 0,1 4 0,-7-5 0,5 7 0,-5-7 0,6-1 0,-2-6 0,1 0 0,0 1 0,-1-6 0,1 4 0,0-9 0,-1 3 0,-4 1 0,3-4 0,-8 9 0,8-4 0,-9 5 0,11 7 0,-5-5 0,0 9 0,4-9 0,-4 9 0,6-3 0,2 6 0,-2-6 0,1 5 0,-3-12 0,3 12 0,5-4 0,-5-1 0,6 6 0,-2-10 0,-3 9 0,4-4 0,-14-14 0,12 16 0,-5-14 0,15 25 0,0-4 0,1 9 0,3-4 0,-2 5 0,3 4 0,0-2 0,-2 2 0,6 0 0,-7-3 0,8 4 0,-8-1 0,3-3 0,1 8 0,-4-8 0,3 4 0,1-5 0,-4 0 0,7 0 0,-7 0 0,7 1 0,-3-1 0,5 4 0,-1-2 0,0 2 0,-4 0 0,3-2 0,-2 2 0,3-4 0,0 4 0,-4-2 0,4 2 0,-4-4 0,4 1 0,-4-1 0,3 4 0,-2-2 0,3 2 0,0-4 0,0 1 0,0-1 0,1 4 0,3 2 0,-3-1 0,7 5 0,-3-5 0,4 5 0,0 0 0,0 0 0,0 4 0,0 0 0</inkml:trace>
+</inkml:ink>
+</file>
+
+<file path=ppt/ink/ink20.xml><?xml version="1.0" encoding="utf-8"?>
+<inkml:ink xmlns:inkml="http://www.w3.org/2003/InkML">
+  <inkml:definitions>
+    <inkml:context xml:id="ctx0">
+      <inkml:inkSource xml:id="inkSrc0">
+        <inkml:traceFormat>
+          <inkml:channel name="X" type="integer" min="-2.14748E9" max="2.14748E9" units="cm"/>
+          <inkml:channel name="Y" type="integer" min="-2.14748E9" max="2.14748E9" units="cm"/>
+          <inkml:channel name="F" type="integer" max="32767" units="dev"/>
+        </inkml:traceFormat>
+        <inkml:channelProperties>
+          <inkml:channelProperty channel="X" name="resolution" value="1000" units="1/cm"/>
+          <inkml:channelProperty channel="Y" name="resolution" value="1000" units="1/cm"/>
+          <inkml:channelProperty channel="F" name="resolution" value="0" units="1/dev"/>
+        </inkml:channelProperties>
+      </inkml:inkSource>
+      <inkml:timestamp xml:id="ts0" timeString="2022-05-25T04:30:57.511"/>
+    </inkml:context>
+    <inkml:brush xml:id="br0">
+      <inkml:brushProperty name="width" value="0.05" units="cm"/>
+      <inkml:brushProperty name="height" value="0.05" units="cm"/>
+    </inkml:brush>
+  </inkml:definitions>
+  <inkml:trace contextRef="#ctx0" brushRef="#br0">504 1 24575,'-12'0'0,"3"3"0,-8 2 0,-1 8 0,-2 1 0,-7 5 0,7 4 0,-3-3 0,-2 9 0,5-5 0,-5 6 0,5-1 0,1 0 0,0-5 0,0 4 0,0-4 0,4 5 0,-3 0 0,7 0 0,-8 0 0,9-5 0,-4 4 0,4-4 0,1 0 0,-1 4 0,1-4 0,3 0 0,-2 4 0,3-10 0,-1 10 0,-2-9 0,7 9 0,-7-9 0,7 9 0,-3-9 0,0 8 0,3-8 0,-3 9 0,4-9 0,-5 9 0,4-9 0,-3 8 0,4-8 0,0 4 0,0 0 0,0-4 0,0 3 0,0 1 0,0-4 0,0 4 0,0-5 0,0-1 0,0 1 0,0 0 0,0-5 0,0 3 0,0-6 0,0 2 0,0 0 0,0-3 0,0 3 0,0-4 0,0 0 0,0 8 0,0-6 0,0 6 0,3-8 0,-2 0 0,3 0 0,-4 0 0,0 0 0,0 0 0,0 0 0,0 0 0,0 0 0,3 0 0,-2 0 0,3 0 0,-4 0 0,0 0 0,0 0 0,0 0 0,0 0 0,0 0 0,0-1 0,0 1 0,0 0 0,0-4 0,0-1 0</inkml:trace>
+</inkml:ink>
+</file>
+
+<file path=ppt/ink/ink21.xml><?xml version="1.0" encoding="utf-8"?>
+<inkml:ink xmlns:inkml="http://www.w3.org/2003/InkML">
+  <inkml:definitions>
+    <inkml:context xml:id="ctx0">
+      <inkml:inkSource xml:id="inkSrc0">
+        <inkml:traceFormat>
+          <inkml:channel name="X" type="integer" min="-2.14748E9" max="2.14748E9" units="cm"/>
+          <inkml:channel name="Y" type="integer" min="-2.14748E9" max="2.14748E9" units="cm"/>
+          <inkml:channel name="F" type="integer" max="32767" units="dev"/>
+        </inkml:traceFormat>
+        <inkml:channelProperties>
+          <inkml:channelProperty channel="X" name="resolution" value="1000" units="1/cm"/>
+          <inkml:channelProperty channel="Y" name="resolution" value="1000" units="1/cm"/>
+          <inkml:channelProperty channel="F" name="resolution" value="0" units="1/dev"/>
+        </inkml:channelProperties>
+      </inkml:inkSource>
+      <inkml:timestamp xml:id="ts0" timeString="2022-05-25T04:30:59.997"/>
+    </inkml:context>
+    <inkml:brush xml:id="br0">
+      <inkml:brushProperty name="width" value="0.05" units="cm"/>
+      <inkml:brushProperty name="height" value="0.05" units="cm"/>
+    </inkml:brush>
+  </inkml:definitions>
+  <inkml:trace contextRef="#ctx0" brushRef="#br0">391 1 8191,'0'7'0,"0"-4"5063,0 16-5063,0-10 2818,-3 4-2818,2-1 1719,-10 1-1719,5 4 6784,-2-4-6784,0 3 0,7-7 0,-7 8 0,7-8 0,-7 8 0,7-8 0,-7 7 0,7-2 0,-6-1 0,6 4 0,-7-4 0,7 5 0,-3-5 0,0 4 0,3-8 0,-7 7 0,7-7 0,-7 8 0,7-4 0,-6 1 0,2 2 0,0-2 0,-3 3 0,4-3 0,-5 2 0,1-7 0,3 4 0,-3-1 0,4-3 0,-5 3 0,1-4 0,0 0 0,0 0 0,0-3 0,0-2 0,0-3 0,0 0 0,0 0 0,0 0 0,0 0 0,0 0 0,0 0 0,0 0 0,0 0 0,0 0 0,0 0 0,0 0 0,0-4 0,4 0 0,-4-1 0,8-6 0,-8 5 0,4-6 0,-4 4 0,3 0 0,2 0 0,-1-5 0,3 4 0,-7-3 0,7 4 0,-2-5 0,3 4 0,0-8 0,-4 8 0,3-3 0,-3-1 0,4 4 0,0-3 0,0-1 0,0 4 0,0-3 0,0 4 0,0-1 0,0 1 0,0 0 0,0 0 0,4 0 0,0 4 0,4 0 0,0 1 0,0 2 0,0-3 0,0 4 0,5 0 0,-4 0 0,7 0 0,-7 0 0,4 0 0,-1 0 0,-3 0 0,8 0 0,-8 4 0,3 0 0,0 5 0,-3-1 0,4 0 0,-5 0 0,4 0 0,-3 1 0,3-1 0,-3 4 0,3 2 0,-2 3 0,2-3 0,-3 2 0,3-6 0,-2 2 0,2-4 0,-4 0 0,0 0 0,-4 0 0,0-4 0,-4 0 0</inkml:trace>
+</inkml:ink>
+</file>
+
+<file path=ppt/ink/ink22.xml><?xml version="1.0" encoding="utf-8"?>
+<inkml:ink xmlns:inkml="http://www.w3.org/2003/InkML">
+  <inkml:definitions>
+    <inkml:context xml:id="ctx0">
+      <inkml:inkSource xml:id="inkSrc0">
+        <inkml:traceFormat>
+          <inkml:channel name="X" type="integer" min="-2.14748E9" max="2.14748E9" units="cm"/>
+          <inkml:channel name="Y" type="integer" min="-2.14748E9" max="2.14748E9" units="cm"/>
+          <inkml:channel name="F" type="integer" max="32767" units="dev"/>
+        </inkml:traceFormat>
+        <inkml:channelProperties>
+          <inkml:channelProperty channel="X" name="resolution" value="1000" units="1/cm"/>
+          <inkml:channelProperty channel="Y" name="resolution" value="1000" units="1/cm"/>
+          <inkml:channelProperty channel="F" name="resolution" value="0" units="1/dev"/>
+        </inkml:channelProperties>
+      </inkml:inkSource>
+      <inkml:timestamp xml:id="ts0" timeString="2022-05-25T04:31:03.358"/>
+    </inkml:context>
+    <inkml:brush xml:id="br0">
+      <inkml:brushProperty name="width" value="0.05" units="cm"/>
+      <inkml:brushProperty name="height" value="0.05" units="cm"/>
+    </inkml:brush>
+  </inkml:definitions>
+  <inkml:trace contextRef="#ctx0" brushRef="#br0">0 1488 24575,'0'-8'0,"0"-4"0,0 3 0,0-8 0,0 4 0,0-5 0,0 0 0,0-5 0,0-1 0,0 0 0,0-4 0,0 4 0,5-5 0,-4 0 0,8-6 0,-8 9 0,8-13 0,-8 13 0,8-4 0,-8 2 0,7 4 0,-7-5 0,8 5 0,-4-4 0,0 4 0,3 0 0,-3 1 0,4 0 0,0 4 0,1-9 0,-1 9 0,0-4 0,4 5 0,-3-4 0,7 3 0,1-12 0,-4 11 0,7-6 0,-7 9 0,4-6 0,0 4 0,-4-4 0,3 5 0,-2-5 0,8 3 0,-4-3 0,5 0 0,2-9 0,-5 6 0,10-6 0,-12 14 0,4 0 0,-1-1 0,-3 1 0,4 4 0,0-4 0,-4 8 0,8-4 0,-8 1 0,4 3 0,0-4 0,-4 1 0,9 3 0,-10-3 0,10 3 0,-9 1 0,4 0 0,0-1 0,-4 5 0,3-3 0,-4 3 0,0 0 0,-5-3 0,4 7 0,-4-6 0,0 2 0,0-3 0,2 3 0,-5-2 0,11 6 0,-12-6 0,3 6 0,-4-3 0,0 4 0,0 0 0,0 0 0,0-3 0,0 2 0,0-3 0,0 4 0,0 0 0,0 0 0,0 0 0,0 0 0,0 0 0,0 0 0,-1 0 0,1 0 0,0 0 0,0 0 0,0 0 0,-1 0 0,1 0 0,-1 0 0,1 0 0,-4 0 0,-1 0 0</inkml:trace>
+</inkml:ink>
+</file>
+
+<file path=ppt/ink/ink23.xml><?xml version="1.0" encoding="utf-8"?>
+<inkml:ink xmlns:inkml="http://www.w3.org/2003/InkML">
+  <inkml:definitions>
+    <inkml:context xml:id="ctx0">
+      <inkml:inkSource xml:id="inkSrc0">
+        <inkml:traceFormat>
+          <inkml:channel name="X" type="integer" min="-2.14748E9" max="2.14748E9" units="cm"/>
+          <inkml:channel name="Y" type="integer" min="-2.14748E9" max="2.14748E9" units="cm"/>
+          <inkml:channel name="F" type="integer" max="32767" units="dev"/>
+        </inkml:traceFormat>
+        <inkml:channelProperties>
+          <inkml:channelProperty channel="X" name="resolution" value="1000" units="1/cm"/>
+          <inkml:channelProperty channel="Y" name="resolution" value="1000" units="1/cm"/>
+          <inkml:channelProperty channel="F" name="resolution" value="0" units="1/dev"/>
+        </inkml:channelProperties>
+      </inkml:inkSource>
+      <inkml:timestamp xml:id="ts0" timeString="2022-05-25T04:31:06.303"/>
+    </inkml:context>
+    <inkml:brush xml:id="br0">
+      <inkml:brushProperty name="width" value="0.05" units="cm"/>
+      <inkml:brushProperty name="height" value="0.05" units="cm"/>
+    </inkml:brush>
+  </inkml:definitions>
+  <inkml:trace contextRef="#ctx0" brushRef="#br0">28 27 8191,'0'7'0,"0"-4"5063,0 16-5063,0-5 2818,0 4-2818,0-1 1719,0 6-1719,0 1 6784,0 0-6784,0 4 0,0-4 0,0 5 0,0-5 0,0 3 0,0-8 0,0 9 0,0-9 0,0 4 0,0-6 0,0 1 0,0 0 0,0-1 0,4 1 0,-3 0 0,3-5 0,-4 4 0,4-8 0,-3 3 0,2-4 0,-3 0 0,0 0 0,0 0 0,0-7 0,0-6 0,0-8 0,0 0 0,-4-3 0,-1 2 0,0-4 0,-3 1 0,7-1 0,-7 0 0,7 0 0,-7 1 0,7-6 0,-3 4 0,4-9 0,0 9 0,0-9 0,0 9 0,0-9 0,0 9 0,0-4 0,0 5 0,0 0 0,0 5 0,0-4 0,0 8 0,0-8 0,0 8 0,4-3 0,0 4 0,5-5 0,-1 8 0,-3-11 0,2 10 0,-3-6 0,4 7 0,0-2 0,0 3 0,0-1 0,0 2 0,0-1 0,0 3 0,0-2 0,0-1 0,-1 3 0,1-2 0,0 3 0,0 0 0,0 0 0,0 0 0,0 0 0,0 0 0,0 0 0,0 0 0,0 0 0,0 3 0,0 2 0,-4 3 0,0 9 0,-4-2 0,0 7 0,0 1 0,0-4 0,0 4 0,0 0 0,0-5 0,0 9 0,0-9 0,0-1 0,0 0 0,-4-8 0,0 3 0,-4-4 0,-1 0 0,1 0 0,0 0 0,0 0 0,0-4 0,0 0 0,0 0 0,0-4 0,0 4 0,3-7 0,2-2 0,3-2 0,0-1 0,0 1 0,0-1 0,0 0 0,0 0 0,4 0 0,0 0 0,8-1 0,2-3 0,-1 2 0,4 1 0,-8 2 0,7 6 0,-7-6 0,4 6 0,-5-2 0,0 3 0,4 0 0,-3 0 0,3 0 0,-4 0 0,0 0 0,5 0 0,-4 0 0,3 3 0,-4 2 0,0 3 0,-4 0 0,3-1 0,-6 1 0,6 0 0,-6 5 0,3-4 0,-4 3 0,3-4 0,-2 0 0,3 0 0,-4 0 0,0 0 0,0 0 0,0 0 0,0 0 0,0 0 0,0 0 0,0 0 0,-4 0 0,0 0 0,-4 0 0,-8 0 0,5 0 0,-9-4 0,11 3 0,-3-6 0,3 3 0,1-4 0,-4 0 0,3 0 0,-4 0 0,5 0 0,0 0 0,1 0 0,-1 0 0,0 0 0,0-4 0,3 0 0,-2-1 0,2-2 0,-3 6 0,4-6 0,-3 6 0,2-3 0,-3 4 0,0 0 0,0 0 0,0 0 0,0 0 0,1 0 0,-1 0 0,0 0 0,4 0 0,1 0 0</inkml:trace>
+</inkml:ink>
+</file>
+
+<file path=ppt/ink/ink24.xml><?xml version="1.0" encoding="utf-8"?>
+<inkml:ink xmlns:inkml="http://www.w3.org/2003/InkML">
+  <inkml:definitions>
+    <inkml:context xml:id="ctx0">
+      <inkml:inkSource xml:id="inkSrc0">
+        <inkml:traceFormat>
+          <inkml:channel name="X" type="integer" min="-2.14748E9" max="2.14748E9" units="cm"/>
+          <inkml:channel name="Y" type="integer" min="-2.14748E9" max="2.14748E9" units="cm"/>
+          <inkml:channel name="F" type="integer" max="32767" units="dev"/>
+        </inkml:traceFormat>
+        <inkml:channelProperties>
+          <inkml:channelProperty channel="X" name="resolution" value="1000" units="1/cm"/>
+          <inkml:channelProperty channel="Y" name="resolution" value="1000" units="1/cm"/>
+          <inkml:channelProperty channel="F" name="resolution" value="0" units="1/dev"/>
+        </inkml:channelProperties>
+      </inkml:inkSource>
+      <inkml:timestamp xml:id="ts0" timeString="2022-05-25T04:31:18.926"/>
+    </inkml:context>
+    <inkml:brush xml:id="br0">
+      <inkml:brushProperty name="width" value="0.05" units="cm"/>
+      <inkml:brushProperty name="height" value="0.05" units="cm"/>
+    </inkml:brush>
+  </inkml:definitions>
+  <inkml:trace contextRef="#ctx0" brushRef="#br0">1892 8 8191,'-4'-4'0,"-4"1"5063,-11 3-5063,-5 0 2818,-5 0-2818,-6 0 1719,-14 0-1719,3 0 6784,-9 5-6784,18 4 0,-4 3 0,5 7 0,-6-7 0,-1 8 0,1-9 0,0 9 0,-1-4 0,1 1 0,0 3 0,-1-4 0,1 5 0,-1 0 0,1 0 0,6 0 0,-7 5 0,12-5 0,-5 5 0,6-6 0,0 4 0,1-3 0,3 3 0,-3 1 0,10-6 0,-11 11 0,10-10 0,-10 10 0,10-6 0,-9 2 0,3 3 0,0-4 0,-4 6 0,8 5 0,-17 9 0,15 0 0,-16 1 0,18-5 0,-4-4 0,5 5 0,0 1 0,4-1 0,-4 7 0,9-5 0,-9 11 0,9-11 0,-5 11 0,6-11 0,0 5 0,1-7 0,-1 7 0,0-5 0,5 5 0,-4-7 0,4 0 0,-4 1 0,-1 5 0,5 3 0,-4-1 0,4 6 0,0-12 0,-4 5 0,4 12 0,0-20 0,-3 12 0,8-18 0,-4-9 0,5 7 0,-4-9 0,3 5 0,-4 0 0,5 0 0,0-5 0,-4 4 0,3-9 0,-3 9 0,4-9 0,0 9 0,0-4 0,0 0 0,0 3 0,0-8 0,0 9 0,-4-9 0,3 9 0,-3-9 0,4 7 0,0-8 0,-4 4 0,3-5 0,-3-3 0,4 2 0,0-7 0,0 8 0,0-4 0,-4 1 0,3-2 0,-2-4 0,3 0 0,0 0 0,0 0 0,0 0 0,0 0 0,0 4 0,0-3 0,0 4 0,0-6 0,0 1 0,0 5 0,0-4 0,0 3 0,0-4 0,0 4 0,0-3 0,0 2 0,0-3 0,0 0 0,0 0 0,0 0 0,0-11 0,0-2 0</inkml:trace>
+</inkml:ink>
+</file>
+
+<file path=ppt/ink/ink25.xml><?xml version="1.0" encoding="utf-8"?>
+<inkml:ink xmlns:inkml="http://www.w3.org/2003/InkML">
+  <inkml:definitions>
+    <inkml:context xml:id="ctx0">
+      <inkml:inkSource xml:id="inkSrc0">
+        <inkml:traceFormat>
+          <inkml:channel name="X" type="integer" min="-2.14748E9" max="2.14748E9" units="cm"/>
+          <inkml:channel name="Y" type="integer" min="-2.14748E9" max="2.14748E9" units="cm"/>
+          <inkml:channel name="F" type="integer" max="32767" units="dev"/>
+        </inkml:traceFormat>
+        <inkml:channelProperties>
+          <inkml:channelProperty channel="X" name="resolution" value="1000" units="1/cm"/>
+          <inkml:channelProperty channel="Y" name="resolution" value="1000" units="1/cm"/>
+          <inkml:channelProperty channel="F" name="resolution" value="0" units="1/dev"/>
+        </inkml:channelProperties>
+      </inkml:inkSource>
+      <inkml:timestamp xml:id="ts0" timeString="2022-05-25T04:31:21.789"/>
+    </inkml:context>
+    <inkml:brush xml:id="br0">
+      <inkml:brushProperty name="width" value="0.05" units="cm"/>
+      <inkml:brushProperty name="height" value="0.05" units="cm"/>
+    </inkml:brush>
+  </inkml:definitions>
+  <inkml:trace contextRef="#ctx0" brushRef="#br0">1 185 24575,'0'4'0,"7"-2"0,3 13 0,2-5 0,1 2 0,-5 0 0,8 5 0,-6-3 0,10 6 0,-11-11 0,8 8 0,-4-8 0,1 8 0,3-3 0,-3 4 0,-1-5 0,4 9 0,-3-8 0,4 9 0,0-5 0,0-1 0,0 6 0,0-4 0,1 9 0,0-4 0,0 5 0,0 0 0,-4-5 0,-1 9 0,-4-7 0,0 9 0,0 0 0,0-5 0,0 5 0,0 0 0,-5-5 0,4 0 0,-8-2 0,3-4 0,-4 5 0,0-5 0,0-1 0,0-6 0,0 1 0,-4 3 0,-5-2 0,-4-2 0,-1-4 0,-2-5 0,2-3 0,-4-1 0,5-4 0,-4 0 0,4 0 0,-1 0 0,-3 0 0,8 0 0,-3 0 0,4-4 0,-1-5 0,1-4 0,-2-10 0,1 4 0,4-4 0,-3 0 0,7 4 0,-4-9 0,5 4 0,0-5 0,0 0 0,0-19 0,0 8 0,0-9 0,0 14 0,5 0 0,0 4 0,10-4 0,0 6 0,4 0 0,-4 0 0,3-1 0,-6-5 0,2 5 0,-4-5 0,-1 6 0,1 4 0,-1-2 0,0 8 0,0-4 0,-4 0 0,-1 4 0,-4-4 0,0 5 0,0 0 0,0 1 0,5-6 0,-4-9 0,3 6 0,0-5 0,-3 8 0,3 4 0,-1 0 0,-2 3 0,3 7 0,-4-4 0,0 6 0,3 6 0,-2-2 0,2 6 0</inkml:trace>
+</inkml:ink>
+</file>
+
+<file path=ppt/ink/ink26.xml><?xml version="1.0" encoding="utf-8"?>
+<inkml:ink xmlns:inkml="http://www.w3.org/2003/InkML">
+  <inkml:definitions>
+    <inkml:context xml:id="ctx0">
+      <inkml:inkSource xml:id="inkSrc0">
+        <inkml:traceFormat>
+          <inkml:channel name="X" type="integer" min="-2.14748E9" max="2.14748E9" units="cm"/>
+          <inkml:channel name="Y" type="integer" min="-2.14748E9" max="2.14748E9" units="cm"/>
+          <inkml:channel name="F" type="integer" max="32767" units="dev"/>
+        </inkml:traceFormat>
+        <inkml:channelProperties>
+          <inkml:channelProperty channel="X" name="resolution" value="1000" units="1/cm"/>
+          <inkml:channelProperty channel="Y" name="resolution" value="1000" units="1/cm"/>
+          <inkml:channelProperty channel="F" name="resolution" value="0" units="1/dev"/>
+        </inkml:channelProperties>
+      </inkml:inkSource>
+      <inkml:timestamp xml:id="ts0" timeString="2022-05-25T04:31:49.526"/>
+    </inkml:context>
+    <inkml:brush xml:id="br0">
+      <inkml:brushProperty name="width" value="0.05" units="cm"/>
+      <inkml:brushProperty name="height" value="0.05" units="cm"/>
+    </inkml:brush>
+  </inkml:definitions>
+  <inkml:trace contextRef="#ctx0" brushRef="#br0">1 17 8191,'4'-9'0,"0"1"0</inkml:trace>
+</inkml:ink>
+</file>
+
+<file path=ppt/ink/ink3.xml><?xml version="1.0" encoding="utf-8"?>
+<inkml:ink xmlns:inkml="http://www.w3.org/2003/InkML">
+  <inkml:definitions>
+    <inkml:context xml:id="ctx0">
+      <inkml:inkSource xml:id="inkSrc0">
+        <inkml:traceFormat>
+          <inkml:channel name="X" type="integer" min="-2.14748E9" max="2.14748E9" units="cm"/>
+          <inkml:channel name="Y" type="integer" min="-2.14748E9" max="2.14748E9" units="cm"/>
+          <inkml:channel name="F" type="integer" max="32767" units="dev"/>
+        </inkml:traceFormat>
+        <inkml:channelProperties>
+          <inkml:channelProperty channel="X" name="resolution" value="1000" units="1/cm"/>
+          <inkml:channelProperty channel="Y" name="resolution" value="1000" units="1/cm"/>
+          <inkml:channelProperty channel="F" name="resolution" value="0" units="1/dev"/>
+        </inkml:channelProperties>
+      </inkml:inkSource>
+      <inkml:timestamp xml:id="ts0" timeString="2022-05-25T04:30:02.537"/>
+    </inkml:context>
+    <inkml:brush xml:id="br0">
+      <inkml:brushProperty name="width" value="0.05" units="cm"/>
+      <inkml:brushProperty name="height" value="0.05" units="cm"/>
+    </inkml:brush>
+  </inkml:definitions>
+  <inkml:trace contextRef="#ctx0" brushRef="#br0">20 155 8191,'0'-3'0,"0"-4"5063,0-5-5063,0 0 2818,0 3-2818,3 1 1719,-2 0-1719,11-4 0,-3 2 6784,5-2-6784,2 3 0,-2 0 0,-1 1 0,4-1 0,-4 0 0,5 4 0,-1 1 0,-3 4 0,2-4 0,-2 3 0,-1-3 0,4 4 0,-4 0 0,0 0 0,4 0 0,-4 0 0,1 0 0,2 0 0,-7 0 0,8 0 0,-8 0 0,3 4 0,-3 5 0,3 12 0,-2-1 0,3 5 0,-5-7 0,1-1 0,0 1 0,-4 0 0,3 4 0,-7-3 0,4 9 0,-5-4 0,0 0 0,0 4 0,0-9 0,0 9 0,0-9 0,0 8 0,0-8 0,0 4 0,-4-5 0,-1-1 0,-4 1 0,0 3 0,1-7 0,0 2 0,-1-8 0,1 0 0,0 0 0,0 0 0,0 0 0,-4 1 0,2-1 0,-2 0 0,4 0 0,0 0 0,0-4 0,0 3 0,-1-6 0,1 6 0,-4-2 0,3 3 0,-4-3 0,5 2 0,0-2 0,0-1 0,0 3 0,0-6 0,0 6 0,0-6 0,-5 3 0,0-4 0,0 0 0,1 0 0,4 0 0,0 0 0,0 0 0,0 0 0,0-4 0,0 0 0,0-5 0,3 1 0,-2-4 0,6 3 0,-7-4 0,3 5 0,1 0 0,-3 0 0,6-4 0,-6 2 0,6-2 0,-6 0 0,2 3 0,1-2 0,0-2 0,0 4 0,3-3 0,-6 3 0,6 1 0,-2 0 0,-1 0 0,3 0 0,-2 0 0,-1-4 0,3 3 0,-2-2 0,3 3 0,0-1 0,0-3 0,0 3 0,0-8 0,0 8 0,0-3 0,0-1 0,0 4 0,0-8 0,0 8 0,0-3 0,0 4 0,0-5 0,0 4 0,0-3 0,0 3 0,0 1 0,0 0 0,0 0 0,0 0 0,0 0 0,3 0 0,-2 0 0,3 0 0,-4 0 0,0 0 0,0 0 0,0 0 0,0 0 0,3 0 0,1 4 0,4 0 0,-1 4 0,1 0 0,0 0 0,-1-3 0,1 2 0,0-3 0,0 4 0,0 0 0,0 0 0,-3 0 0,-2 0 0</inkml:trace>
+</inkml:ink>
+</file>
+
+<file path=ppt/ink/ink4.xml><?xml version="1.0" encoding="utf-8"?>
+<inkml:ink xmlns:inkml="http://www.w3.org/2003/InkML">
+  <inkml:definitions>
+    <inkml:context xml:id="ctx0">
+      <inkml:inkSource xml:id="inkSrc0">
+        <inkml:traceFormat>
+          <inkml:channel name="X" type="integer" min="-2.14748E9" max="2.14748E9" units="cm"/>
+          <inkml:channel name="Y" type="integer" min="-2.14748E9" max="2.14748E9" units="cm"/>
+          <inkml:channel name="F" type="integer" max="32767" units="dev"/>
+        </inkml:traceFormat>
+        <inkml:channelProperties>
+          <inkml:channelProperty channel="X" name="resolution" value="1000" units="1/cm"/>
+          <inkml:channelProperty channel="Y" name="resolution" value="1000" units="1/cm"/>
+          <inkml:channelProperty channel="F" name="resolution" value="0" units="1/dev"/>
+        </inkml:channelProperties>
+      </inkml:inkSource>
+      <inkml:timestamp xml:id="ts0" timeString="2022-05-25T04:29:57.837"/>
+    </inkml:context>
+    <inkml:brush xml:id="br0">
+      <inkml:brushProperty name="width" value="0.05" units="cm"/>
+      <inkml:brushProperty name="height" value="0.05" units="cm"/>
+    </inkml:brush>
+  </inkml:definitions>
+  <inkml:trace contextRef="#ctx0" brushRef="#br0">421 189 24575,'0'-12'0,"0"-6"0,0 8 0,0-11 0,0 12 0,-4-8 0,-5 4 0,-5-1 0,0-3 0,-3 7 0,3-3 0,-3 4 0,-1 4 0,4-2 0,-2 6 0,2-3 0,-4 0 0,1 3 0,-1-3 0,0 4 0,0 0 0,0 0 0,1 0 0,-1 0 0,4 0 0,-2 0 0,6 0 0,-2 0 0,4 0 0,0 4 0,0 0 0,0 4 0,-1 5 0,5 0 0,-4 5 0,3-1 0,0 1 0,-3-5 0,7 4 0,-2-4 0,3 5 0,0 0 0,0-5 0,0 4 0,0-4 0,0 13 0,12-10 0,5 5 0,7-12 0,3 1 0,-3-1 0,5 1 0,-5-5 0,-1-1 0,-5-4 0,-1 0 0,1 0 0,-5 0 0,0 0 0,-5 0 0,0 0 0,0-3 0,0-2 0,0-7 0,0-2 0,1-4 0,0 1 0,0-1 0,0 0 0,-1 5 0,1-4 0,3 4 0,-7 0 0,2 1 0,-3 8 0,0 0 0,3 4 0,1 0 0,0 0 0,-1 0 0,2 13 0,-1-2 0,-2 17 0,2 2 0,-7 0 0,9 11 0,-9-5 0,8 6 0,-8 1 0,8-7 0,-3 5 0,0-5 0,3 1 0,-4-3 0,0-10 0,0-1 0,-1-5 0,-4-5 0,4-1 0,-4-14 0,0 4 0,0-8 0</inkml:trace>
+</inkml:ink>
+</file>
+
+<file path=ppt/ink/ink5.xml><?xml version="1.0" encoding="utf-8"?>
+<inkml:ink xmlns:inkml="http://www.w3.org/2003/InkML">
+  <inkml:definitions>
+    <inkml:context xml:id="ctx0">
+      <inkml:inkSource xml:id="inkSrc0">
+        <inkml:traceFormat>
+          <inkml:channel name="X" type="integer" min="-2.14748E9" max="2.14748E9" units="cm"/>
+          <inkml:channel name="Y" type="integer" min="-2.14748E9" max="2.14748E9" units="cm"/>
+          <inkml:channel name="F" type="integer" max="32767" units="dev"/>
+        </inkml:traceFormat>
+        <inkml:channelProperties>
+          <inkml:channelProperty channel="X" name="resolution" value="1000" units="1/cm"/>
+          <inkml:channelProperty channel="Y" name="resolution" value="1000" units="1/cm"/>
+          <inkml:channelProperty channel="F" name="resolution" value="0" units="1/dev"/>
+        </inkml:channelProperties>
+      </inkml:inkSource>
+      <inkml:timestamp xml:id="ts0" timeString="2022-05-25T04:30:29.510"/>
+    </inkml:context>
+    <inkml:brush xml:id="br0">
+      <inkml:brushProperty name="width" value="0.05" units="cm"/>
+      <inkml:brushProperty name="height" value="0.05" units="cm"/>
+    </inkml:brush>
+  </inkml:definitions>
+  <inkml:trace contextRef="#ctx0" brushRef="#br0">1 3416 8191,'0'-2'0,"0"0"5063,0-13-5063,0-4 2818,0-5-2818,0-5 1719,0-6-1719,14 3 6784,1-31-6784,17 0 0,-5-20 0,1 11 0,1 7 0,6-25 0,-5 24 0,-12 18 0,-1-1 0,6-10 0,0-5 0,0 6 0,0 1 0,0 0 0,0 0 0,0-1 0,0 1 0,0-7 0,0 5 0,1-6 0,5 0 0,-5 6 0,10-5 0,-9 6 0,17-17 0,-21 20 0,4 9 0,1 0 0,0-9 0,19-28 0,-14 16 0,-3 8 0,4-29 0,-8 31 0,14-32 0,-18 43 0,1 0 0,12-26 0,-10 22 0,-1 2 0,3-11 0,4-5 0,-6-1 0,0 6 0,1-6 0,-2 15 0,-5-6 0,3 12 0,-7-5 0,1 13 0,-4 1 0,0 5 0,-1 6 0,-3-4 0,2 9 0,-7-3 0,6 4 0,-2-4 0,0 8 0,3 2 0,-4 8 0,4 4 0,0 13 0,-4-10 0,1 10 0</inkml:trace>
+</inkml:ink>
+</file>
+
+<file path=ppt/ink/ink6.xml><?xml version="1.0" encoding="utf-8"?>
+<inkml:ink xmlns:inkml="http://www.w3.org/2003/InkML">
+  <inkml:definitions>
+    <inkml:context xml:id="ctx0">
+      <inkml:inkSource xml:id="inkSrc0">
+        <inkml:traceFormat>
+          <inkml:channel name="X" type="integer" min="-2.14748E9" max="2.14748E9" units="cm"/>
+          <inkml:channel name="Y" type="integer" min="-2.14748E9" max="2.14748E9" units="cm"/>
+          <inkml:channel name="F" type="integer" max="32767" units="dev"/>
+        </inkml:traceFormat>
+        <inkml:channelProperties>
+          <inkml:channelProperty channel="X" name="resolution" value="1000" units="1/cm"/>
+          <inkml:channelProperty channel="Y" name="resolution" value="1000" units="1/cm"/>
+          <inkml:channelProperty channel="F" name="resolution" value="0" units="1/dev"/>
+        </inkml:channelProperties>
+      </inkml:inkSource>
+      <inkml:timestamp xml:id="ts0" timeString="2022-05-25T04:30:52.820"/>
+    </inkml:context>
+    <inkml:brush xml:id="br0">
+      <inkml:brushProperty name="width" value="0.05" units="cm"/>
+      <inkml:brushProperty name="height" value="0.05" units="cm"/>
+    </inkml:brush>
+  </inkml:definitions>
+  <inkml:trace contextRef="#ctx0" brushRef="#br0">54 281 24575,'0'8'0,"0"3"0,0 16 0,0-5 0,0 14 0,0-10 0,0 6 0,0-5 0,0-3 0,0 5 0,0-5 0,0 4 0,0-4 0,0 5 0,0-5 0,0 4 0,0-9 0,0 4 0,0-6 0,0-3 0,0 2 0,0-7 0,0 4 0,0-5 0,0 0 0,0 0 0,0 0 0,0 0 0,0-1 0,0-5 0,0-16 0,-4-6 0,-6-32 0,3 12 0,-7-22 0,13 12 0,-4-8 0,5 1 0,0 0 0,0 0 0,0 6 0,0 2 0,0 7 0,0-1 0,4 7 0,6 1 0,0 11 0,7 1 0,-7 5 0,7 0 0,-8 5 0,8 4 0,-8 2 0,11 6 0,-10-3 0,6 4 0,-8 0 0,4 0 0,-3 0 0,4 8 0,-5 2 0,1 8 0,0-1 0,0 6 0,1 1 0,-1 5 0,1 0 0,-5 0 0,0 0 0,-5 6 0,0-4 0,0 4 0,0-11 0,0-2 0,0-4 0,-4 0 0,-5-1 0,-5-3 0,-4-1 0,0-4 0,1-1 0,-1-3 0,0 3 0,0-7 0,0 3 0,1-4 0,3 4 0,-2-3 0,7 2 0,-3 1 0,11-3 0,6 2 0,13-3 0,1 0 0,9 0 0,-9 0 0,4 0 0,-6 0 0,6 0 0,-4 0 0,4 0 0,-6 0 0,1 4 0,5 1 0,-4 4 0,3 4 0,-4 1 0,-4 4 0,3 5 0,-7-5 0,4 10 0,-5-9 0,1 9 0,-1-9 0,-4 9 0,3-9 0,-7 3 0,3-4 0,-4 0 0,0-1 0,0 1 0,0-5 0,-8 4 0,-7-7 0,-4 3 0,-9-4 0,4 0 0,-5 1 0,-1 0 0,-5 0 0,5 0 0,-5 0 0,0 0 0,4 0 0,-4 0 0,11-5 0,1-1 0,10-4 0,-4 0 0,8 0 0,-4 0 0,5 0 0,4 0 0,1 0 0</inkml:trace>
+</inkml:ink>
+</file>
+
+<file path=ppt/ink/ink7.xml><?xml version="1.0" encoding="utf-8"?>
+<inkml:ink xmlns:inkml="http://www.w3.org/2003/InkML">
+  <inkml:definitions>
+    <inkml:context xml:id="ctx0">
+      <inkml:inkSource xml:id="inkSrc0">
+        <inkml:traceFormat>
+          <inkml:channel name="X" type="integer" min="-2.14748E9" max="2.14748E9" units="cm"/>
+          <inkml:channel name="Y" type="integer" min="-2.14748E9" max="2.14748E9" units="cm"/>
+          <inkml:channel name="F" type="integer" max="32767" units="dev"/>
+        </inkml:traceFormat>
+        <inkml:channelProperties>
+          <inkml:channelProperty channel="X" name="resolution" value="1000" units="1/cm"/>
+          <inkml:channelProperty channel="Y" name="resolution" value="1000" units="1/cm"/>
+          <inkml:channelProperty channel="F" name="resolution" value="0" units="1/dev"/>
+        </inkml:channelProperties>
+      </inkml:inkSource>
+      <inkml:timestamp xml:id="ts0" timeString="2022-05-25T04:29:52.238"/>
+    </inkml:context>
+    <inkml:brush xml:id="br0">
+      <inkml:brushProperty name="width" value="0.05" units="cm"/>
+      <inkml:brushProperty name="height" value="0.05" units="cm"/>
+    </inkml:brush>
+  </inkml:definitions>
+  <inkml:trace contextRef="#ctx0" brushRef="#br0">11 0 8191,'0'8'0,"0"-3"5063,0 27-5063,0-8 2818,0 5-2818,0 6 1719,0 8-1719,0 14 0,0 2 0,0 29 0,0-24 0,0 26 0,0-31 0,0-1 0,0-3 6784,-4-11-6784,2 5 0,-2-13 0,4-1 0,0-6 0,0-5 0,0-1 0,0-10 0,0-1 0,0-4 0,0-6 0,0-13 0,0-14 0,0-12 0,0-5 0,0 0 0,0-7 0,0 5 0,0-5 0,0 0 0,0 5 0,0-5 0,0 7 0,0-1 0,0 7 0,0-5 0,0 10 0,4-4 0,-3 6 0,8 0 0,-4 5 0,4 1 0,0 5 0,-1 5 0,1 0 0,-2 5 0,1 0 0,0 0 0,0 3 0,0 2 0,0 3 0,0 0 0,0 0 0,0 0 0,0 0 0,0 0 0,0 0 0,0 0 0,-4 3 0,3 2 0,-1 12 0,2 3 0,2 9 0,0 6 0,0 1 0,6 6 0,0 1 0,1 5 0,3-4 0,-4 5 0,1-7 0,-2 1 0,-4-1 0,3-6 0,-2 5 0,2-11 0,-4 5 0,-1-11 0,-4 4 0,3-9 0,-7 9 0,7-9 0,-7 9 0,3-10 0,-4 5 0,4-5 0,-3-5 0,3 0 0,-4-6 0,0 1 0,0-6 0,0-8 0,0 1 0,0-3 0</inkml:trace>
+</inkml:ink>
+</file>
+
+<file path=ppt/ink/ink8.xml><?xml version="1.0" encoding="utf-8"?>
+<inkml:ink xmlns:inkml="http://www.w3.org/2003/InkML">
+  <inkml:definitions>
+    <inkml:context xml:id="ctx0">
+      <inkml:inkSource xml:id="inkSrc0">
+        <inkml:traceFormat>
+          <inkml:channel name="X" type="integer" min="-2.14748E9" max="2.14748E9" units="cm"/>
+          <inkml:channel name="Y" type="integer" min="-2.14748E9" max="2.14748E9" units="cm"/>
+          <inkml:channel name="F" type="integer" max="32767" units="dev"/>
+        </inkml:traceFormat>
+        <inkml:channelProperties>
+          <inkml:channelProperty channel="X" name="resolution" value="1000" units="1/cm"/>
+          <inkml:channelProperty channel="Y" name="resolution" value="1000" units="1/cm"/>
+          <inkml:channelProperty channel="F" name="resolution" value="0" units="1/dev"/>
+        </inkml:channelProperties>
+      </inkml:inkSource>
+      <inkml:timestamp xml:id="ts0" timeString="2022-05-25T04:29:53.257"/>
+    </inkml:context>
+    <inkml:brush xml:id="br0">
+      <inkml:brushProperty name="width" value="0.05" units="cm"/>
+      <inkml:brushProperty name="height" value="0.05" units="cm"/>
+    </inkml:brush>
+  </inkml:definitions>
+  <inkml:trace contextRef="#ctx0" brushRef="#br0">1 25 24575,'27'0'0,"-8"0"0,15 0 0,-10 0 0,0 0 0,-1 0 0,-1 0 0,-3 0 0,9 0 0,-9 0 0,4 0 0,-6 0 0,6 0 0,-4 0 0,4-4 0,-6 3 0,6-3 0,-4 4 0,-1-3 0,-1 2 0,-4-3 0,1 4 0,-2 0 0,0 0 0,-3 0 0,8 0 0,-8-3 0,3 2 0,-4-3 0,0 4 0,-3 0 0,-2 0 0</inkml:trace>
+</inkml:ink>
+</file>
+
+<file path=ppt/ink/ink9.xml><?xml version="1.0" encoding="utf-8"?>
+<inkml:ink xmlns:inkml="http://www.w3.org/2003/InkML">
+  <inkml:definitions>
+    <inkml:context xml:id="ctx0">
+      <inkml:inkSource xml:id="inkSrc0">
+        <inkml:traceFormat>
+          <inkml:channel name="X" type="integer" min="-2.14748E9" max="2.14748E9" units="cm"/>
+          <inkml:channel name="Y" type="integer" min="-2.14748E9" max="2.14748E9" units="cm"/>
+          <inkml:channel name="F" type="integer" max="32767" units="dev"/>
+        </inkml:traceFormat>
+        <inkml:channelProperties>
+          <inkml:channelProperty channel="X" name="resolution" value="1000" units="1/cm"/>
+          <inkml:channelProperty channel="Y" name="resolution" value="1000" units="1/cm"/>
+          <inkml:channelProperty channel="F" name="resolution" value="0" units="1/dev"/>
+        </inkml:channelProperties>
+      </inkml:inkSource>
+      <inkml:timestamp xml:id="ts0" timeString="2022-05-25T04:30:48.936"/>
+    </inkml:context>
+    <inkml:brush xml:id="br0">
+      <inkml:brushProperty name="width" value="0.05" units="cm"/>
+      <inkml:brushProperty name="height" value="0.05" units="cm"/>
+    </inkml:brush>
+  </inkml:definitions>
+  <inkml:trace contextRef="#ctx0" brushRef="#br0">0 0 24575,'0'16'0,"0"5"0,0-2 0,0 15 0,0-9 0,0 16 0,0-5 0,0 7 0,0 6 0,0-6 0,0 13 0,0-6 0,0 1 0,0 4 0,0-11 0,0-1 0,0-2 0,0-11 0,0 5 0,0-6 0,0-5 0,0 4 0,0-13 0,0 2 0,0-9 0,0 0 0,0-27 0,0 4 0,0-30 0,0 14 0,9-4 0,3 0 0,6 10 0,2-9 0,-2 15 0,1 0 0,-6 7 0,4 3 0,-4 0 0,4 4 0,-4 1 0,-1 4 0,0 0 0,-3 0 0,3 0 0,-4 4 0,1 4 0,-1 2 0,0 6 0,1-3 0,0 10 0,-4-4 0,-1 4 0,-4 0 0,0-4 0,0 8 0,0-8 0,0 4 0,0-5 0,-4-1 0,-1 1 0,-8-4 0,4-2 0,-8-3 0,8-1 0,-8 1 0,4-5 0,-13 0 0,6-4 0,-5 0 0,7 0 0,0-4 0,4-5 0,-3-5 0,8 1 0,-4-4 0,9 8 0,-4-3 0,7 3 0,-3 1 0,4 0 0,0 4 0,0 1 0</inkml:trace>
+</inkml:ink>
 </file>
 
 <file path=ppt/notesMasters/notesMaster1.xml><?xml version="1.0" encoding="utf-8"?>
@@ -6186,13 +6888,1449 @@
         </p:nvSpPr>
         <p:spPr/>
         <p:txBody>
-          <a:bodyPr/>
+          <a:bodyPr>
+            <a:normAutofit fontScale="77500" lnSpcReduction="20000"/>
+          </a:bodyPr>
           <a:lstStyle/>
           <a:p>
-            <a:endParaRPr lang="en-AU"/>
+            <a:pPr marL="0" indent="0">
+              <a:buNone/>
+            </a:pPr>
+            <a:r>
+              <a:rPr lang="en-AU" b="1" dirty="0"/>
+              <a:t>Movement</a:t>
+            </a:r>
+          </a:p>
+          <a:p>
+            <a:r>
+              <a:rPr lang="en-AU" dirty="0"/>
+              <a:t>Performs basic functionality</a:t>
+            </a:r>
+          </a:p>
+          <a:p>
+            <a:pPr lvl="1"/>
+            <a:r>
+              <a:rPr lang="en-AU" dirty="0"/>
+              <a:t>Converting LIDAR to distance</a:t>
+            </a:r>
+          </a:p>
+          <a:p>
+            <a:pPr lvl="1"/>
+            <a:r>
+              <a:rPr lang="en-AU" dirty="0"/>
+              <a:t>Timing sections of code</a:t>
+            </a:r>
+          </a:p>
+          <a:p>
+            <a:pPr lvl="1"/>
+            <a:r>
+              <a:rPr lang="en-AU" dirty="0"/>
+              <a:t>Updating arrays</a:t>
+            </a:r>
+          </a:p>
+          <a:p>
+            <a:pPr marL="0" indent="0">
+              <a:buNone/>
+            </a:pPr>
+            <a:br>
+              <a:rPr lang="en-AU" b="1" dirty="0"/>
+            </a:br>
+            <a:r>
+              <a:rPr lang="en-AU" b="1" dirty="0"/>
+              <a:t>Tracking</a:t>
+            </a:r>
+          </a:p>
+          <a:p>
+            <a:r>
+              <a:rPr lang="en-AU" dirty="0"/>
+              <a:t>Begin centred on user</a:t>
+            </a:r>
+          </a:p>
+          <a:p>
+            <a:r>
+              <a:rPr lang="en-AU" dirty="0"/>
+              <a:t>Pan until an edge is detected</a:t>
+            </a:r>
+          </a:p>
+          <a:p>
+            <a:pPr lvl="1"/>
+            <a:r>
+              <a:rPr lang="en-AU" dirty="0"/>
+              <a:t>Edge appears as discontinuity in distance readings</a:t>
+            </a:r>
+          </a:p>
+          <a:p>
+            <a:pPr lvl="1"/>
+            <a:r>
+              <a:rPr lang="en-AU" dirty="0"/>
+              <a:t>Pan direction is switched when an edge is detected</a:t>
+            </a:r>
+          </a:p>
+          <a:p>
+            <a:r>
+              <a:rPr lang="en-AU" dirty="0"/>
+              <a:t>Outputs a range of values such as movement speed, angular location of object.</a:t>
+            </a:r>
+          </a:p>
+          <a:p>
+            <a:r>
+              <a:rPr lang="en-AU" dirty="0"/>
+              <a:t>Includes control measures such as error output when tracking is lost</a:t>
+            </a:r>
+          </a:p>
+          <a:p>
+            <a:pPr lvl="1"/>
+            <a:endParaRPr lang="en-AU" dirty="0"/>
           </a:p>
         </p:txBody>
       </p:sp>
+      <mc:AlternateContent xmlns:mc="http://schemas.openxmlformats.org/markup-compatibility/2006">
+        <mc:Choice xmlns:p14="http://schemas.microsoft.com/office/powerpoint/2010/main" Requires="p14">
+          <p:contentPart p14:bwMode="auto" r:id="rId2">
+            <p14:nvContentPartPr>
+              <p14:cNvPr id="15" name="Ink 14">
+                <a:extLst>
+                  <a:ext uri="{FF2B5EF4-FFF2-40B4-BE49-F238E27FC236}">
+                    <a16:creationId xmlns:a16="http://schemas.microsoft.com/office/drawing/2014/main" id="{5031BB85-E790-317A-3FD4-FA5C9E803EE1}"/>
+                  </a:ext>
+                </a:extLst>
+              </p14:cNvPr>
+              <p14:cNvContentPartPr/>
+              <p14:nvPr/>
+            </p14:nvContentPartPr>
+            <p14:xfrm>
+              <a:off x="8076486" y="4768780"/>
+              <a:ext cx="3124440" cy="50400"/>
+            </p14:xfrm>
+          </p:contentPart>
+        </mc:Choice>
+        <mc:Fallback>
+          <p:pic>
+            <p:nvPicPr>
+              <p:cNvPr id="15" name="Ink 14">
+                <a:extLst>
+                  <a:ext uri="{FF2B5EF4-FFF2-40B4-BE49-F238E27FC236}">
+                    <a16:creationId xmlns:a16="http://schemas.microsoft.com/office/drawing/2014/main" id="{5031BB85-E790-317A-3FD4-FA5C9E803EE1}"/>
+                  </a:ext>
+                </a:extLst>
+              </p:cNvPr>
+              <p:cNvPicPr/>
+              <p:nvPr/>
+            </p:nvPicPr>
+            <p:blipFill>
+              <a:blip r:embed="rId3"/>
+              <a:stretch>
+                <a:fillRect/>
+              </a:stretch>
+            </p:blipFill>
+            <p:spPr>
+              <a:xfrm>
+                <a:off x="8067486" y="4759780"/>
+                <a:ext cx="3142080" cy="68040"/>
+              </a:xfrm>
+              <a:prstGeom prst="rect">
+                <a:avLst/>
+              </a:prstGeom>
+            </p:spPr>
+          </p:pic>
+        </mc:Fallback>
+      </mc:AlternateContent>
+      <mc:AlternateContent xmlns:mc="http://schemas.openxmlformats.org/markup-compatibility/2006">
+        <mc:Choice xmlns:p14="http://schemas.microsoft.com/office/powerpoint/2010/main" Requires="p14">
+          <p:contentPart p14:bwMode="auto" r:id="rId4">
+            <p14:nvContentPartPr>
+              <p14:cNvPr id="16" name="Ink 15">
+                <a:extLst>
+                  <a:ext uri="{FF2B5EF4-FFF2-40B4-BE49-F238E27FC236}">
+                    <a16:creationId xmlns:a16="http://schemas.microsoft.com/office/drawing/2014/main" id="{C01F8C32-A8DD-C762-246D-16EA210579E5}"/>
+                  </a:ext>
+                </a:extLst>
+              </p14:cNvPr>
+              <p14:cNvContentPartPr/>
+              <p14:nvPr/>
+            </p14:nvContentPartPr>
+            <p14:xfrm>
+              <a:off x="8235606" y="3116740"/>
+              <a:ext cx="1464480" cy="1694520"/>
+            </p14:xfrm>
+          </p:contentPart>
+        </mc:Choice>
+        <mc:Fallback>
+          <p:pic>
+            <p:nvPicPr>
+              <p:cNvPr id="16" name="Ink 15">
+                <a:extLst>
+                  <a:ext uri="{FF2B5EF4-FFF2-40B4-BE49-F238E27FC236}">
+                    <a16:creationId xmlns:a16="http://schemas.microsoft.com/office/drawing/2014/main" id="{C01F8C32-A8DD-C762-246D-16EA210579E5}"/>
+                  </a:ext>
+                </a:extLst>
+              </p:cNvPr>
+              <p:cNvPicPr/>
+              <p:nvPr/>
+            </p:nvPicPr>
+            <p:blipFill>
+              <a:blip r:embed="rId5"/>
+              <a:stretch>
+                <a:fillRect/>
+              </a:stretch>
+            </p:blipFill>
+            <p:spPr>
+              <a:xfrm>
+                <a:off x="8226606" y="3107740"/>
+                <a:ext cx="1482120" cy="1712160"/>
+              </a:xfrm>
+              <a:prstGeom prst="rect">
+                <a:avLst/>
+              </a:prstGeom>
+            </p:spPr>
+          </p:pic>
+        </mc:Fallback>
+      </mc:AlternateContent>
+      <mc:AlternateContent xmlns:mc="http://schemas.openxmlformats.org/markup-compatibility/2006">
+        <mc:Choice xmlns:p14="http://schemas.microsoft.com/office/powerpoint/2010/main" Requires="p14">
+          <p:contentPart p14:bwMode="auto" r:id="rId6">
+            <p14:nvContentPartPr>
+              <p14:cNvPr id="40" name="Ink 39">
+                <a:extLst>
+                  <a:ext uri="{FF2B5EF4-FFF2-40B4-BE49-F238E27FC236}">
+                    <a16:creationId xmlns:a16="http://schemas.microsoft.com/office/drawing/2014/main" id="{C843508D-E548-5B85-4E92-21DCBAECC080}"/>
+                  </a:ext>
+                </a:extLst>
+              </p14:cNvPr>
+              <p14:cNvContentPartPr/>
+              <p14:nvPr/>
+            </p14:nvContentPartPr>
+            <p14:xfrm>
+              <a:off x="9604326" y="4974700"/>
+              <a:ext cx="166680" cy="247680"/>
+            </p14:xfrm>
+          </p:contentPart>
+        </mc:Choice>
+        <mc:Fallback>
+          <p:pic>
+            <p:nvPicPr>
+              <p:cNvPr id="40" name="Ink 39">
+                <a:extLst>
+                  <a:ext uri="{FF2B5EF4-FFF2-40B4-BE49-F238E27FC236}">
+                    <a16:creationId xmlns:a16="http://schemas.microsoft.com/office/drawing/2014/main" id="{C843508D-E548-5B85-4E92-21DCBAECC080}"/>
+                  </a:ext>
+                </a:extLst>
+              </p:cNvPr>
+              <p:cNvPicPr/>
+              <p:nvPr/>
+            </p:nvPicPr>
+            <p:blipFill>
+              <a:blip r:embed="rId7"/>
+              <a:stretch>
+                <a:fillRect/>
+              </a:stretch>
+            </p:blipFill>
+            <p:spPr>
+              <a:xfrm>
+                <a:off x="9595686" y="4965700"/>
+                <a:ext cx="184320" cy="265320"/>
+              </a:xfrm>
+              <a:prstGeom prst="rect">
+                <a:avLst/>
+              </a:prstGeom>
+            </p:spPr>
+          </p:pic>
+        </mc:Fallback>
+      </mc:AlternateContent>
+      <mc:AlternateContent xmlns:mc="http://schemas.openxmlformats.org/markup-compatibility/2006">
+        <mc:Choice xmlns:p14="http://schemas.microsoft.com/office/powerpoint/2010/main" Requires="p14">
+          <p:contentPart p14:bwMode="auto" r:id="rId8">
+            <p14:nvContentPartPr>
+              <p14:cNvPr id="38" name="Ink 37">
+                <a:extLst>
+                  <a:ext uri="{FF2B5EF4-FFF2-40B4-BE49-F238E27FC236}">
+                    <a16:creationId xmlns:a16="http://schemas.microsoft.com/office/drawing/2014/main" id="{60D679D8-E55E-8F69-A79B-8C401FBE3514}"/>
+                  </a:ext>
+                </a:extLst>
+              </p14:cNvPr>
+              <p14:cNvContentPartPr/>
+              <p14:nvPr/>
+            </p14:nvContentPartPr>
+            <p14:xfrm>
+              <a:off x="8289606" y="3814780"/>
+              <a:ext cx="190800" cy="250200"/>
+            </p14:xfrm>
+          </p:contentPart>
+        </mc:Choice>
+        <mc:Fallback>
+          <p:pic>
+            <p:nvPicPr>
+              <p:cNvPr id="38" name="Ink 37">
+                <a:extLst>
+                  <a:ext uri="{FF2B5EF4-FFF2-40B4-BE49-F238E27FC236}">
+                    <a16:creationId xmlns:a16="http://schemas.microsoft.com/office/drawing/2014/main" id="{60D679D8-E55E-8F69-A79B-8C401FBE3514}"/>
+                  </a:ext>
+                </a:extLst>
+              </p:cNvPr>
+              <p:cNvPicPr/>
+              <p:nvPr/>
+            </p:nvPicPr>
+            <p:blipFill>
+              <a:blip r:embed="rId9"/>
+              <a:stretch>
+                <a:fillRect/>
+              </a:stretch>
+            </p:blipFill>
+            <p:spPr>
+              <a:xfrm>
+                <a:off x="8280966" y="3805780"/>
+                <a:ext cx="208440" cy="267840"/>
+              </a:xfrm>
+              <a:prstGeom prst="rect">
+                <a:avLst/>
+              </a:prstGeom>
+            </p:spPr>
+          </p:pic>
+        </mc:Fallback>
+      </mc:AlternateContent>
+      <mc:AlternateContent xmlns:mc="http://schemas.openxmlformats.org/markup-compatibility/2006">
+        <mc:Choice xmlns:p14="http://schemas.microsoft.com/office/powerpoint/2010/main" Requires="p14">
+          <p:contentPart p14:bwMode="auto" r:id="rId10">
+            <p14:nvContentPartPr>
+              <p14:cNvPr id="44" name="Ink 43">
+                <a:extLst>
+                  <a:ext uri="{FF2B5EF4-FFF2-40B4-BE49-F238E27FC236}">
+                    <a16:creationId xmlns:a16="http://schemas.microsoft.com/office/drawing/2014/main" id="{E0246B85-FB7B-6F5E-3B22-17D90C13CCCE}"/>
+                  </a:ext>
+                </a:extLst>
+              </p14:cNvPr>
+              <p14:cNvContentPartPr/>
+              <p14:nvPr/>
+            </p14:nvContentPartPr>
+            <p14:xfrm>
+              <a:off x="9708726" y="3555940"/>
+              <a:ext cx="495720" cy="1229760"/>
+            </p14:xfrm>
+          </p:contentPart>
+        </mc:Choice>
+        <mc:Fallback>
+          <p:pic>
+            <p:nvPicPr>
+              <p:cNvPr id="44" name="Ink 43">
+                <a:extLst>
+                  <a:ext uri="{FF2B5EF4-FFF2-40B4-BE49-F238E27FC236}">
+                    <a16:creationId xmlns:a16="http://schemas.microsoft.com/office/drawing/2014/main" id="{E0246B85-FB7B-6F5E-3B22-17D90C13CCCE}"/>
+                  </a:ext>
+                </a:extLst>
+              </p:cNvPr>
+              <p:cNvPicPr/>
+              <p:nvPr/>
+            </p:nvPicPr>
+            <p:blipFill>
+              <a:blip r:embed="rId11"/>
+              <a:stretch>
+                <a:fillRect/>
+              </a:stretch>
+            </p:blipFill>
+            <p:spPr>
+              <a:xfrm>
+                <a:off x="9700086" y="3547300"/>
+                <a:ext cx="513360" cy="1247400"/>
+              </a:xfrm>
+              <a:prstGeom prst="rect">
+                <a:avLst/>
+              </a:prstGeom>
+            </p:spPr>
+          </p:pic>
+        </mc:Fallback>
+      </mc:AlternateContent>
+      <mc:AlternateContent xmlns:mc="http://schemas.openxmlformats.org/markup-compatibility/2006">
+        <mc:Choice xmlns:p14="http://schemas.microsoft.com/office/powerpoint/2010/main" Requires="p14">
+          <p:contentPart p14:bwMode="auto" r:id="rId12">
+            <p14:nvContentPartPr>
+              <p14:cNvPr id="56" name="Ink 55">
+                <a:extLst>
+                  <a:ext uri="{FF2B5EF4-FFF2-40B4-BE49-F238E27FC236}">
+                    <a16:creationId xmlns:a16="http://schemas.microsoft.com/office/drawing/2014/main" id="{83709E70-CFF5-6DC0-F046-BCB1244AC5DC}"/>
+                  </a:ext>
+                </a:extLst>
+              </p14:cNvPr>
+              <p14:cNvContentPartPr/>
+              <p14:nvPr/>
+            </p14:nvContentPartPr>
+            <p14:xfrm>
+              <a:off x="10479846" y="2945020"/>
+              <a:ext cx="168840" cy="357480"/>
+            </p14:xfrm>
+          </p:contentPart>
+        </mc:Choice>
+        <mc:Fallback>
+          <p:pic>
+            <p:nvPicPr>
+              <p:cNvPr id="56" name="Ink 55">
+                <a:extLst>
+                  <a:ext uri="{FF2B5EF4-FFF2-40B4-BE49-F238E27FC236}">
+                    <a16:creationId xmlns:a16="http://schemas.microsoft.com/office/drawing/2014/main" id="{83709E70-CFF5-6DC0-F046-BCB1244AC5DC}"/>
+                  </a:ext>
+                </a:extLst>
+              </p:cNvPr>
+              <p:cNvPicPr/>
+              <p:nvPr/>
+            </p:nvPicPr>
+            <p:blipFill>
+              <a:blip r:embed="rId13"/>
+              <a:stretch>
+                <a:fillRect/>
+              </a:stretch>
+            </p:blipFill>
+            <p:spPr>
+              <a:xfrm>
+                <a:off x="10471206" y="2936020"/>
+                <a:ext cx="186480" cy="375120"/>
+              </a:xfrm>
+              <a:prstGeom prst="rect">
+                <a:avLst/>
+              </a:prstGeom>
+            </p:spPr>
+          </p:pic>
+        </mc:Fallback>
+      </mc:AlternateContent>
+      <mc:AlternateContent xmlns:mc="http://schemas.openxmlformats.org/markup-compatibility/2006">
+        <mc:Choice xmlns:p14="http://schemas.microsoft.com/office/powerpoint/2010/main" Requires="p14">
+          <p:contentPart p14:bwMode="auto" r:id="rId14">
+            <p14:nvContentPartPr>
+              <p14:cNvPr id="33" name="Ink 32">
+                <a:extLst>
+                  <a:ext uri="{FF2B5EF4-FFF2-40B4-BE49-F238E27FC236}">
+                    <a16:creationId xmlns:a16="http://schemas.microsoft.com/office/drawing/2014/main" id="{2676B981-73A6-514F-54BD-7AA2AE53872F}"/>
+                  </a:ext>
+                </a:extLst>
+              </p14:cNvPr>
+              <p14:cNvContentPartPr/>
+              <p14:nvPr/>
+            </p14:nvContentPartPr>
+            <p14:xfrm>
+              <a:off x="7918086" y="2648020"/>
+              <a:ext cx="156960" cy="367200"/>
+            </p14:xfrm>
+          </p:contentPart>
+        </mc:Choice>
+        <mc:Fallback>
+          <p:pic>
+            <p:nvPicPr>
+              <p:cNvPr id="33" name="Ink 32">
+                <a:extLst>
+                  <a:ext uri="{FF2B5EF4-FFF2-40B4-BE49-F238E27FC236}">
+                    <a16:creationId xmlns:a16="http://schemas.microsoft.com/office/drawing/2014/main" id="{2676B981-73A6-514F-54BD-7AA2AE53872F}"/>
+                  </a:ext>
+                </a:extLst>
+              </p:cNvPr>
+              <p:cNvPicPr/>
+              <p:nvPr/>
+            </p:nvPicPr>
+            <p:blipFill>
+              <a:blip r:embed="rId15"/>
+              <a:stretch>
+                <a:fillRect/>
+              </a:stretch>
+            </p:blipFill>
+            <p:spPr>
+              <a:xfrm>
+                <a:off x="7909446" y="2639020"/>
+                <a:ext cx="174600" cy="384840"/>
+              </a:xfrm>
+              <a:prstGeom prst="rect">
+                <a:avLst/>
+              </a:prstGeom>
+            </p:spPr>
+          </p:pic>
+        </mc:Fallback>
+      </mc:AlternateContent>
+      <mc:AlternateContent xmlns:mc="http://schemas.openxmlformats.org/markup-compatibility/2006">
+        <mc:Choice xmlns:p14="http://schemas.microsoft.com/office/powerpoint/2010/main" Requires="p14">
+          <p:contentPart p14:bwMode="auto" r:id="rId16">
+            <p14:nvContentPartPr>
+              <p14:cNvPr id="35" name="Ink 34">
+                <a:extLst>
+                  <a:ext uri="{FF2B5EF4-FFF2-40B4-BE49-F238E27FC236}">
+                    <a16:creationId xmlns:a16="http://schemas.microsoft.com/office/drawing/2014/main" id="{8F8D3969-CD66-ABB1-A170-A90F8CFBF869}"/>
+                  </a:ext>
+                </a:extLst>
+              </p14:cNvPr>
+              <p14:cNvContentPartPr/>
+              <p14:nvPr/>
+            </p14:nvContentPartPr>
+            <p14:xfrm>
+              <a:off x="7905846" y="2871220"/>
+              <a:ext cx="202320" cy="9360"/>
+            </p14:xfrm>
+          </p:contentPart>
+        </mc:Choice>
+        <mc:Fallback>
+          <p:pic>
+            <p:nvPicPr>
+              <p:cNvPr id="35" name="Ink 34">
+                <a:extLst>
+                  <a:ext uri="{FF2B5EF4-FFF2-40B4-BE49-F238E27FC236}">
+                    <a16:creationId xmlns:a16="http://schemas.microsoft.com/office/drawing/2014/main" id="{8F8D3969-CD66-ABB1-A170-A90F8CFBF869}"/>
+                  </a:ext>
+                </a:extLst>
+              </p:cNvPr>
+              <p:cNvPicPr/>
+              <p:nvPr/>
+            </p:nvPicPr>
+            <p:blipFill>
+              <a:blip r:embed="rId17"/>
+              <a:stretch>
+                <a:fillRect/>
+              </a:stretch>
+            </p:blipFill>
+            <p:spPr>
+              <a:xfrm>
+                <a:off x="7897206" y="2862220"/>
+                <a:ext cx="219960" cy="27000"/>
+              </a:xfrm>
+              <a:prstGeom prst="rect">
+                <a:avLst/>
+              </a:prstGeom>
+            </p:spPr>
+          </p:pic>
+        </mc:Fallback>
+      </mc:AlternateContent>
+      <mc:AlternateContent xmlns:mc="http://schemas.openxmlformats.org/markup-compatibility/2006">
+        <mc:Choice xmlns:p14="http://schemas.microsoft.com/office/powerpoint/2010/main" Requires="p14">
+          <p:contentPart p14:bwMode="auto" r:id="rId18">
+            <p14:nvContentPartPr>
+              <p14:cNvPr id="55" name="Ink 54">
+                <a:extLst>
+                  <a:ext uri="{FF2B5EF4-FFF2-40B4-BE49-F238E27FC236}">
+                    <a16:creationId xmlns:a16="http://schemas.microsoft.com/office/drawing/2014/main" id="{3269FB0F-8698-9ADF-DDCA-AF3FB9AE126B}"/>
+                  </a:ext>
+                </a:extLst>
+              </p14:cNvPr>
+              <p14:cNvContentPartPr/>
+              <p14:nvPr/>
+            </p14:nvContentPartPr>
+            <p14:xfrm>
+              <a:off x="10287606" y="3986140"/>
+              <a:ext cx="99000" cy="318960"/>
+            </p14:xfrm>
+          </p:contentPart>
+        </mc:Choice>
+        <mc:Fallback>
+          <p:pic>
+            <p:nvPicPr>
+              <p:cNvPr id="55" name="Ink 54">
+                <a:extLst>
+                  <a:ext uri="{FF2B5EF4-FFF2-40B4-BE49-F238E27FC236}">
+                    <a16:creationId xmlns:a16="http://schemas.microsoft.com/office/drawing/2014/main" id="{3269FB0F-8698-9ADF-DDCA-AF3FB9AE126B}"/>
+                  </a:ext>
+                </a:extLst>
+              </p:cNvPr>
+              <p:cNvPicPr/>
+              <p:nvPr/>
+            </p:nvPicPr>
+            <p:blipFill>
+              <a:blip r:embed="rId19"/>
+              <a:stretch>
+                <a:fillRect/>
+              </a:stretch>
+            </p:blipFill>
+            <p:spPr>
+              <a:xfrm>
+                <a:off x="10278606" y="3977140"/>
+                <a:ext cx="116640" cy="336600"/>
+              </a:xfrm>
+              <a:prstGeom prst="rect">
+                <a:avLst/>
+              </a:prstGeom>
+            </p:spPr>
+          </p:pic>
+        </mc:Fallback>
+      </mc:AlternateContent>
+      <mc:AlternateContent xmlns:mc="http://schemas.openxmlformats.org/markup-compatibility/2006">
+        <mc:Choice xmlns:p14="http://schemas.microsoft.com/office/powerpoint/2010/main" Requires="p14">
+          <p:contentPart p14:bwMode="auto" r:id="rId20">
+            <p14:nvContentPartPr>
+              <p14:cNvPr id="46" name="Ink 45">
+                <a:extLst>
+                  <a:ext uri="{FF2B5EF4-FFF2-40B4-BE49-F238E27FC236}">
+                    <a16:creationId xmlns:a16="http://schemas.microsoft.com/office/drawing/2014/main" id="{97133265-D9BD-1FAE-A6BD-DF99BDF33CD2}"/>
+                  </a:ext>
+                </a:extLst>
+              </p14:cNvPr>
+              <p14:cNvContentPartPr/>
+              <p14:nvPr/>
+            </p14:nvContentPartPr>
+            <p14:xfrm>
+              <a:off x="8270526" y="3140860"/>
+              <a:ext cx="229680" cy="76680"/>
+            </p14:xfrm>
+          </p:contentPart>
+        </mc:Choice>
+        <mc:Fallback>
+          <p:pic>
+            <p:nvPicPr>
+              <p:cNvPr id="46" name="Ink 45">
+                <a:extLst>
+                  <a:ext uri="{FF2B5EF4-FFF2-40B4-BE49-F238E27FC236}">
+                    <a16:creationId xmlns:a16="http://schemas.microsoft.com/office/drawing/2014/main" id="{97133265-D9BD-1FAE-A6BD-DF99BDF33CD2}"/>
+                  </a:ext>
+                </a:extLst>
+              </p:cNvPr>
+              <p:cNvPicPr/>
+              <p:nvPr/>
+            </p:nvPicPr>
+            <p:blipFill>
+              <a:blip r:embed="rId21"/>
+              <a:stretch>
+                <a:fillRect/>
+              </a:stretch>
+            </p:blipFill>
+            <p:spPr>
+              <a:xfrm>
+                <a:off x="8261526" y="3132220"/>
+                <a:ext cx="247320" cy="94320"/>
+              </a:xfrm>
+              <a:prstGeom prst="rect">
+                <a:avLst/>
+              </a:prstGeom>
+            </p:spPr>
+          </p:pic>
+        </mc:Fallback>
+      </mc:AlternateContent>
+      <mc:AlternateContent xmlns:mc="http://schemas.openxmlformats.org/markup-compatibility/2006">
+        <mc:Choice xmlns:p14="http://schemas.microsoft.com/office/powerpoint/2010/main" Requires="p14">
+          <p:contentPart p14:bwMode="auto" r:id="rId22">
+            <p14:nvContentPartPr>
+              <p14:cNvPr id="47" name="Ink 46">
+                <a:extLst>
+                  <a:ext uri="{FF2B5EF4-FFF2-40B4-BE49-F238E27FC236}">
+                    <a16:creationId xmlns:a16="http://schemas.microsoft.com/office/drawing/2014/main" id="{137808AD-528C-A6EF-1693-B8B22D36F190}"/>
+                  </a:ext>
+                </a:extLst>
+              </p14:cNvPr>
+              <p14:cNvContentPartPr/>
+              <p14:nvPr/>
+            </p14:nvContentPartPr>
+            <p14:xfrm>
+              <a:off x="8665806" y="3244900"/>
+              <a:ext cx="206640" cy="36720"/>
+            </p14:xfrm>
+          </p:contentPart>
+        </mc:Choice>
+        <mc:Fallback>
+          <p:pic>
+            <p:nvPicPr>
+              <p:cNvPr id="47" name="Ink 46">
+                <a:extLst>
+                  <a:ext uri="{FF2B5EF4-FFF2-40B4-BE49-F238E27FC236}">
+                    <a16:creationId xmlns:a16="http://schemas.microsoft.com/office/drawing/2014/main" id="{137808AD-528C-A6EF-1693-B8B22D36F190}"/>
+                  </a:ext>
+                </a:extLst>
+              </p:cNvPr>
+              <p:cNvPicPr/>
+              <p:nvPr/>
+            </p:nvPicPr>
+            <p:blipFill>
+              <a:blip r:embed="rId23"/>
+              <a:stretch>
+                <a:fillRect/>
+              </a:stretch>
+            </p:blipFill>
+            <p:spPr>
+              <a:xfrm>
+                <a:off x="8656806" y="3236260"/>
+                <a:ext cx="224280" cy="54360"/>
+              </a:xfrm>
+              <a:prstGeom prst="rect">
+                <a:avLst/>
+              </a:prstGeom>
+            </p:spPr>
+          </p:pic>
+        </mc:Fallback>
+      </mc:AlternateContent>
+      <mc:AlternateContent xmlns:mc="http://schemas.openxmlformats.org/markup-compatibility/2006">
+        <mc:Choice xmlns:p14="http://schemas.microsoft.com/office/powerpoint/2010/main" Requires="p14">
+          <p:contentPart p14:bwMode="auto" r:id="rId24">
+            <p14:nvContentPartPr>
+              <p14:cNvPr id="49" name="Ink 48">
+                <a:extLst>
+                  <a:ext uri="{FF2B5EF4-FFF2-40B4-BE49-F238E27FC236}">
+                    <a16:creationId xmlns:a16="http://schemas.microsoft.com/office/drawing/2014/main" id="{0439E320-66AF-F6BF-8DC9-BA47731BCCDD}"/>
+                  </a:ext>
+                </a:extLst>
+              </p14:cNvPr>
+              <p14:cNvContentPartPr/>
+              <p14:nvPr/>
+            </p14:nvContentPartPr>
+            <p14:xfrm>
+              <a:off x="9053166" y="3309700"/>
+              <a:ext cx="252720" cy="24840"/>
+            </p14:xfrm>
+          </p:contentPart>
+        </mc:Choice>
+        <mc:Fallback>
+          <p:pic>
+            <p:nvPicPr>
+              <p:cNvPr id="49" name="Ink 48">
+                <a:extLst>
+                  <a:ext uri="{FF2B5EF4-FFF2-40B4-BE49-F238E27FC236}">
+                    <a16:creationId xmlns:a16="http://schemas.microsoft.com/office/drawing/2014/main" id="{0439E320-66AF-F6BF-8DC9-BA47731BCCDD}"/>
+                  </a:ext>
+                </a:extLst>
+              </p:cNvPr>
+              <p:cNvPicPr/>
+              <p:nvPr/>
+            </p:nvPicPr>
+            <p:blipFill>
+              <a:blip r:embed="rId25"/>
+              <a:stretch>
+                <a:fillRect/>
+              </a:stretch>
+            </p:blipFill>
+            <p:spPr>
+              <a:xfrm>
+                <a:off x="9044526" y="3301060"/>
+                <a:ext cx="270360" cy="42480"/>
+              </a:xfrm>
+              <a:prstGeom prst="rect">
+                <a:avLst/>
+              </a:prstGeom>
+            </p:spPr>
+          </p:pic>
+        </mc:Fallback>
+      </mc:AlternateContent>
+      <mc:AlternateContent xmlns:mc="http://schemas.openxmlformats.org/markup-compatibility/2006">
+        <mc:Choice xmlns:p14="http://schemas.microsoft.com/office/powerpoint/2010/main" Requires="p14">
+          <p:contentPart p14:bwMode="auto" r:id="rId26">
+            <p14:nvContentPartPr>
+              <p14:cNvPr id="50" name="Ink 49">
+                <a:extLst>
+                  <a:ext uri="{FF2B5EF4-FFF2-40B4-BE49-F238E27FC236}">
+                    <a16:creationId xmlns:a16="http://schemas.microsoft.com/office/drawing/2014/main" id="{C3FACAD4-A063-3953-1492-B69446C715F3}"/>
+                  </a:ext>
+                </a:extLst>
+              </p14:cNvPr>
+              <p14:cNvContentPartPr/>
+              <p14:nvPr/>
+            </p14:nvContentPartPr>
+            <p14:xfrm>
+              <a:off x="9504246" y="3356860"/>
+              <a:ext cx="255240" cy="37080"/>
+            </p14:xfrm>
+          </p:contentPart>
+        </mc:Choice>
+        <mc:Fallback>
+          <p:pic>
+            <p:nvPicPr>
+              <p:cNvPr id="50" name="Ink 49">
+                <a:extLst>
+                  <a:ext uri="{FF2B5EF4-FFF2-40B4-BE49-F238E27FC236}">
+                    <a16:creationId xmlns:a16="http://schemas.microsoft.com/office/drawing/2014/main" id="{C3FACAD4-A063-3953-1492-B69446C715F3}"/>
+                  </a:ext>
+                </a:extLst>
+              </p:cNvPr>
+              <p:cNvPicPr/>
+              <p:nvPr/>
+            </p:nvPicPr>
+            <p:blipFill>
+              <a:blip r:embed="rId27"/>
+              <a:stretch>
+                <a:fillRect/>
+              </a:stretch>
+            </p:blipFill>
+            <p:spPr>
+              <a:xfrm>
+                <a:off x="9495246" y="3347860"/>
+                <a:ext cx="272880" cy="54720"/>
+              </a:xfrm>
+              <a:prstGeom prst="rect">
+                <a:avLst/>
+              </a:prstGeom>
+            </p:spPr>
+          </p:pic>
+        </mc:Fallback>
+      </mc:AlternateContent>
+      <mc:AlternateContent xmlns:mc="http://schemas.openxmlformats.org/markup-compatibility/2006">
+        <mc:Choice xmlns:p14="http://schemas.microsoft.com/office/powerpoint/2010/main" Requires="p14">
+          <p:contentPart p14:bwMode="auto" r:id="rId28">
+            <p14:nvContentPartPr>
+              <p14:cNvPr id="51" name="Ink 50">
+                <a:extLst>
+                  <a:ext uri="{FF2B5EF4-FFF2-40B4-BE49-F238E27FC236}">
+                    <a16:creationId xmlns:a16="http://schemas.microsoft.com/office/drawing/2014/main" id="{B4645744-845D-ADEC-66C1-CA3BB6605491}"/>
+                  </a:ext>
+                </a:extLst>
+              </p14:cNvPr>
+              <p14:cNvContentPartPr/>
+              <p14:nvPr/>
+            </p14:nvContentPartPr>
+            <p14:xfrm>
+              <a:off x="9759126" y="3393580"/>
+              <a:ext cx="360" cy="360"/>
+            </p14:xfrm>
+          </p:contentPart>
+        </mc:Choice>
+        <mc:Fallback>
+          <p:pic>
+            <p:nvPicPr>
+              <p:cNvPr id="51" name="Ink 50">
+                <a:extLst>
+                  <a:ext uri="{FF2B5EF4-FFF2-40B4-BE49-F238E27FC236}">
+                    <a16:creationId xmlns:a16="http://schemas.microsoft.com/office/drawing/2014/main" id="{B4645744-845D-ADEC-66C1-CA3BB6605491}"/>
+                  </a:ext>
+                </a:extLst>
+              </p:cNvPr>
+              <p:cNvPicPr/>
+              <p:nvPr/>
+            </p:nvPicPr>
+            <p:blipFill>
+              <a:blip r:embed="rId29"/>
+              <a:stretch>
+                <a:fillRect/>
+              </a:stretch>
+            </p:blipFill>
+            <p:spPr>
+              <a:xfrm>
+                <a:off x="9750486" y="3384580"/>
+                <a:ext cx="18000" cy="18000"/>
+              </a:xfrm>
+              <a:prstGeom prst="rect">
+                <a:avLst/>
+              </a:prstGeom>
+            </p:spPr>
+          </p:pic>
+        </mc:Fallback>
+      </mc:AlternateContent>
+      <mc:AlternateContent xmlns:mc="http://schemas.openxmlformats.org/markup-compatibility/2006">
+        <mc:Choice xmlns:p14="http://schemas.microsoft.com/office/powerpoint/2010/main" Requires="p14">
+          <p:contentPart p14:bwMode="auto" r:id="rId30">
+            <p14:nvContentPartPr>
+              <p14:cNvPr id="52" name="Ink 51">
+                <a:extLst>
+                  <a:ext uri="{FF2B5EF4-FFF2-40B4-BE49-F238E27FC236}">
+                    <a16:creationId xmlns:a16="http://schemas.microsoft.com/office/drawing/2014/main" id="{8FA0AAF8-5FF6-18F0-D076-BBBBC65AE3AA}"/>
+                  </a:ext>
+                </a:extLst>
+              </p14:cNvPr>
+              <p14:cNvContentPartPr/>
+              <p14:nvPr/>
+            </p14:nvContentPartPr>
+            <p14:xfrm>
+              <a:off x="9871806" y="3407620"/>
+              <a:ext cx="139320" cy="12240"/>
+            </p14:xfrm>
+          </p:contentPart>
+        </mc:Choice>
+        <mc:Fallback>
+          <p:pic>
+            <p:nvPicPr>
+              <p:cNvPr id="52" name="Ink 51">
+                <a:extLst>
+                  <a:ext uri="{FF2B5EF4-FFF2-40B4-BE49-F238E27FC236}">
+                    <a16:creationId xmlns:a16="http://schemas.microsoft.com/office/drawing/2014/main" id="{8FA0AAF8-5FF6-18F0-D076-BBBBC65AE3AA}"/>
+                  </a:ext>
+                </a:extLst>
+              </p:cNvPr>
+              <p:cNvPicPr/>
+              <p:nvPr/>
+            </p:nvPicPr>
+            <p:blipFill>
+              <a:blip r:embed="rId31"/>
+              <a:stretch>
+                <a:fillRect/>
+              </a:stretch>
+            </p:blipFill>
+            <p:spPr>
+              <a:xfrm>
+                <a:off x="9863166" y="3398620"/>
+                <a:ext cx="156960" cy="29880"/>
+              </a:xfrm>
+              <a:prstGeom prst="rect">
+                <a:avLst/>
+              </a:prstGeom>
+            </p:spPr>
+          </p:pic>
+        </mc:Fallback>
+      </mc:AlternateContent>
+      <mc:AlternateContent xmlns:mc="http://schemas.openxmlformats.org/markup-compatibility/2006">
+        <mc:Choice xmlns:p14="http://schemas.microsoft.com/office/powerpoint/2010/main" Requires="p14">
+          <p:contentPart p14:bwMode="auto" r:id="rId32">
+            <p14:nvContentPartPr>
+              <p14:cNvPr id="53" name="Ink 52">
+                <a:extLst>
+                  <a:ext uri="{FF2B5EF4-FFF2-40B4-BE49-F238E27FC236}">
+                    <a16:creationId xmlns:a16="http://schemas.microsoft.com/office/drawing/2014/main" id="{C1868B80-5CA3-C5FC-18D7-BF5754B36432}"/>
+                  </a:ext>
+                </a:extLst>
+              </p14:cNvPr>
+              <p14:cNvContentPartPr/>
+              <p14:nvPr/>
+            </p14:nvContentPartPr>
+            <p14:xfrm>
+              <a:off x="10138926" y="3450820"/>
+              <a:ext cx="157680" cy="42840"/>
+            </p14:xfrm>
+          </p:contentPart>
+        </mc:Choice>
+        <mc:Fallback>
+          <p:pic>
+            <p:nvPicPr>
+              <p:cNvPr id="53" name="Ink 52">
+                <a:extLst>
+                  <a:ext uri="{FF2B5EF4-FFF2-40B4-BE49-F238E27FC236}">
+                    <a16:creationId xmlns:a16="http://schemas.microsoft.com/office/drawing/2014/main" id="{C1868B80-5CA3-C5FC-18D7-BF5754B36432}"/>
+                  </a:ext>
+                </a:extLst>
+              </p:cNvPr>
+              <p:cNvPicPr/>
+              <p:nvPr/>
+            </p:nvPicPr>
+            <p:blipFill>
+              <a:blip r:embed="rId33"/>
+              <a:stretch>
+                <a:fillRect/>
+              </a:stretch>
+            </p:blipFill>
+            <p:spPr>
+              <a:xfrm>
+                <a:off x="10129926" y="3441820"/>
+                <a:ext cx="175320" cy="60480"/>
+              </a:xfrm>
+              <a:prstGeom prst="rect">
+                <a:avLst/>
+              </a:prstGeom>
+            </p:spPr>
+          </p:pic>
+        </mc:Fallback>
+      </mc:AlternateContent>
+      <mc:AlternateContent xmlns:mc="http://schemas.openxmlformats.org/markup-compatibility/2006">
+        <mc:Choice xmlns:p14="http://schemas.microsoft.com/office/powerpoint/2010/main" Requires="p14">
+          <p:contentPart p14:bwMode="auto" r:id="rId34">
+            <p14:nvContentPartPr>
+              <p14:cNvPr id="65" name="Ink 64">
+                <a:extLst>
+                  <a:ext uri="{FF2B5EF4-FFF2-40B4-BE49-F238E27FC236}">
+                    <a16:creationId xmlns:a16="http://schemas.microsoft.com/office/drawing/2014/main" id="{FC008E2A-22C9-999F-965A-AE33385320A9}"/>
+                  </a:ext>
+                </a:extLst>
+              </p14:cNvPr>
+              <p14:cNvContentPartPr/>
+              <p14:nvPr/>
+            </p14:nvContentPartPr>
+            <p14:xfrm>
+              <a:off x="9335406" y="3367300"/>
+              <a:ext cx="316440" cy="1387440"/>
+            </p14:xfrm>
+          </p:contentPart>
+        </mc:Choice>
+        <mc:Fallback>
+          <p:pic>
+            <p:nvPicPr>
+              <p:cNvPr id="65" name="Ink 64">
+                <a:extLst>
+                  <a:ext uri="{FF2B5EF4-FFF2-40B4-BE49-F238E27FC236}">
+                    <a16:creationId xmlns:a16="http://schemas.microsoft.com/office/drawing/2014/main" id="{FC008E2A-22C9-999F-965A-AE33385320A9}"/>
+                  </a:ext>
+                </a:extLst>
+              </p:cNvPr>
+              <p:cNvPicPr/>
+              <p:nvPr/>
+            </p:nvPicPr>
+            <p:blipFill>
+              <a:blip r:embed="rId35"/>
+              <a:stretch>
+                <a:fillRect/>
+              </a:stretch>
+            </p:blipFill>
+            <p:spPr>
+              <a:xfrm>
+                <a:off x="9326406" y="3358300"/>
+                <a:ext cx="334080" cy="1405080"/>
+              </a:xfrm>
+              <a:prstGeom prst="rect">
+                <a:avLst/>
+              </a:prstGeom>
+            </p:spPr>
+          </p:pic>
+        </mc:Fallback>
+      </mc:AlternateContent>
+      <mc:AlternateContent xmlns:mc="http://schemas.openxmlformats.org/markup-compatibility/2006">
+        <mc:Choice xmlns:p14="http://schemas.microsoft.com/office/powerpoint/2010/main" Requires="p14">
+          <p:contentPart p14:bwMode="auto" r:id="rId36">
+            <p14:nvContentPartPr>
+              <p14:cNvPr id="67" name="Ink 66">
+                <a:extLst>
+                  <a:ext uri="{FF2B5EF4-FFF2-40B4-BE49-F238E27FC236}">
+                    <a16:creationId xmlns:a16="http://schemas.microsoft.com/office/drawing/2014/main" id="{F950BE13-A573-D7A5-7831-090EDA3BBE6E}"/>
+                  </a:ext>
+                </a:extLst>
+              </p14:cNvPr>
+              <p14:cNvContentPartPr/>
+              <p14:nvPr/>
+            </p14:nvContentPartPr>
+            <p14:xfrm>
+              <a:off x="9121926" y="2872660"/>
+              <a:ext cx="257760" cy="327600"/>
+            </p14:xfrm>
+          </p:contentPart>
+        </mc:Choice>
+        <mc:Fallback>
+          <p:pic>
+            <p:nvPicPr>
+              <p:cNvPr id="67" name="Ink 66">
+                <a:extLst>
+                  <a:ext uri="{FF2B5EF4-FFF2-40B4-BE49-F238E27FC236}">
+                    <a16:creationId xmlns:a16="http://schemas.microsoft.com/office/drawing/2014/main" id="{F950BE13-A573-D7A5-7831-090EDA3BBE6E}"/>
+                  </a:ext>
+                </a:extLst>
+              </p:cNvPr>
+              <p:cNvPicPr/>
+              <p:nvPr/>
+            </p:nvPicPr>
+            <p:blipFill>
+              <a:blip r:embed="rId37"/>
+              <a:stretch>
+                <a:fillRect/>
+              </a:stretch>
+            </p:blipFill>
+            <p:spPr>
+              <a:xfrm>
+                <a:off x="9112926" y="2863660"/>
+                <a:ext cx="275400" cy="345240"/>
+              </a:xfrm>
+              <a:prstGeom prst="rect">
+                <a:avLst/>
+              </a:prstGeom>
+            </p:spPr>
+          </p:pic>
+        </mc:Fallback>
+      </mc:AlternateContent>
+      <mc:AlternateContent xmlns:mc="http://schemas.openxmlformats.org/markup-compatibility/2006">
+        <mc:Choice xmlns:p14="http://schemas.microsoft.com/office/powerpoint/2010/main" Requires="p14">
+          <p:contentPart p14:bwMode="auto" r:id="rId38">
+            <p14:nvContentPartPr>
+              <p14:cNvPr id="69" name="Ink 68">
+                <a:extLst>
+                  <a:ext uri="{FF2B5EF4-FFF2-40B4-BE49-F238E27FC236}">
+                    <a16:creationId xmlns:a16="http://schemas.microsoft.com/office/drawing/2014/main" id="{E356A3E7-9985-E97B-053E-720DC1FFFCD1}"/>
+                  </a:ext>
+                </a:extLst>
+              </p14:cNvPr>
+              <p14:cNvContentPartPr/>
+              <p14:nvPr/>
+            </p14:nvContentPartPr>
+            <p14:xfrm>
+              <a:off x="9575886" y="3587260"/>
+              <a:ext cx="164160" cy="157680"/>
+            </p14:xfrm>
+          </p:contentPart>
+        </mc:Choice>
+        <mc:Fallback>
+          <p:pic>
+            <p:nvPicPr>
+              <p:cNvPr id="69" name="Ink 68">
+                <a:extLst>
+                  <a:ext uri="{FF2B5EF4-FFF2-40B4-BE49-F238E27FC236}">
+                    <a16:creationId xmlns:a16="http://schemas.microsoft.com/office/drawing/2014/main" id="{E356A3E7-9985-E97B-053E-720DC1FFFCD1}"/>
+                  </a:ext>
+                </a:extLst>
+              </p:cNvPr>
+              <p:cNvPicPr/>
+              <p:nvPr/>
+            </p:nvPicPr>
+            <p:blipFill>
+              <a:blip r:embed="rId39"/>
+              <a:stretch>
+                <a:fillRect/>
+              </a:stretch>
+            </p:blipFill>
+            <p:spPr>
+              <a:xfrm>
+                <a:off x="9566886" y="3578620"/>
+                <a:ext cx="181800" cy="175320"/>
+              </a:xfrm>
+              <a:prstGeom prst="rect">
+                <a:avLst/>
+              </a:prstGeom>
+            </p:spPr>
+          </p:pic>
+        </mc:Fallback>
+      </mc:AlternateContent>
+      <p:grpSp>
+        <p:nvGrpSpPr>
+          <p:cNvPr id="74" name="Group 73">
+            <a:extLst>
+              <a:ext uri="{FF2B5EF4-FFF2-40B4-BE49-F238E27FC236}">
+                <a16:creationId xmlns:a16="http://schemas.microsoft.com/office/drawing/2014/main" id="{6E56C953-EFC9-D187-C037-01F097F8CA9A}"/>
+              </a:ext>
+            </a:extLst>
+          </p:cNvPr>
+          <p:cNvGrpSpPr/>
+          <p:nvPr/>
+        </p:nvGrpSpPr>
+        <p:grpSpPr>
+          <a:xfrm>
+            <a:off x="8686326" y="3685180"/>
+            <a:ext cx="1181160" cy="1110240"/>
+            <a:chOff x="8686326" y="3685180"/>
+            <a:chExt cx="1181160" cy="1110240"/>
+          </a:xfrm>
+        </p:grpSpPr>
+        <mc:AlternateContent xmlns:mc="http://schemas.openxmlformats.org/markup-compatibility/2006">
+          <mc:Choice xmlns:p14="http://schemas.microsoft.com/office/powerpoint/2010/main" Requires="p14">
+            <p:contentPart p14:bwMode="auto" r:id="rId40">
+              <p14:nvContentPartPr>
+                <p14:cNvPr id="58" name="Ink 57">
+                  <a:extLst>
+                    <a:ext uri="{FF2B5EF4-FFF2-40B4-BE49-F238E27FC236}">
+                      <a16:creationId xmlns:a16="http://schemas.microsoft.com/office/drawing/2014/main" id="{6D9EB878-B5F5-0FE2-5599-06CE0F836001}"/>
+                    </a:ext>
+                  </a:extLst>
+                </p14:cNvPr>
+                <p14:cNvContentPartPr/>
+                <p14:nvPr/>
+              </p14:nvContentPartPr>
+              <p14:xfrm>
+                <a:off x="8865246" y="4214020"/>
+                <a:ext cx="181440" cy="547200"/>
+              </p14:xfrm>
+            </p:contentPart>
+          </mc:Choice>
+          <mc:Fallback>
+            <p:pic>
+              <p:nvPicPr>
+                <p:cNvPr id="58" name="Ink 57">
+                  <a:extLst>
+                    <a:ext uri="{FF2B5EF4-FFF2-40B4-BE49-F238E27FC236}">
+                      <a16:creationId xmlns:a16="http://schemas.microsoft.com/office/drawing/2014/main" id="{6D9EB878-B5F5-0FE2-5599-06CE0F836001}"/>
+                    </a:ext>
+                  </a:extLst>
+                </p:cNvPr>
+                <p:cNvPicPr/>
+                <p:nvPr/>
+              </p:nvPicPr>
+              <p:blipFill>
+                <a:blip r:embed="rId41"/>
+                <a:stretch>
+                  <a:fillRect/>
+                </a:stretch>
+              </p:blipFill>
+              <p:spPr>
+                <a:xfrm>
+                  <a:off x="8856606" y="4205380"/>
+                  <a:ext cx="199080" cy="564840"/>
+                </a:xfrm>
+                <a:prstGeom prst="rect">
+                  <a:avLst/>
+                </a:prstGeom>
+              </p:spPr>
+            </p:pic>
+          </mc:Fallback>
+        </mc:AlternateContent>
+        <mc:AlternateContent xmlns:mc="http://schemas.openxmlformats.org/markup-compatibility/2006">
+          <mc:Choice xmlns:p14="http://schemas.microsoft.com/office/powerpoint/2010/main" Requires="p14">
+            <p:contentPart p14:bwMode="auto" r:id="rId42">
+              <p14:nvContentPartPr>
+                <p14:cNvPr id="59" name="Ink 58">
+                  <a:extLst>
+                    <a:ext uri="{FF2B5EF4-FFF2-40B4-BE49-F238E27FC236}">
+                      <a16:creationId xmlns:a16="http://schemas.microsoft.com/office/drawing/2014/main" id="{21A70E59-8400-E3A1-8BE1-0EBD598C0399}"/>
+                    </a:ext>
+                  </a:extLst>
+                </p14:cNvPr>
+                <p14:cNvContentPartPr/>
+                <p14:nvPr/>
+              </p14:nvContentPartPr>
+              <p14:xfrm>
+                <a:off x="8989086" y="4455940"/>
+                <a:ext cx="141120" cy="196920"/>
+              </p14:xfrm>
+            </p:contentPart>
+          </mc:Choice>
+          <mc:Fallback>
+            <p:pic>
+              <p:nvPicPr>
+                <p:cNvPr id="59" name="Ink 58">
+                  <a:extLst>
+                    <a:ext uri="{FF2B5EF4-FFF2-40B4-BE49-F238E27FC236}">
+                      <a16:creationId xmlns:a16="http://schemas.microsoft.com/office/drawing/2014/main" id="{21A70E59-8400-E3A1-8BE1-0EBD598C0399}"/>
+                    </a:ext>
+                  </a:extLst>
+                </p:cNvPr>
+                <p:cNvPicPr/>
+                <p:nvPr/>
+              </p:nvPicPr>
+              <p:blipFill>
+                <a:blip r:embed="rId43"/>
+                <a:stretch>
+                  <a:fillRect/>
+                </a:stretch>
+              </p:blipFill>
+              <p:spPr>
+                <a:xfrm>
+                  <a:off x="8980086" y="4447300"/>
+                  <a:ext cx="158760" cy="214560"/>
+                </a:xfrm>
+                <a:prstGeom prst="rect">
+                  <a:avLst/>
+                </a:prstGeom>
+              </p:spPr>
+            </p:pic>
+          </mc:Fallback>
+        </mc:AlternateContent>
+        <mc:AlternateContent xmlns:mc="http://schemas.openxmlformats.org/markup-compatibility/2006">
+          <mc:Choice xmlns:p14="http://schemas.microsoft.com/office/powerpoint/2010/main" Requires="p14">
+            <p:contentPart p14:bwMode="auto" r:id="rId44">
+              <p14:nvContentPartPr>
+                <p14:cNvPr id="61" name="Ink 60">
+                  <a:extLst>
+                    <a:ext uri="{FF2B5EF4-FFF2-40B4-BE49-F238E27FC236}">
+                      <a16:creationId xmlns:a16="http://schemas.microsoft.com/office/drawing/2014/main" id="{691B590A-C150-BBC2-3A28-AE405831BE80}"/>
+                    </a:ext>
+                  </a:extLst>
+                </p14:cNvPr>
+                <p14:cNvContentPartPr/>
+                <p14:nvPr/>
+              </p14:nvContentPartPr>
+              <p14:xfrm>
+                <a:off x="9415326" y="4251100"/>
+                <a:ext cx="452160" cy="536040"/>
+              </p14:xfrm>
+            </p:contentPart>
+          </mc:Choice>
+          <mc:Fallback>
+            <p:pic>
+              <p:nvPicPr>
+                <p:cNvPr id="61" name="Ink 60">
+                  <a:extLst>
+                    <a:ext uri="{FF2B5EF4-FFF2-40B4-BE49-F238E27FC236}">
+                      <a16:creationId xmlns:a16="http://schemas.microsoft.com/office/drawing/2014/main" id="{691B590A-C150-BBC2-3A28-AE405831BE80}"/>
+                    </a:ext>
+                  </a:extLst>
+                </p:cNvPr>
+                <p:cNvPicPr/>
+                <p:nvPr/>
+              </p:nvPicPr>
+              <p:blipFill>
+                <a:blip r:embed="rId45"/>
+                <a:stretch>
+                  <a:fillRect/>
+                </a:stretch>
+              </p:blipFill>
+              <p:spPr>
+                <a:xfrm>
+                  <a:off x="9406326" y="4242100"/>
+                  <a:ext cx="469800" cy="553680"/>
+                </a:xfrm>
+                <a:prstGeom prst="rect">
+                  <a:avLst/>
+                </a:prstGeom>
+              </p:spPr>
+            </p:pic>
+          </mc:Fallback>
+        </mc:AlternateContent>
+        <mc:AlternateContent xmlns:mc="http://schemas.openxmlformats.org/markup-compatibility/2006">
+          <mc:Choice xmlns:p14="http://schemas.microsoft.com/office/powerpoint/2010/main" Requires="p14">
+            <p:contentPart p14:bwMode="auto" r:id="rId46">
+              <p14:nvContentPartPr>
+                <p14:cNvPr id="63" name="Ink 62">
+                  <a:extLst>
+                    <a:ext uri="{FF2B5EF4-FFF2-40B4-BE49-F238E27FC236}">
+                      <a16:creationId xmlns:a16="http://schemas.microsoft.com/office/drawing/2014/main" id="{DC7803E3-15FF-F810-3CDB-D7D7410DFC31}"/>
+                    </a:ext>
+                  </a:extLst>
+                </p14:cNvPr>
+                <p14:cNvContentPartPr/>
+                <p14:nvPr/>
+              </p14:nvContentPartPr>
+              <p14:xfrm>
+                <a:off x="9622326" y="4409860"/>
+                <a:ext cx="138600" cy="211320"/>
+              </p14:xfrm>
+            </p:contentPart>
+          </mc:Choice>
+          <mc:Fallback>
+            <p:pic>
+              <p:nvPicPr>
+                <p:cNvPr id="63" name="Ink 62">
+                  <a:extLst>
+                    <a:ext uri="{FF2B5EF4-FFF2-40B4-BE49-F238E27FC236}">
+                      <a16:creationId xmlns:a16="http://schemas.microsoft.com/office/drawing/2014/main" id="{DC7803E3-15FF-F810-3CDB-D7D7410DFC31}"/>
+                    </a:ext>
+                  </a:extLst>
+                </p:cNvPr>
+                <p:cNvPicPr/>
+                <p:nvPr/>
+              </p:nvPicPr>
+              <p:blipFill>
+                <a:blip r:embed="rId47"/>
+                <a:stretch>
+                  <a:fillRect/>
+                </a:stretch>
+              </p:blipFill>
+              <p:spPr>
+                <a:xfrm>
+                  <a:off x="9613326" y="4401220"/>
+                  <a:ext cx="156240" cy="228960"/>
+                </a:xfrm>
+                <a:prstGeom prst="rect">
+                  <a:avLst/>
+                </a:prstGeom>
+              </p:spPr>
+            </p:pic>
+          </mc:Fallback>
+        </mc:AlternateContent>
+        <mc:AlternateContent xmlns:mc="http://schemas.openxmlformats.org/markup-compatibility/2006">
+          <mc:Choice xmlns:p14="http://schemas.microsoft.com/office/powerpoint/2010/main" Requires="p14">
+            <p:contentPart p14:bwMode="auto" r:id="rId48">
+              <p14:nvContentPartPr>
+                <p14:cNvPr id="71" name="Ink 70">
+                  <a:extLst>
+                    <a:ext uri="{FF2B5EF4-FFF2-40B4-BE49-F238E27FC236}">
+                      <a16:creationId xmlns:a16="http://schemas.microsoft.com/office/drawing/2014/main" id="{0E61DF16-02D6-28AB-CD75-48FF63FC9C7C}"/>
+                    </a:ext>
+                  </a:extLst>
+                </p14:cNvPr>
+                <p14:cNvContentPartPr/>
+                <p14:nvPr/>
+              </p14:nvContentPartPr>
+              <p14:xfrm>
+                <a:off x="8686326" y="3685180"/>
+                <a:ext cx="681120" cy="1110240"/>
+              </p14:xfrm>
+            </p:contentPart>
+          </mc:Choice>
+          <mc:Fallback>
+            <p:pic>
+              <p:nvPicPr>
+                <p:cNvPr id="71" name="Ink 70">
+                  <a:extLst>
+                    <a:ext uri="{FF2B5EF4-FFF2-40B4-BE49-F238E27FC236}">
+                      <a16:creationId xmlns:a16="http://schemas.microsoft.com/office/drawing/2014/main" id="{0E61DF16-02D6-28AB-CD75-48FF63FC9C7C}"/>
+                    </a:ext>
+                  </a:extLst>
+                </p:cNvPr>
+                <p:cNvPicPr/>
+                <p:nvPr/>
+              </p:nvPicPr>
+              <p:blipFill>
+                <a:blip r:embed="rId49"/>
+                <a:stretch>
+                  <a:fillRect/>
+                </a:stretch>
+              </p:blipFill>
+              <p:spPr>
+                <a:xfrm>
+                  <a:off x="8677686" y="3676540"/>
+                  <a:ext cx="698760" cy="1127880"/>
+                </a:xfrm>
+                <a:prstGeom prst="rect">
+                  <a:avLst/>
+                </a:prstGeom>
+              </p:spPr>
+            </p:pic>
+          </mc:Fallback>
+        </mc:AlternateContent>
+        <mc:AlternateContent xmlns:mc="http://schemas.openxmlformats.org/markup-compatibility/2006">
+          <mc:Choice xmlns:p14="http://schemas.microsoft.com/office/powerpoint/2010/main" Requires="p14">
+            <p:contentPart p14:bwMode="auto" r:id="rId50">
+              <p14:nvContentPartPr>
+                <p14:cNvPr id="73" name="Ink 72">
+                  <a:extLst>
+                    <a:ext uri="{FF2B5EF4-FFF2-40B4-BE49-F238E27FC236}">
+                      <a16:creationId xmlns:a16="http://schemas.microsoft.com/office/drawing/2014/main" id="{9CFB3CC3-9E81-1B5F-95B1-7266631E5A21}"/>
+                    </a:ext>
+                  </a:extLst>
+                </p14:cNvPr>
+                <p14:cNvContentPartPr/>
+                <p14:nvPr/>
+              </p14:nvContentPartPr>
+              <p14:xfrm>
+                <a:off x="9186726" y="3798220"/>
+                <a:ext cx="179640" cy="430920"/>
+              </p14:xfrm>
+            </p:contentPart>
+          </mc:Choice>
+          <mc:Fallback>
+            <p:pic>
+              <p:nvPicPr>
+                <p:cNvPr id="73" name="Ink 72">
+                  <a:extLst>
+                    <a:ext uri="{FF2B5EF4-FFF2-40B4-BE49-F238E27FC236}">
+                      <a16:creationId xmlns:a16="http://schemas.microsoft.com/office/drawing/2014/main" id="{9CFB3CC3-9E81-1B5F-95B1-7266631E5A21}"/>
+                    </a:ext>
+                  </a:extLst>
+                </p:cNvPr>
+                <p:cNvPicPr/>
+                <p:nvPr/>
+              </p:nvPicPr>
+              <p:blipFill>
+                <a:blip r:embed="rId51"/>
+                <a:stretch>
+                  <a:fillRect/>
+                </a:stretch>
+              </p:blipFill>
+              <p:spPr>
+                <a:xfrm>
+                  <a:off x="9178086" y="3789580"/>
+                  <a:ext cx="197280" cy="448560"/>
+                </a:xfrm>
+                <a:prstGeom prst="rect">
+                  <a:avLst/>
+                </a:prstGeom>
+              </p:spPr>
+            </p:pic>
+          </mc:Fallback>
+        </mc:AlternateContent>
+      </p:grpSp>
+      <mc:AlternateContent xmlns:mc="http://schemas.openxmlformats.org/markup-compatibility/2006">
+        <mc:Choice xmlns:p14="http://schemas.microsoft.com/office/powerpoint/2010/main" Requires="p14">
+          <p:contentPart p14:bwMode="auto" r:id="rId52">
+            <p14:nvContentPartPr>
+              <p14:cNvPr id="75" name="Ink 74">
+                <a:extLst>
+                  <a:ext uri="{FF2B5EF4-FFF2-40B4-BE49-F238E27FC236}">
+                    <a16:creationId xmlns:a16="http://schemas.microsoft.com/office/drawing/2014/main" id="{8FB25AA4-02CC-CC5D-60F1-E9CF4DCF0D47}"/>
+                  </a:ext>
+                </a:extLst>
+              </p14:cNvPr>
+              <p14:cNvContentPartPr/>
+              <p14:nvPr/>
+            </p14:nvContentPartPr>
+            <p14:xfrm>
+              <a:off x="1036326" y="2396380"/>
+              <a:ext cx="3240" cy="6480"/>
+            </p14:xfrm>
+          </p:contentPart>
+        </mc:Choice>
+        <mc:Fallback>
+          <p:pic>
+            <p:nvPicPr>
+              <p:cNvPr id="75" name="Ink 74">
+                <a:extLst>
+                  <a:ext uri="{FF2B5EF4-FFF2-40B4-BE49-F238E27FC236}">
+                    <a16:creationId xmlns:a16="http://schemas.microsoft.com/office/drawing/2014/main" id="{8FB25AA4-02CC-CC5D-60F1-E9CF4DCF0D47}"/>
+                  </a:ext>
+                </a:extLst>
+              </p:cNvPr>
+              <p:cNvPicPr/>
+              <p:nvPr/>
+            </p:nvPicPr>
+            <p:blipFill>
+              <a:blip r:embed="rId53"/>
+              <a:stretch>
+                <a:fillRect/>
+              </a:stretch>
+            </p:blipFill>
+            <p:spPr>
+              <a:xfrm>
+                <a:off x="1027686" y="2387380"/>
+                <a:ext cx="20880" cy="24120"/>
+              </a:xfrm>
+              <a:prstGeom prst="rect">
+                <a:avLst/>
+              </a:prstGeom>
+            </p:spPr>
+          </p:pic>
+        </mc:Fallback>
+      </mc:AlternateContent>
     </p:spTree>
     <p:extLst>
       <p:ext uri="{BB962C8B-B14F-4D97-AF65-F5344CB8AC3E}">
